--- a/azure-containerization.pptx
+++ b/azure-containerization.pptx
@@ -6,7 +6,7 @@
     <p:sldMasterId id="2147483662" r:id="rId5"/>
   </p:sldMasterIdLst>
   <p:notesMasterIdLst>
-    <p:notesMasterId r:id="rId21"/>
+    <p:notesMasterId r:id="rId25"/>
   </p:notesMasterIdLst>
   <p:sldIdLst>
     <p:sldId id="257" r:id="rId6"/>
@@ -19,11 +19,15 @@
     <p:sldId id="279" r:id="rId13"/>
     <p:sldId id="269" r:id="rId14"/>
     <p:sldId id="270" r:id="rId15"/>
-    <p:sldId id="277" r:id="rId16"/>
-    <p:sldId id="276" r:id="rId17"/>
-    <p:sldId id="278" r:id="rId18"/>
-    <p:sldId id="280" r:id="rId19"/>
+    <p:sldId id="276" r:id="rId16"/>
+    <p:sldId id="278" r:id="rId17"/>
+    <p:sldId id="281" r:id="rId18"/>
+    <p:sldId id="282" r:id="rId19"/>
     <p:sldId id="271" r:id="rId20"/>
+    <p:sldId id="283" r:id="rId21"/>
+    <p:sldId id="284" r:id="rId22"/>
+    <p:sldId id="285" r:id="rId23"/>
+    <p:sldId id="286" r:id="rId24"/>
   </p:sldIdLst>
   <p:sldSz cx="12192000" cy="6858000"/>
   <p:notesSz cx="6858000" cy="9144000"/>
@@ -4576,40 +4580,89 @@
           </a:p>
         </p:txBody>
       </p:sp>
-      <p:pic>
-        <p:nvPicPr>
-          <p:cNvPr id="7" name="Picture 6">
+      <p:sp>
+        <p:nvSpPr>
+          <p:cNvPr id="6" name="Text Placeholder 2">
             <a:extLst>
               <a:ext uri="{FF2B5EF4-FFF2-40B4-BE49-F238E27FC236}">
-                <a16:creationId xmlns:a16="http://schemas.microsoft.com/office/drawing/2014/main" id="{1CE9EA15-E601-45AB-B53F-261EF03EFC68}"/>
+                <a16:creationId xmlns:a16="http://schemas.microsoft.com/office/drawing/2014/main" id="{9633299A-E38D-40C1-A984-747C75C888D2}"/>
               </a:ext>
             </a:extLst>
           </p:cNvPr>
-          <p:cNvPicPr>
-            <a:picLocks noChangeAspect="1"/>
-          </p:cNvPicPr>
-          <p:nvPr/>
-        </p:nvPicPr>
-        <p:blipFill>
-          <a:blip r:embed="rId2"/>
-          <a:stretch>
-            <a:fillRect/>
-          </a:stretch>
-        </p:blipFill>
+          <p:cNvSpPr>
+            <a:spLocks noGrp="1"/>
+          </p:cNvSpPr>
+          <p:nvPr>
+            <p:ph type="body" sz="quarter" idx="11"/>
+          </p:nvPr>
+        </p:nvSpPr>
         <p:spPr>
           <a:xfrm>
-            <a:off x="1083386" y="1320871"/>
-            <a:ext cx="10401902" cy="4740643"/>
+            <a:off x="1083386" y="1590262"/>
+            <a:ext cx="10524898" cy="3658632"/>
           </a:xfrm>
-          <a:prstGeom prst="rect">
-            <a:avLst/>
-          </a:prstGeom>
         </p:spPr>
-      </p:pic>
+        <p:txBody>
+          <a:bodyPr/>
+          <a:lstStyle/>
+          <a:p>
+            <a:r>
+              <a:rPr lang="en-US" dirty="0"/>
+              <a:t>Let’s play ! Run ./createRegister.ps1 script</a:t>
+            </a:r>
+          </a:p>
+          <a:p>
+            <a:endParaRPr lang="pl-PL" dirty="0"/>
+          </a:p>
+          <a:p>
+            <a:r>
+              <a:rPr lang="pl-PL" dirty="0"/>
+              <a:t>-   Create ACR</a:t>
+            </a:r>
+          </a:p>
+          <a:p>
+            <a:pPr marL="457200" indent="-457200">
+              <a:buFontTx/>
+              <a:buChar char="-"/>
+            </a:pPr>
+            <a:r>
+              <a:rPr lang="pl-PL" dirty="0"/>
+              <a:t>Build image </a:t>
+            </a:r>
+          </a:p>
+          <a:p>
+            <a:pPr marL="457200" indent="-457200">
+              <a:buFontTx/>
+              <a:buChar char="-"/>
+            </a:pPr>
+            <a:r>
+              <a:rPr lang="pl-PL" dirty="0"/>
+              <a:t>Push image into ACR</a:t>
+            </a:r>
+          </a:p>
+          <a:p>
+            <a:pPr marL="457200" indent="-457200">
+              <a:buFontTx/>
+              <a:buChar char="-"/>
+            </a:pPr>
+            <a:r>
+              <a:rPr lang="pl-PL" dirty="0"/>
+              <a:t>Run image locally from ACR</a:t>
+            </a:r>
+          </a:p>
+          <a:p>
+            <a:pPr marL="457200" indent="-457200">
+              <a:buFontTx/>
+              <a:buChar char="-"/>
+            </a:pPr>
+            <a:endParaRPr lang="pl-PL" dirty="0"/>
+          </a:p>
+        </p:txBody>
+      </p:sp>
     </p:spTree>
     <p:extLst>
       <p:ext uri="{BB962C8B-B14F-4D97-AF65-F5344CB8AC3E}">
-        <p14:creationId xmlns:p14="http://schemas.microsoft.com/office/powerpoint/2010/main" val="2281465611"/>
+        <p14:creationId xmlns:p14="http://schemas.microsoft.com/office/powerpoint/2010/main" val="638553676"/>
       </p:ext>
     </p:extLst>
   </p:cSld>
@@ -4667,7 +4720,7 @@
           <a:p>
             <a:r>
               <a:rPr lang="pl-PL" dirty="0"/>
-              <a:t>Azure Container Register</a:t>
+              <a:t>Azure Container Instances</a:t>
             </a:r>
           </a:p>
         </p:txBody>
@@ -4728,28 +4781,41 @@
           <a:bodyPr/>
           <a:lstStyle/>
           <a:p>
-            <a:r>
-              <a:rPr lang="en-US" dirty="0"/>
-              <a:t>Let’s play ! Run ./createRegister.ps1 script</a:t>
-            </a:r>
-          </a:p>
-          <a:p>
-            <a:endParaRPr lang="pl-PL" dirty="0"/>
-          </a:p>
-          <a:p>
-            <a:r>
-              <a:rPr lang="pl-PL" dirty="0"/>
-              <a:t>-   Create ACR</a:t>
-            </a:r>
-          </a:p>
-          <a:p>
             <a:pPr marL="457200" indent="-457200">
               <a:buFontTx/>
               <a:buChar char="-"/>
             </a:pPr>
             <a:r>
               <a:rPr lang="pl-PL" dirty="0"/>
-              <a:t>Build image </a:t>
+              <a:t>F</a:t>
+            </a:r>
+            <a:r>
+              <a:rPr lang="en-US" dirty="0" err="1"/>
+              <a:t>ast</a:t>
+            </a:r>
+            <a:r>
+              <a:rPr lang="en-US" dirty="0"/>
+              <a:t> and </a:t>
+            </a:r>
+            <a:r>
+              <a:rPr lang="pl-PL" dirty="0"/>
+              <a:t>super </a:t>
+            </a:r>
+            <a:r>
+              <a:rPr lang="en-US" dirty="0" err="1"/>
+              <a:t>simpl</a:t>
+            </a:r>
+            <a:r>
+              <a:rPr lang="pl-PL" dirty="0"/>
+              <a:t>e</a:t>
+            </a:r>
+            <a:r>
+              <a:rPr lang="en-US" dirty="0"/>
+              <a:t> way to run a container in Azure</a:t>
+            </a:r>
+            <a:r>
+              <a:rPr lang="pl-PL" dirty="0"/>
+              <a:t>.</a:t>
             </a:r>
           </a:p>
           <a:p>
@@ -4759,7 +4825,23 @@
             </a:pPr>
             <a:r>
               <a:rPr lang="pl-PL" dirty="0"/>
-              <a:t>Push image into ACR</a:t>
+              <a:t>Provides p</a:t>
+            </a:r>
+            <a:r>
+              <a:rPr lang="en-US" dirty="0" err="1"/>
+              <a:t>ublic</a:t>
+            </a:r>
+            <a:r>
+              <a:rPr lang="en-US" dirty="0"/>
+              <a:t> IP and DNS </a:t>
+            </a:r>
+            <a:r>
+              <a:rPr lang="en-US" dirty="0" err="1"/>
+              <a:t>nam</a:t>
+            </a:r>
+            <a:r>
+              <a:rPr lang="pl-PL" dirty="0"/>
+              <a:t>e</a:t>
             </a:r>
           </a:p>
           <a:p>
@@ -4769,7 +4851,7 @@
             </a:pPr>
             <a:r>
               <a:rPr lang="pl-PL" dirty="0"/>
-              <a:t>Run image locally</a:t>
+              <a:t>Good solution for small application, POC’s, simple scenarios</a:t>
             </a:r>
           </a:p>
           <a:p>
@@ -4777,6 +4859,16 @@
               <a:buFontTx/>
               <a:buChar char="-"/>
             </a:pPr>
+            <a:r>
+              <a:rPr lang="pl-PL" dirty="0"/>
+              <a:t>If more containers / more sophisticated solution – use K8s or Azure Service Fabric </a:t>
+            </a:r>
+            <a:endParaRPr lang="en-US" dirty="0"/>
+          </a:p>
+          <a:p>
+            <a:br>
+              <a:rPr lang="en-US" dirty="0"/>
+            </a:br>
             <a:endParaRPr lang="pl-PL" dirty="0"/>
           </a:p>
         </p:txBody>
@@ -4784,7 +4876,7 @@
     </p:spTree>
     <p:extLst>
       <p:ext uri="{BB962C8B-B14F-4D97-AF65-F5344CB8AC3E}">
-        <p14:creationId xmlns:p14="http://schemas.microsoft.com/office/powerpoint/2010/main" val="638553676"/>
+        <p14:creationId xmlns:p14="http://schemas.microsoft.com/office/powerpoint/2010/main" val="476371823"/>
       </p:ext>
     </p:extLst>
   </p:cSld>
@@ -4877,6 +4969,36 @@
           </a:p>
         </p:txBody>
       </p:sp>
+      <p:pic>
+        <p:nvPicPr>
+          <p:cNvPr id="7" name="Picture 6">
+            <a:extLst>
+              <a:ext uri="{FF2B5EF4-FFF2-40B4-BE49-F238E27FC236}">
+                <a16:creationId xmlns:a16="http://schemas.microsoft.com/office/drawing/2014/main" id="{3F7894D0-3232-49A2-8D9A-676C7A579EEB}"/>
+              </a:ext>
+            </a:extLst>
+          </p:cNvPr>
+          <p:cNvPicPr>
+            <a:picLocks noChangeAspect="1"/>
+          </p:cNvPicPr>
+          <p:nvPr/>
+        </p:nvPicPr>
+        <p:blipFill>
+          <a:blip r:embed="rId2"/>
+          <a:stretch>
+            <a:fillRect/>
+          </a:stretch>
+        </p:blipFill>
+        <p:spPr>
+          <a:xfrm>
+            <a:off x="1172554" y="1508297"/>
+            <a:ext cx="8801863" cy="3505504"/>
+          </a:xfrm>
+          <a:prstGeom prst="rect">
+            <a:avLst/>
+          </a:prstGeom>
+        </p:spPr>
+      </p:pic>
       <p:sp>
         <p:nvSpPr>
           <p:cNvPr id="6" name="Text Placeholder 2">
@@ -4895,110 +5017,25 @@
         </p:nvSpPr>
         <p:spPr>
           <a:xfrm>
-            <a:off x="1083386" y="1590262"/>
-            <a:ext cx="10524898" cy="3658632"/>
+            <a:off x="1083386" y="5262464"/>
+            <a:ext cx="10524898" cy="963183"/>
           </a:xfrm>
         </p:spPr>
         <p:txBody>
           <a:bodyPr/>
           <a:lstStyle/>
           <a:p>
-            <a:pPr marL="457200" indent="-457200">
-              <a:buFontTx/>
-              <a:buChar char="-"/>
-            </a:pPr>
-            <a:r>
-              <a:rPr lang="pl-PL" dirty="0"/>
-              <a:t>F</a:t>
-            </a:r>
-            <a:r>
-              <a:rPr lang="en-US" dirty="0" err="1"/>
-              <a:t>ast</a:t>
-            </a:r>
-            <a:r>
-              <a:rPr lang="en-US" dirty="0"/>
-              <a:t> and </a:t>
-            </a:r>
-            <a:r>
-              <a:rPr lang="pl-PL" dirty="0"/>
-              <a:t>super </a:t>
-            </a:r>
-            <a:r>
-              <a:rPr lang="en-US" dirty="0" err="1"/>
-              <a:t>simpl</a:t>
-            </a:r>
-            <a:r>
-              <a:rPr lang="pl-PL" dirty="0"/>
-              <a:t>e</a:t>
-            </a:r>
-            <a:r>
-              <a:rPr lang="en-US" dirty="0"/>
-              <a:t> way to run a container in Azure</a:t>
-            </a:r>
-            <a:r>
-              <a:rPr lang="pl-PL" dirty="0"/>
-              <a:t>.</a:t>
-            </a:r>
-          </a:p>
-          <a:p>
-            <a:pPr marL="457200" indent="-457200">
-              <a:buFontTx/>
-              <a:buChar char="-"/>
-            </a:pPr>
-            <a:r>
-              <a:rPr lang="pl-PL" dirty="0"/>
-              <a:t>Provides p</a:t>
-            </a:r>
-            <a:r>
-              <a:rPr lang="en-US" dirty="0" err="1"/>
-              <a:t>ublic</a:t>
-            </a:r>
-            <a:r>
-              <a:rPr lang="en-US" dirty="0"/>
-              <a:t> IP and DNS </a:t>
-            </a:r>
-            <a:r>
-              <a:rPr lang="en-US" dirty="0" err="1"/>
-              <a:t>nam</a:t>
-            </a:r>
-            <a:r>
-              <a:rPr lang="pl-PL" dirty="0"/>
-              <a:t>e</a:t>
-            </a:r>
-          </a:p>
-          <a:p>
-            <a:pPr marL="457200" indent="-457200">
-              <a:buFontTx/>
-              <a:buChar char="-"/>
-            </a:pPr>
-            <a:r>
-              <a:rPr lang="pl-PL" dirty="0"/>
-              <a:t>Good solution for small application, POC’s, simple scenarios</a:t>
-            </a:r>
-          </a:p>
-          <a:p>
-            <a:pPr marL="457200" indent="-457200">
-              <a:buFontTx/>
-              <a:buChar char="-"/>
-            </a:pPr>
-            <a:r>
-              <a:rPr lang="pl-PL" dirty="0"/>
-              <a:t>If more containers / more sophisticated solution – use K8s or Azure Service Fabric </a:t>
-            </a:r>
-            <a:endParaRPr lang="en-US" dirty="0"/>
-          </a:p>
-          <a:p>
-            <a:br>
-              <a:rPr lang="en-US" dirty="0"/>
-            </a:br>
-            <a:endParaRPr lang="pl-PL" dirty="0"/>
+            <a:r>
+              <a:rPr lang="pl-PL" dirty="0"/>
+              <a:t>Container group - single container instance can contains multiple images, they shared the same network.</a:t>
+            </a:r>
           </a:p>
         </p:txBody>
       </p:sp>
     </p:spTree>
     <p:extLst>
       <p:ext uri="{BB962C8B-B14F-4D97-AF65-F5344CB8AC3E}">
-        <p14:creationId xmlns:p14="http://schemas.microsoft.com/office/powerpoint/2010/main" val="476371823"/>
+        <p14:creationId xmlns:p14="http://schemas.microsoft.com/office/powerpoint/2010/main" val="2631373803"/>
       </p:ext>
     </p:extLst>
   </p:cSld>
@@ -5033,7 +5070,7 @@
           <p:cNvPr id="2" name="Text Placeholder 1">
             <a:extLst>
               <a:ext uri="{FF2B5EF4-FFF2-40B4-BE49-F238E27FC236}">
-                <a16:creationId xmlns:a16="http://schemas.microsoft.com/office/drawing/2014/main" id="{409667ED-E2D7-4473-B46A-CB9C054FB204}"/>
+                <a16:creationId xmlns:a16="http://schemas.microsoft.com/office/drawing/2014/main" id="{E36198AD-F532-40F2-8D83-651571C27D5A}"/>
               </a:ext>
             </a:extLst>
           </p:cNvPr>
@@ -5044,37 +5081,20 @@
             <p:ph type="body" sz="quarter" idx="10"/>
           </p:nvPr>
         </p:nvSpPr>
-        <p:spPr/>
+        <p:spPr>
+          <a:xfrm>
+            <a:off x="952758" y="632352"/>
+            <a:ext cx="10524898" cy="1080861"/>
+          </a:xfrm>
+        </p:spPr>
         <p:txBody>
           <a:bodyPr/>
           <a:lstStyle/>
           <a:p>
-            <a:endParaRPr lang="pl-PL"/>
-          </a:p>
-        </p:txBody>
-      </p:sp>
-      <p:sp>
-        <p:nvSpPr>
-          <p:cNvPr id="3" name="Text Placeholder 2">
-            <a:extLst>
-              <a:ext uri="{FF2B5EF4-FFF2-40B4-BE49-F238E27FC236}">
-                <a16:creationId xmlns:a16="http://schemas.microsoft.com/office/drawing/2014/main" id="{9A6F4303-331C-4D61-83A8-0977979628AE}"/>
-              </a:ext>
-            </a:extLst>
-          </p:cNvPr>
-          <p:cNvSpPr>
-            <a:spLocks noGrp="1"/>
-          </p:cNvSpPr>
-          <p:nvPr>
-            <p:ph type="body" sz="quarter" idx="11"/>
-          </p:nvPr>
-        </p:nvSpPr>
-        <p:spPr/>
-        <p:txBody>
-          <a:bodyPr/>
-          <a:lstStyle/>
-          <a:p>
-            <a:endParaRPr lang="pl-PL"/>
+            <a:r>
+              <a:rPr lang="pl-PL" dirty="0"/>
+              <a:t>Azure Container Instances</a:t>
+            </a:r>
           </a:p>
         </p:txBody>
       </p:sp>
@@ -5083,7 +5103,7 @@
           <p:cNvPr id="4" name="Slide Number Placeholder 3">
             <a:extLst>
               <a:ext uri="{FF2B5EF4-FFF2-40B4-BE49-F238E27FC236}">
-                <a16:creationId xmlns:a16="http://schemas.microsoft.com/office/drawing/2014/main" id="{D961DEEF-ACE1-45D2-9CAB-49E3E7455156}"/>
+                <a16:creationId xmlns:a16="http://schemas.microsoft.com/office/drawing/2014/main" id="{3EE17776-166D-44C4-8E82-4C877FEC5410}"/>
               </a:ext>
             </a:extLst>
           </p:cNvPr>
@@ -5108,10 +5128,260 @@
           </a:p>
         </p:txBody>
       </p:sp>
+      <p:sp>
+        <p:nvSpPr>
+          <p:cNvPr id="8" name="Text Placeholder 2">
+            <a:extLst>
+              <a:ext uri="{FF2B5EF4-FFF2-40B4-BE49-F238E27FC236}">
+                <a16:creationId xmlns:a16="http://schemas.microsoft.com/office/drawing/2014/main" id="{C6F05DC3-E3FB-4E81-8BEA-51FEE7B2C8A3}"/>
+              </a:ext>
+            </a:extLst>
+          </p:cNvPr>
+          <p:cNvSpPr txBox="1">
+            <a:spLocks/>
+          </p:cNvSpPr>
+          <p:nvPr/>
+        </p:nvSpPr>
+        <p:spPr>
+          <a:xfrm>
+            <a:off x="1083386" y="1590262"/>
+            <a:ext cx="10524898" cy="3658632"/>
+          </a:xfrm>
+          <a:prstGeom prst="rect">
+            <a:avLst/>
+          </a:prstGeom>
+        </p:spPr>
+        <p:txBody>
+          <a:bodyPr vert="horz" lIns="91440" tIns="45720" rIns="91440" bIns="45720" rtlCol="0">
+            <a:noAutofit/>
+          </a:bodyPr>
+          <a:lstStyle>
+            <a:lvl1pPr marL="0" indent="0" algn="l" defTabSz="914400" rtl="0" eaLnBrk="1" latinLnBrk="0" hangingPunct="1">
+              <a:lnSpc>
+                <a:spcPct val="90000"/>
+              </a:lnSpc>
+              <a:spcBef>
+                <a:spcPts val="1000"/>
+              </a:spcBef>
+              <a:buFont typeface="Arial"/>
+              <a:buNone/>
+              <a:defRPr sz="2800" b="0" i="0" kern="1200">
+                <a:solidFill>
+                  <a:schemeClr val="tx1"/>
+                </a:solidFill>
+                <a:latin typeface="Segoe UI Light" charset="0"/>
+                <a:ea typeface="Segoe UI Light" charset="0"/>
+                <a:cs typeface="Segoe UI Light" charset="0"/>
+              </a:defRPr>
+            </a:lvl1pPr>
+            <a:lvl2pPr marL="685800" indent="-228600" algn="l" defTabSz="914400" rtl="0" eaLnBrk="1" latinLnBrk="0" hangingPunct="1">
+              <a:lnSpc>
+                <a:spcPct val="90000"/>
+              </a:lnSpc>
+              <a:spcBef>
+                <a:spcPts val="500"/>
+              </a:spcBef>
+              <a:buFont typeface="Arial"/>
+              <a:buChar char="•"/>
+              <a:defRPr sz="1800" b="0" i="0" kern="1200">
+                <a:solidFill>
+                  <a:schemeClr val="tx1"/>
+                </a:solidFill>
+                <a:latin typeface="Segoe UI Light" charset="0"/>
+                <a:ea typeface="Segoe UI Light" charset="0"/>
+                <a:cs typeface="Segoe UI Light" charset="0"/>
+              </a:defRPr>
+            </a:lvl2pPr>
+            <a:lvl3pPr marL="1143000" indent="-228600" algn="l" defTabSz="914400" rtl="0" eaLnBrk="1" latinLnBrk="0" hangingPunct="1">
+              <a:lnSpc>
+                <a:spcPct val="90000"/>
+              </a:lnSpc>
+              <a:spcBef>
+                <a:spcPts val="500"/>
+              </a:spcBef>
+              <a:buFont typeface="Arial"/>
+              <a:buChar char="•"/>
+              <a:defRPr sz="1600" b="0" i="0" kern="1200">
+                <a:solidFill>
+                  <a:schemeClr val="tx1"/>
+                </a:solidFill>
+                <a:latin typeface="Segoe UI Light" charset="0"/>
+                <a:ea typeface="Segoe UI Light" charset="0"/>
+                <a:cs typeface="Segoe UI Light" charset="0"/>
+              </a:defRPr>
+            </a:lvl3pPr>
+            <a:lvl4pPr marL="1600200" indent="-228600" algn="l" defTabSz="914400" rtl="0" eaLnBrk="1" latinLnBrk="0" hangingPunct="1">
+              <a:lnSpc>
+                <a:spcPct val="90000"/>
+              </a:lnSpc>
+              <a:spcBef>
+                <a:spcPts val="500"/>
+              </a:spcBef>
+              <a:buFont typeface="Arial"/>
+              <a:buChar char="•"/>
+              <a:defRPr sz="1400" b="0" i="0" kern="1200">
+                <a:solidFill>
+                  <a:schemeClr val="tx1"/>
+                </a:solidFill>
+                <a:latin typeface="Segoe UI Light" charset="0"/>
+                <a:ea typeface="Segoe UI Light" charset="0"/>
+                <a:cs typeface="Segoe UI Light" charset="0"/>
+              </a:defRPr>
+            </a:lvl4pPr>
+            <a:lvl5pPr marL="2057400" indent="-228600" algn="l" defTabSz="914400" rtl="0" eaLnBrk="1" latinLnBrk="0" hangingPunct="1">
+              <a:lnSpc>
+                <a:spcPct val="90000"/>
+              </a:lnSpc>
+              <a:spcBef>
+                <a:spcPts val="500"/>
+              </a:spcBef>
+              <a:buFont typeface="Arial"/>
+              <a:buChar char="•"/>
+              <a:defRPr sz="1400" b="0" i="0" kern="1200">
+                <a:solidFill>
+                  <a:schemeClr val="tx1"/>
+                </a:solidFill>
+                <a:latin typeface="Segoe UI Light" charset="0"/>
+                <a:ea typeface="Segoe UI Light" charset="0"/>
+                <a:cs typeface="Segoe UI Light" charset="0"/>
+              </a:defRPr>
+            </a:lvl5pPr>
+            <a:lvl6pPr marL="2514600" indent="-228600" algn="l" defTabSz="914400" rtl="0" eaLnBrk="1" latinLnBrk="0" hangingPunct="1">
+              <a:lnSpc>
+                <a:spcPct val="90000"/>
+              </a:lnSpc>
+              <a:spcBef>
+                <a:spcPts val="500"/>
+              </a:spcBef>
+              <a:buFont typeface="Arial"/>
+              <a:buChar char="•"/>
+              <a:defRPr sz="1800" kern="1200">
+                <a:solidFill>
+                  <a:schemeClr val="tx1"/>
+                </a:solidFill>
+                <a:latin typeface="+mn-lt"/>
+                <a:ea typeface="+mn-ea"/>
+                <a:cs typeface="+mn-cs"/>
+              </a:defRPr>
+            </a:lvl6pPr>
+            <a:lvl7pPr marL="2971800" indent="-228600" algn="l" defTabSz="914400" rtl="0" eaLnBrk="1" latinLnBrk="0" hangingPunct="1">
+              <a:lnSpc>
+                <a:spcPct val="90000"/>
+              </a:lnSpc>
+              <a:spcBef>
+                <a:spcPts val="500"/>
+              </a:spcBef>
+              <a:buFont typeface="Arial"/>
+              <a:buChar char="•"/>
+              <a:defRPr sz="1800" kern="1200">
+                <a:solidFill>
+                  <a:schemeClr val="tx1"/>
+                </a:solidFill>
+                <a:latin typeface="+mn-lt"/>
+                <a:ea typeface="+mn-ea"/>
+                <a:cs typeface="+mn-cs"/>
+              </a:defRPr>
+            </a:lvl7pPr>
+            <a:lvl8pPr marL="3429000" indent="-228600" algn="l" defTabSz="914400" rtl="0" eaLnBrk="1" latinLnBrk="0" hangingPunct="1">
+              <a:lnSpc>
+                <a:spcPct val="90000"/>
+              </a:lnSpc>
+              <a:spcBef>
+                <a:spcPts val="500"/>
+              </a:spcBef>
+              <a:buFont typeface="Arial"/>
+              <a:buChar char="•"/>
+              <a:defRPr sz="1800" kern="1200">
+                <a:solidFill>
+                  <a:schemeClr val="tx1"/>
+                </a:solidFill>
+                <a:latin typeface="+mn-lt"/>
+                <a:ea typeface="+mn-ea"/>
+                <a:cs typeface="+mn-cs"/>
+              </a:defRPr>
+            </a:lvl8pPr>
+            <a:lvl9pPr marL="3886200" indent="-228600" algn="l" defTabSz="914400" rtl="0" eaLnBrk="1" latinLnBrk="0" hangingPunct="1">
+              <a:lnSpc>
+                <a:spcPct val="90000"/>
+              </a:lnSpc>
+              <a:spcBef>
+                <a:spcPts val="500"/>
+              </a:spcBef>
+              <a:buFont typeface="Arial"/>
+              <a:buChar char="•"/>
+              <a:defRPr sz="1800" kern="1200">
+                <a:solidFill>
+                  <a:schemeClr val="tx1"/>
+                </a:solidFill>
+                <a:latin typeface="+mn-lt"/>
+                <a:ea typeface="+mn-ea"/>
+                <a:cs typeface="+mn-cs"/>
+              </a:defRPr>
+            </a:lvl9pPr>
+          </a:lstStyle>
+          <a:p>
+            <a:r>
+              <a:rPr lang="en-US" dirty="0"/>
+              <a:t>Let’s play ! Run createImageContainerInstance.ps1</a:t>
+            </a:r>
+            <a:r>
+              <a:rPr lang="pl-PL" dirty="0"/>
+              <a:t>  script </a:t>
+            </a:r>
+            <a:endParaRPr lang="en-US" dirty="0"/>
+          </a:p>
+          <a:p>
+            <a:endParaRPr lang="pl-PL" dirty="0"/>
+          </a:p>
+          <a:p>
+            <a:r>
+              <a:rPr lang="pl-PL" dirty="0"/>
+              <a:t>-   Login into ACR</a:t>
+            </a:r>
+          </a:p>
+          <a:p>
+            <a:pPr marL="457200" indent="-457200">
+              <a:buFontTx/>
+              <a:buChar char="-"/>
+            </a:pPr>
+            <a:r>
+              <a:rPr lang="pl-PL" dirty="0"/>
+              <a:t>Get login and password</a:t>
+            </a:r>
+          </a:p>
+          <a:p>
+            <a:pPr marL="457200" indent="-457200">
+              <a:buFontTx/>
+              <a:buChar char="-"/>
+            </a:pPr>
+            <a:r>
+              <a:rPr lang="pl-PL" dirty="0"/>
+              <a:t>Create container instance using image from ACR</a:t>
+            </a:r>
+          </a:p>
+          <a:p>
+            <a:pPr marL="457200" indent="-457200">
+              <a:buFontTx/>
+              <a:buChar char="-"/>
+            </a:pPr>
+            <a:r>
+              <a:rPr lang="pl-PL" dirty="0"/>
+              <a:t>Run container </a:t>
+            </a:r>
+          </a:p>
+          <a:p>
+            <a:pPr marL="457200" indent="-457200">
+              <a:buFontTx/>
+              <a:buChar char="-"/>
+            </a:pPr>
+            <a:endParaRPr lang="pl-PL" dirty="0"/>
+          </a:p>
+        </p:txBody>
+      </p:sp>
     </p:spTree>
     <p:extLst>
       <p:ext uri="{BB962C8B-B14F-4D97-AF65-F5344CB8AC3E}">
-        <p14:creationId xmlns:p14="http://schemas.microsoft.com/office/powerpoint/2010/main" val="3005798184"/>
+        <p14:creationId xmlns:p14="http://schemas.microsoft.com/office/powerpoint/2010/main" val="4063420593"/>
       </p:ext>
     </p:extLst>
   </p:cSld>
@@ -5190,12 +5460,108 @@
             <p:ph type="body" sz="quarter" idx="11"/>
           </p:nvPr>
         </p:nvSpPr>
-        <p:spPr/>
+        <p:spPr>
+          <a:xfrm>
+            <a:off x="1083386" y="1436914"/>
+            <a:ext cx="10524898" cy="4599992"/>
+          </a:xfrm>
+        </p:spPr>
         <p:txBody>
           <a:bodyPr/>
           <a:lstStyle/>
           <a:p>
+            <a:r>
+              <a:rPr lang="pl-PL" dirty="0"/>
+              <a:t>Containers orchestration freamwork. </a:t>
+            </a:r>
+          </a:p>
+          <a:p>
+            <a:r>
+              <a:rPr lang="pl-PL" dirty="0"/>
+              <a:t>S</a:t>
+            </a:r>
+            <a:r>
+              <a:rPr lang="en-US" dirty="0" err="1"/>
+              <a:t>ystem</a:t>
+            </a:r>
+            <a:r>
+              <a:rPr lang="en-US" dirty="0"/>
+              <a:t> for automating deployment, scaling, and management of containerized applications.</a:t>
+            </a:r>
             <a:endParaRPr lang="pl-PL" dirty="0"/>
+          </a:p>
+          <a:p>
+            <a:pPr marL="457200" indent="-457200">
+              <a:buFontTx/>
+              <a:buChar char="-"/>
+            </a:pPr>
+            <a:r>
+              <a:rPr lang="pl-PL" dirty="0"/>
+              <a:t>deploys multi-container applications</a:t>
+            </a:r>
+          </a:p>
+          <a:p>
+            <a:pPr marL="457200" indent="-457200">
+              <a:buFontTx/>
+              <a:buChar char="-"/>
+            </a:pPr>
+            <a:r>
+              <a:rPr lang="pl-PL" dirty="0"/>
+              <a:t>scales containerized apps</a:t>
+            </a:r>
+          </a:p>
+          <a:p>
+            <a:pPr marL="457200" indent="-457200">
+              <a:buFontTx/>
+              <a:buChar char="-"/>
+            </a:pPr>
+            <a:r>
+              <a:rPr lang="en-US" dirty="0"/>
+              <a:t>rolls out new versions of apps without downtime</a:t>
+            </a:r>
+            <a:endParaRPr lang="pl-PL" dirty="0"/>
+          </a:p>
+          <a:p>
+            <a:pPr marL="457200" indent="-457200">
+              <a:buFontTx/>
+              <a:buChar char="-"/>
+            </a:pPr>
+            <a:r>
+              <a:rPr lang="en-US" dirty="0"/>
+              <a:t>provides </a:t>
+            </a:r>
+            <a:r>
+              <a:rPr lang="en-US" dirty="0" err="1"/>
+              <a:t>networkin</a:t>
+            </a:r>
+            <a:r>
+              <a:rPr lang="pl-PL" dirty="0"/>
+              <a:t>g</a:t>
+            </a:r>
+          </a:p>
+          <a:p>
+            <a:pPr marL="457200" indent="-457200">
+              <a:buFontTx/>
+              <a:buChar char="-"/>
+            </a:pPr>
+            <a:r>
+              <a:rPr lang="en-US" dirty="0"/>
+              <a:t>provides </a:t>
+            </a:r>
+            <a:r>
+              <a:rPr lang="pl-PL" dirty="0"/>
+              <a:t>monitoring, logging, and debugging</a:t>
+            </a:r>
+          </a:p>
+          <a:p>
+            <a:pPr marL="457200" indent="-457200">
+              <a:buFontTx/>
+              <a:buChar char="-"/>
+            </a:pPr>
+            <a:r>
+              <a:rPr lang="pl-PL" dirty="0"/>
+              <a:t>operates in any environment</a:t>
+            </a:r>
           </a:p>
         </p:txBody>
       </p:sp>
@@ -5229,10 +5595,978 @@
           </a:p>
         </p:txBody>
       </p:sp>
+      <p:pic>
+        <p:nvPicPr>
+          <p:cNvPr id="1026" name="Picture 2" descr="Kubernetes (container engine).png">
+            <a:extLst>
+              <a:ext uri="{FF2B5EF4-FFF2-40B4-BE49-F238E27FC236}">
+                <a16:creationId xmlns:a16="http://schemas.microsoft.com/office/drawing/2014/main" id="{60CCE2E9-A712-466C-A1E4-B903DDE714C5}"/>
+              </a:ext>
+            </a:extLst>
+          </p:cNvPr>
+          <p:cNvPicPr>
+            <a:picLocks noChangeAspect="1" noChangeArrowheads="1"/>
+          </p:cNvPicPr>
+          <p:nvPr/>
+        </p:nvPicPr>
+        <p:blipFill>
+          <a:blip r:embed="rId2">
+            <a:extLst>
+              <a:ext uri="{28A0092B-C50C-407E-A947-70E740481C1C}">
+                <a14:useLocalDpi xmlns:a14="http://schemas.microsoft.com/office/drawing/2010/main" val="0"/>
+              </a:ext>
+            </a:extLst>
+          </a:blip>
+          <a:srcRect/>
+          <a:stretch>
+            <a:fillRect/>
+          </a:stretch>
+        </p:blipFill>
+        <p:spPr bwMode="auto">
+          <a:xfrm>
+            <a:off x="9248517" y="67846"/>
+            <a:ext cx="1990725" cy="1933575"/>
+          </a:xfrm>
+          <a:prstGeom prst="rect">
+            <a:avLst/>
+          </a:prstGeom>
+          <a:noFill/>
+          <a:extLst>
+            <a:ext uri="{909E8E84-426E-40DD-AFC4-6F175D3DCCD1}">
+              <a14:hiddenFill xmlns:a14="http://schemas.microsoft.com/office/drawing/2010/main">
+                <a:solidFill>
+                  <a:srgbClr val="FFFFFF"/>
+                </a:solidFill>
+              </a14:hiddenFill>
+            </a:ext>
+          </a:extLst>
+        </p:spPr>
+      </p:pic>
     </p:spTree>
     <p:extLst>
       <p:ext uri="{BB962C8B-B14F-4D97-AF65-F5344CB8AC3E}">
         <p14:creationId xmlns:p14="http://schemas.microsoft.com/office/powerpoint/2010/main" val="2033896720"/>
+      </p:ext>
+    </p:extLst>
+  </p:cSld>
+  <p:clrMapOvr>
+    <a:masterClrMapping/>
+  </p:clrMapOvr>
+  <p:transition>
+    <p:fade/>
+  </p:transition>
+</p:sld>
+</file>
+
+<file path=ppt/slides/slide16.xml><?xml version="1.0" encoding="utf-8"?>
+<p:sld xmlns:a="http://schemas.openxmlformats.org/drawingml/2006/main" xmlns:r="http://schemas.openxmlformats.org/officeDocument/2006/relationships" xmlns:p="http://schemas.openxmlformats.org/presentationml/2006/main">
+  <p:cSld>
+    <p:spTree>
+      <p:nvGrpSpPr>
+        <p:cNvPr id="1" name=""/>
+        <p:cNvGrpSpPr/>
+        <p:nvPr/>
+      </p:nvGrpSpPr>
+      <p:grpSpPr>
+        <a:xfrm>
+          <a:off x="0" y="0"/>
+          <a:ext cx="0" cy="0"/>
+          <a:chOff x="0" y="0"/>
+          <a:chExt cx="0" cy="0"/>
+        </a:xfrm>
+      </p:grpSpPr>
+      <p:sp>
+        <p:nvSpPr>
+          <p:cNvPr id="2" name="Text Placeholder 1">
+            <a:extLst>
+              <a:ext uri="{FF2B5EF4-FFF2-40B4-BE49-F238E27FC236}">
+                <a16:creationId xmlns:a16="http://schemas.microsoft.com/office/drawing/2014/main" id="{E36198AD-F532-40F2-8D83-651571C27D5A}"/>
+              </a:ext>
+            </a:extLst>
+          </p:cNvPr>
+          <p:cNvSpPr>
+            <a:spLocks noGrp="1"/>
+          </p:cNvSpPr>
+          <p:nvPr>
+            <p:ph type="body" sz="quarter" idx="10"/>
+          </p:nvPr>
+        </p:nvSpPr>
+        <p:spPr>
+          <a:xfrm>
+            <a:off x="952758" y="632352"/>
+            <a:ext cx="10524898" cy="1080861"/>
+          </a:xfrm>
+        </p:spPr>
+        <p:txBody>
+          <a:bodyPr/>
+          <a:lstStyle/>
+          <a:p>
+            <a:r>
+              <a:rPr lang="pl-PL" dirty="0"/>
+              <a:t>Azure K8s Services </a:t>
+            </a:r>
+          </a:p>
+        </p:txBody>
+      </p:sp>
+      <p:sp>
+        <p:nvSpPr>
+          <p:cNvPr id="3" name="Text Placeholder 2">
+            <a:extLst>
+              <a:ext uri="{FF2B5EF4-FFF2-40B4-BE49-F238E27FC236}">
+                <a16:creationId xmlns:a16="http://schemas.microsoft.com/office/drawing/2014/main" id="{EB70B010-88F2-4353-824D-1620CB02EBAE}"/>
+              </a:ext>
+            </a:extLst>
+          </p:cNvPr>
+          <p:cNvSpPr>
+            <a:spLocks noGrp="1"/>
+          </p:cNvSpPr>
+          <p:nvPr>
+            <p:ph type="body" sz="quarter" idx="11"/>
+          </p:nvPr>
+        </p:nvSpPr>
+        <p:spPr>
+          <a:xfrm>
+            <a:off x="952758" y="1464906"/>
+            <a:ext cx="10524898" cy="4599992"/>
+          </a:xfrm>
+        </p:spPr>
+        <p:txBody>
+          <a:bodyPr/>
+          <a:lstStyle/>
+          <a:p>
+            <a:r>
+              <a:rPr lang="pl-PL" dirty="0"/>
+              <a:t>Originally from Google, but now one of the biggest open-source projects ever (~80k commits and ~2k contributes.). </a:t>
+            </a:r>
+          </a:p>
+          <a:p>
+            <a:r>
+              <a:rPr lang="pl-PL" dirty="0"/>
+              <a:t>Becomming industry standard : </a:t>
+            </a:r>
+          </a:p>
+          <a:p>
+            <a:endParaRPr lang="pl-PL" dirty="0"/>
+          </a:p>
+          <a:p>
+            <a:pPr marL="457200" indent="-457200">
+              <a:buFontTx/>
+              <a:buChar char="-"/>
+            </a:pPr>
+            <a:r>
+              <a:rPr lang="pl-PL" dirty="0"/>
+              <a:t>Google Kubernetes Enging</a:t>
+            </a:r>
+          </a:p>
+          <a:p>
+            <a:pPr marL="457200" indent="-457200">
+              <a:buFontTx/>
+              <a:buChar char="-"/>
+            </a:pPr>
+            <a:r>
+              <a:rPr lang="pl-PL" dirty="0"/>
+              <a:t>K</a:t>
+            </a:r>
+            <a:r>
+              <a:rPr lang="en-US" dirty="0" err="1"/>
+              <a:t>ubernetes</a:t>
+            </a:r>
+            <a:r>
+              <a:rPr lang="en-US" dirty="0"/>
+              <a:t> on A</a:t>
+            </a:r>
+            <a:r>
+              <a:rPr lang="pl-PL" dirty="0"/>
+              <a:t>WS</a:t>
+            </a:r>
+          </a:p>
+          <a:p>
+            <a:pPr marL="457200" indent="-457200">
+              <a:buFontTx/>
+              <a:buChar char="-"/>
+            </a:pPr>
+            <a:r>
+              <a:rPr lang="pl-PL" b="1" dirty="0"/>
+              <a:t>Azure Kubernetes Services </a:t>
+            </a:r>
+          </a:p>
+          <a:p>
+            <a:pPr marL="457200" indent="-457200">
+              <a:buFontTx/>
+              <a:buChar char="-"/>
+            </a:pPr>
+            <a:r>
+              <a:rPr lang="pl-PL" dirty="0"/>
+              <a:t>IBM Cloud, Baidu, CloudStack end so on.. </a:t>
+            </a:r>
+          </a:p>
+          <a:p>
+            <a:pPr marL="457200" indent="-457200">
+              <a:buFontTx/>
+              <a:buChar char="-"/>
+            </a:pPr>
+            <a:r>
+              <a:rPr lang="pl-PL" dirty="0"/>
+              <a:t>We can deploy kubernetes on our own infrastracture </a:t>
+            </a:r>
+          </a:p>
+        </p:txBody>
+      </p:sp>
+      <p:sp>
+        <p:nvSpPr>
+          <p:cNvPr id="4" name="Slide Number Placeholder 3">
+            <a:extLst>
+              <a:ext uri="{FF2B5EF4-FFF2-40B4-BE49-F238E27FC236}">
+                <a16:creationId xmlns:a16="http://schemas.microsoft.com/office/drawing/2014/main" id="{3EE17776-166D-44C4-8E82-4C877FEC5410}"/>
+              </a:ext>
+            </a:extLst>
+          </p:cNvPr>
+          <p:cNvSpPr>
+            <a:spLocks noGrp="1"/>
+          </p:cNvSpPr>
+          <p:nvPr>
+            <p:ph type="sldNum" sz="quarter" idx="12"/>
+          </p:nvPr>
+        </p:nvSpPr>
+        <p:spPr/>
+        <p:txBody>
+          <a:bodyPr/>
+          <a:lstStyle/>
+          <a:p>
+            <a:fld id="{3847DB54-D037-B84F-B6F1-2E8DA40D09AD}" type="slidenum">
+              <a:rPr lang="en-US" smtClean="0"/>
+              <a:pPr/>
+              <a:t>16</a:t>
+            </a:fld>
+            <a:endParaRPr lang="en-US" dirty="0"/>
+          </a:p>
+        </p:txBody>
+      </p:sp>
+    </p:spTree>
+    <p:extLst>
+      <p:ext uri="{BB962C8B-B14F-4D97-AF65-F5344CB8AC3E}">
+        <p14:creationId xmlns:p14="http://schemas.microsoft.com/office/powerpoint/2010/main" val="3727629789"/>
+      </p:ext>
+    </p:extLst>
+  </p:cSld>
+  <p:clrMapOvr>
+    <a:masterClrMapping/>
+  </p:clrMapOvr>
+  <p:transition>
+    <p:fade/>
+  </p:transition>
+</p:sld>
+</file>
+
+<file path=ppt/slides/slide17.xml><?xml version="1.0" encoding="utf-8"?>
+<p:sld xmlns:a="http://schemas.openxmlformats.org/drawingml/2006/main" xmlns:r="http://schemas.openxmlformats.org/officeDocument/2006/relationships" xmlns:p="http://schemas.openxmlformats.org/presentationml/2006/main">
+  <p:cSld>
+    <p:spTree>
+      <p:nvGrpSpPr>
+        <p:cNvPr id="1" name=""/>
+        <p:cNvGrpSpPr/>
+        <p:nvPr/>
+      </p:nvGrpSpPr>
+      <p:grpSpPr>
+        <a:xfrm>
+          <a:off x="0" y="0"/>
+          <a:ext cx="0" cy="0"/>
+          <a:chOff x="0" y="0"/>
+          <a:chExt cx="0" cy="0"/>
+        </a:xfrm>
+      </p:grpSpPr>
+      <p:pic>
+        <p:nvPicPr>
+          <p:cNvPr id="3076" name="Picture 4" descr="https://www.aquasec.com/wiki/download/attachments/2855092/kubertes.png?version=1&amp;modificationDate=1520363380138&amp;api=v2">
+            <a:extLst>
+              <a:ext uri="{FF2B5EF4-FFF2-40B4-BE49-F238E27FC236}">
+                <a16:creationId xmlns:a16="http://schemas.microsoft.com/office/drawing/2014/main" id="{F402AC1B-9544-4668-A024-EDD4AA438C60}"/>
+              </a:ext>
+            </a:extLst>
+          </p:cNvPr>
+          <p:cNvPicPr>
+            <a:picLocks noChangeAspect="1" noChangeArrowheads="1"/>
+          </p:cNvPicPr>
+          <p:nvPr/>
+        </p:nvPicPr>
+        <p:blipFill>
+          <a:blip r:embed="rId2">
+            <a:extLst>
+              <a:ext uri="{28A0092B-C50C-407E-A947-70E740481C1C}">
+                <a14:useLocalDpi xmlns:a14="http://schemas.microsoft.com/office/drawing/2010/main" val="0"/>
+              </a:ext>
+            </a:extLst>
+          </a:blip>
+          <a:srcRect/>
+          <a:stretch>
+            <a:fillRect/>
+          </a:stretch>
+        </p:blipFill>
+        <p:spPr bwMode="auto">
+          <a:xfrm>
+            <a:off x="2738437" y="1373483"/>
+            <a:ext cx="7525236" cy="5437529"/>
+          </a:xfrm>
+          <a:prstGeom prst="rect">
+            <a:avLst/>
+          </a:prstGeom>
+          <a:noFill/>
+          <a:extLst>
+            <a:ext uri="{909E8E84-426E-40DD-AFC4-6F175D3DCCD1}">
+              <a14:hiddenFill xmlns:a14="http://schemas.microsoft.com/office/drawing/2010/main">
+                <a:solidFill>
+                  <a:srgbClr val="FFFFFF"/>
+                </a:solidFill>
+              </a14:hiddenFill>
+            </a:ext>
+          </a:extLst>
+        </p:spPr>
+      </p:pic>
+      <p:sp>
+        <p:nvSpPr>
+          <p:cNvPr id="2" name="Text Placeholder 1">
+            <a:extLst>
+              <a:ext uri="{FF2B5EF4-FFF2-40B4-BE49-F238E27FC236}">
+                <a16:creationId xmlns:a16="http://schemas.microsoft.com/office/drawing/2014/main" id="{E36198AD-F532-40F2-8D83-651571C27D5A}"/>
+              </a:ext>
+            </a:extLst>
+          </p:cNvPr>
+          <p:cNvSpPr>
+            <a:spLocks noGrp="1"/>
+          </p:cNvSpPr>
+          <p:nvPr>
+            <p:ph type="body" sz="quarter" idx="10"/>
+          </p:nvPr>
+        </p:nvSpPr>
+        <p:spPr>
+          <a:xfrm>
+            <a:off x="952758" y="632352"/>
+            <a:ext cx="10524898" cy="1080861"/>
+          </a:xfrm>
+        </p:spPr>
+        <p:txBody>
+          <a:bodyPr/>
+          <a:lstStyle/>
+          <a:p>
+            <a:r>
+              <a:rPr lang="pl-PL" dirty="0"/>
+              <a:t>Azure K8s Services </a:t>
+            </a:r>
+          </a:p>
+        </p:txBody>
+      </p:sp>
+      <p:sp>
+        <p:nvSpPr>
+          <p:cNvPr id="3" name="Text Placeholder 2">
+            <a:extLst>
+              <a:ext uri="{FF2B5EF4-FFF2-40B4-BE49-F238E27FC236}">
+                <a16:creationId xmlns:a16="http://schemas.microsoft.com/office/drawing/2014/main" id="{EB70B010-88F2-4353-824D-1620CB02EBAE}"/>
+              </a:ext>
+            </a:extLst>
+          </p:cNvPr>
+          <p:cNvSpPr>
+            <a:spLocks noGrp="1"/>
+          </p:cNvSpPr>
+          <p:nvPr>
+            <p:ph type="body" sz="quarter" idx="11"/>
+          </p:nvPr>
+        </p:nvSpPr>
+        <p:spPr>
+          <a:xfrm>
+            <a:off x="952758" y="1464906"/>
+            <a:ext cx="10524898" cy="4599992"/>
+          </a:xfrm>
+        </p:spPr>
+        <p:txBody>
+          <a:bodyPr/>
+          <a:lstStyle/>
+          <a:p>
+            <a:r>
+              <a:rPr lang="pl-PL" dirty="0"/>
+              <a:t>Too broad topic for part of single L&amp;L. </a:t>
+            </a:r>
+          </a:p>
+          <a:p>
+            <a:endParaRPr lang="pl-PL" dirty="0"/>
+          </a:p>
+          <a:p>
+            <a:r>
+              <a:rPr lang="pl-PL" dirty="0"/>
+              <a:t> </a:t>
+            </a:r>
+          </a:p>
+        </p:txBody>
+      </p:sp>
+      <p:sp>
+        <p:nvSpPr>
+          <p:cNvPr id="4" name="Slide Number Placeholder 3">
+            <a:extLst>
+              <a:ext uri="{FF2B5EF4-FFF2-40B4-BE49-F238E27FC236}">
+                <a16:creationId xmlns:a16="http://schemas.microsoft.com/office/drawing/2014/main" id="{3EE17776-166D-44C4-8E82-4C877FEC5410}"/>
+              </a:ext>
+            </a:extLst>
+          </p:cNvPr>
+          <p:cNvSpPr>
+            <a:spLocks noGrp="1"/>
+          </p:cNvSpPr>
+          <p:nvPr>
+            <p:ph type="sldNum" sz="quarter" idx="12"/>
+          </p:nvPr>
+        </p:nvSpPr>
+        <p:spPr/>
+        <p:txBody>
+          <a:bodyPr/>
+          <a:lstStyle/>
+          <a:p>
+            <a:fld id="{3847DB54-D037-B84F-B6F1-2E8DA40D09AD}" type="slidenum">
+              <a:rPr lang="en-US" smtClean="0"/>
+              <a:pPr/>
+              <a:t>17</a:t>
+            </a:fld>
+            <a:endParaRPr lang="en-US" dirty="0"/>
+          </a:p>
+        </p:txBody>
+      </p:sp>
+    </p:spTree>
+    <p:extLst>
+      <p:ext uri="{BB962C8B-B14F-4D97-AF65-F5344CB8AC3E}">
+        <p14:creationId xmlns:p14="http://schemas.microsoft.com/office/powerpoint/2010/main" val="3431735326"/>
+      </p:ext>
+    </p:extLst>
+  </p:cSld>
+  <p:clrMapOvr>
+    <a:masterClrMapping/>
+  </p:clrMapOvr>
+  <p:transition>
+    <p:fade/>
+  </p:transition>
+</p:sld>
+</file>
+
+<file path=ppt/slides/slide18.xml><?xml version="1.0" encoding="utf-8"?>
+<p:sld xmlns:a="http://schemas.openxmlformats.org/drawingml/2006/main" xmlns:r="http://schemas.openxmlformats.org/officeDocument/2006/relationships" xmlns:p="http://schemas.openxmlformats.org/presentationml/2006/main">
+  <p:cSld>
+    <p:spTree>
+      <p:nvGrpSpPr>
+        <p:cNvPr id="1" name=""/>
+        <p:cNvGrpSpPr/>
+        <p:nvPr/>
+      </p:nvGrpSpPr>
+      <p:grpSpPr>
+        <a:xfrm>
+          <a:off x="0" y="0"/>
+          <a:ext cx="0" cy="0"/>
+          <a:chOff x="0" y="0"/>
+          <a:chExt cx="0" cy="0"/>
+        </a:xfrm>
+      </p:grpSpPr>
+      <p:sp>
+        <p:nvSpPr>
+          <p:cNvPr id="2" name="Text Placeholder 1">
+            <a:extLst>
+              <a:ext uri="{FF2B5EF4-FFF2-40B4-BE49-F238E27FC236}">
+                <a16:creationId xmlns:a16="http://schemas.microsoft.com/office/drawing/2014/main" id="{E36198AD-F532-40F2-8D83-651571C27D5A}"/>
+              </a:ext>
+            </a:extLst>
+          </p:cNvPr>
+          <p:cNvSpPr>
+            <a:spLocks noGrp="1"/>
+          </p:cNvSpPr>
+          <p:nvPr>
+            <p:ph type="body" sz="quarter" idx="10"/>
+          </p:nvPr>
+        </p:nvSpPr>
+        <p:spPr>
+          <a:xfrm>
+            <a:off x="952758" y="632352"/>
+            <a:ext cx="10524898" cy="1080861"/>
+          </a:xfrm>
+        </p:spPr>
+        <p:txBody>
+          <a:bodyPr/>
+          <a:lstStyle/>
+          <a:p>
+            <a:r>
+              <a:rPr lang="pl-PL" dirty="0"/>
+              <a:t>Azure K8s Services </a:t>
+            </a:r>
+          </a:p>
+        </p:txBody>
+      </p:sp>
+      <p:sp>
+        <p:nvSpPr>
+          <p:cNvPr id="3" name="Text Placeholder 2">
+            <a:extLst>
+              <a:ext uri="{FF2B5EF4-FFF2-40B4-BE49-F238E27FC236}">
+                <a16:creationId xmlns:a16="http://schemas.microsoft.com/office/drawing/2014/main" id="{EB70B010-88F2-4353-824D-1620CB02EBAE}"/>
+              </a:ext>
+            </a:extLst>
+          </p:cNvPr>
+          <p:cNvSpPr>
+            <a:spLocks noGrp="1"/>
+          </p:cNvSpPr>
+          <p:nvPr>
+            <p:ph type="body" sz="quarter" idx="11"/>
+          </p:nvPr>
+        </p:nvSpPr>
+        <p:spPr>
+          <a:xfrm>
+            <a:off x="952758" y="1464906"/>
+            <a:ext cx="10524898" cy="4599992"/>
+          </a:xfrm>
+        </p:spPr>
+        <p:txBody>
+          <a:bodyPr/>
+          <a:lstStyle/>
+          <a:p>
+            <a:r>
+              <a:rPr lang="pl-PL" dirty="0"/>
+              <a:t>But few fundamental concepts : </a:t>
+            </a:r>
+          </a:p>
+          <a:p>
+            <a:pPr marL="457200" indent="-457200">
+              <a:buFontTx/>
+              <a:buChar char="-"/>
+            </a:pPr>
+            <a:r>
+              <a:rPr lang="pl-PL" dirty="0"/>
+              <a:t>Node - abstraction over real commputing units </a:t>
+            </a:r>
+          </a:p>
+          <a:p>
+            <a:pPr marL="457200" indent="-457200">
+              <a:buFontTx/>
+              <a:buChar char="-"/>
+            </a:pPr>
+            <a:r>
+              <a:rPr lang="pl-PL" dirty="0"/>
+              <a:t>Kubectl - kubernetes command-line client </a:t>
+            </a:r>
+          </a:p>
+          <a:p>
+            <a:pPr marL="457200" indent="-457200">
+              <a:buFontTx/>
+              <a:buChar char="-"/>
+            </a:pPr>
+            <a:r>
+              <a:rPr lang="pl-PL" dirty="0"/>
+              <a:t>Pod - encapsulates an application container (or containers)</a:t>
+            </a:r>
+          </a:p>
+          <a:p>
+            <a:pPr marL="457200" indent="-457200">
+              <a:buFontTx/>
+              <a:buChar char="-"/>
+            </a:pPr>
+            <a:r>
+              <a:rPr lang="pl-PL" dirty="0"/>
+              <a:t>Service – logical set of pods – can be used to expose pods to outside network</a:t>
+            </a:r>
+          </a:p>
+          <a:p>
+            <a:pPr marL="457200" indent="-457200">
+              <a:buFontTx/>
+              <a:buChar char="-"/>
+            </a:pPr>
+            <a:r>
+              <a:rPr lang="pl-PL" dirty="0"/>
+              <a:t>Deployment – is responsible for pods lifecycle</a:t>
+            </a:r>
+          </a:p>
+          <a:p>
+            <a:endParaRPr lang="pl-PL" dirty="0"/>
+          </a:p>
+          <a:p>
+            <a:r>
+              <a:rPr lang="pl-PL" dirty="0"/>
+              <a:t> </a:t>
+            </a:r>
+          </a:p>
+        </p:txBody>
+      </p:sp>
+      <p:sp>
+        <p:nvSpPr>
+          <p:cNvPr id="4" name="Slide Number Placeholder 3">
+            <a:extLst>
+              <a:ext uri="{FF2B5EF4-FFF2-40B4-BE49-F238E27FC236}">
+                <a16:creationId xmlns:a16="http://schemas.microsoft.com/office/drawing/2014/main" id="{3EE17776-166D-44C4-8E82-4C877FEC5410}"/>
+              </a:ext>
+            </a:extLst>
+          </p:cNvPr>
+          <p:cNvSpPr>
+            <a:spLocks noGrp="1"/>
+          </p:cNvSpPr>
+          <p:nvPr>
+            <p:ph type="sldNum" sz="quarter" idx="12"/>
+          </p:nvPr>
+        </p:nvSpPr>
+        <p:spPr/>
+        <p:txBody>
+          <a:bodyPr/>
+          <a:lstStyle/>
+          <a:p>
+            <a:fld id="{3847DB54-D037-B84F-B6F1-2E8DA40D09AD}" type="slidenum">
+              <a:rPr lang="en-US" smtClean="0"/>
+              <a:pPr/>
+              <a:t>18</a:t>
+            </a:fld>
+            <a:endParaRPr lang="en-US" dirty="0"/>
+          </a:p>
+        </p:txBody>
+      </p:sp>
+    </p:spTree>
+    <p:extLst>
+      <p:ext uri="{BB962C8B-B14F-4D97-AF65-F5344CB8AC3E}">
+        <p14:creationId xmlns:p14="http://schemas.microsoft.com/office/powerpoint/2010/main" val="2984522925"/>
+      </p:ext>
+    </p:extLst>
+  </p:cSld>
+  <p:clrMapOvr>
+    <a:masterClrMapping/>
+  </p:clrMapOvr>
+  <p:transition>
+    <p:fade/>
+  </p:transition>
+</p:sld>
+</file>
+
+<file path=ppt/slides/slide19.xml><?xml version="1.0" encoding="utf-8"?>
+<p:sld xmlns:a="http://schemas.openxmlformats.org/drawingml/2006/main" xmlns:r="http://schemas.openxmlformats.org/officeDocument/2006/relationships" xmlns:p="http://schemas.openxmlformats.org/presentationml/2006/main">
+  <p:cSld>
+    <p:spTree>
+      <p:nvGrpSpPr>
+        <p:cNvPr id="1" name=""/>
+        <p:cNvGrpSpPr/>
+        <p:nvPr/>
+      </p:nvGrpSpPr>
+      <p:grpSpPr>
+        <a:xfrm>
+          <a:off x="0" y="0"/>
+          <a:ext cx="0" cy="0"/>
+          <a:chOff x="0" y="0"/>
+          <a:chExt cx="0" cy="0"/>
+        </a:xfrm>
+      </p:grpSpPr>
+      <p:sp>
+        <p:nvSpPr>
+          <p:cNvPr id="2" name="Text Placeholder 1">
+            <a:extLst>
+              <a:ext uri="{FF2B5EF4-FFF2-40B4-BE49-F238E27FC236}">
+                <a16:creationId xmlns:a16="http://schemas.microsoft.com/office/drawing/2014/main" id="{E36198AD-F532-40F2-8D83-651571C27D5A}"/>
+              </a:ext>
+            </a:extLst>
+          </p:cNvPr>
+          <p:cNvSpPr>
+            <a:spLocks noGrp="1"/>
+          </p:cNvSpPr>
+          <p:nvPr>
+            <p:ph type="body" sz="quarter" idx="10"/>
+          </p:nvPr>
+        </p:nvSpPr>
+        <p:spPr>
+          <a:xfrm>
+            <a:off x="952758" y="632352"/>
+            <a:ext cx="10524898" cy="1080861"/>
+          </a:xfrm>
+        </p:spPr>
+        <p:txBody>
+          <a:bodyPr/>
+          <a:lstStyle/>
+          <a:p>
+            <a:r>
+              <a:rPr lang="pl-PL" dirty="0"/>
+              <a:t>Azure K8s Services </a:t>
+            </a:r>
+          </a:p>
+        </p:txBody>
+      </p:sp>
+      <p:sp>
+        <p:nvSpPr>
+          <p:cNvPr id="4" name="Slide Number Placeholder 3">
+            <a:extLst>
+              <a:ext uri="{FF2B5EF4-FFF2-40B4-BE49-F238E27FC236}">
+                <a16:creationId xmlns:a16="http://schemas.microsoft.com/office/drawing/2014/main" id="{3EE17776-166D-44C4-8E82-4C877FEC5410}"/>
+              </a:ext>
+            </a:extLst>
+          </p:cNvPr>
+          <p:cNvSpPr>
+            <a:spLocks noGrp="1"/>
+          </p:cNvSpPr>
+          <p:nvPr>
+            <p:ph type="sldNum" sz="quarter" idx="12"/>
+          </p:nvPr>
+        </p:nvSpPr>
+        <p:spPr/>
+        <p:txBody>
+          <a:bodyPr/>
+          <a:lstStyle/>
+          <a:p>
+            <a:fld id="{3847DB54-D037-B84F-B6F1-2E8DA40D09AD}" type="slidenum">
+              <a:rPr lang="en-US" smtClean="0"/>
+              <a:pPr/>
+              <a:t>19</a:t>
+            </a:fld>
+            <a:endParaRPr lang="en-US" dirty="0"/>
+          </a:p>
+        </p:txBody>
+      </p:sp>
+      <p:sp>
+        <p:nvSpPr>
+          <p:cNvPr id="5" name="Text Placeholder 2">
+            <a:extLst>
+              <a:ext uri="{FF2B5EF4-FFF2-40B4-BE49-F238E27FC236}">
+                <a16:creationId xmlns:a16="http://schemas.microsoft.com/office/drawing/2014/main" id="{42426F91-34DF-4F3B-880A-CD2CCA9958FB}"/>
+              </a:ext>
+            </a:extLst>
+          </p:cNvPr>
+          <p:cNvSpPr txBox="1">
+            <a:spLocks noGrp="1"/>
+          </p:cNvSpPr>
+          <p:nvPr>
+            <p:ph type="body" sz="quarter" idx="11"/>
+          </p:nvPr>
+        </p:nvSpPr>
+        <p:spPr>
+          <a:xfrm>
+            <a:off x="952500" y="1465263"/>
+            <a:ext cx="10525125" cy="4598987"/>
+          </a:xfrm>
+          <a:prstGeom prst="rect">
+            <a:avLst/>
+          </a:prstGeom>
+        </p:spPr>
+        <p:txBody>
+          <a:bodyPr vert="horz" lIns="91440" tIns="45720" rIns="91440" bIns="45720" rtlCol="0">
+            <a:noAutofit/>
+          </a:bodyPr>
+          <a:lstStyle>
+            <a:lvl1pPr marL="0" indent="0" algn="l" defTabSz="914400" rtl="0" eaLnBrk="1" latinLnBrk="0" hangingPunct="1">
+              <a:lnSpc>
+                <a:spcPct val="90000"/>
+              </a:lnSpc>
+              <a:spcBef>
+                <a:spcPts val="1000"/>
+              </a:spcBef>
+              <a:buFont typeface="Arial"/>
+              <a:buNone/>
+              <a:defRPr sz="2800" b="0" i="0" kern="1200">
+                <a:solidFill>
+                  <a:schemeClr val="tx1"/>
+                </a:solidFill>
+                <a:latin typeface="Segoe UI Light" charset="0"/>
+                <a:ea typeface="Segoe UI Light" charset="0"/>
+                <a:cs typeface="Segoe UI Light" charset="0"/>
+              </a:defRPr>
+            </a:lvl1pPr>
+            <a:lvl2pPr marL="685800" indent="-228600" algn="l" defTabSz="914400" rtl="0" eaLnBrk="1" latinLnBrk="0" hangingPunct="1">
+              <a:lnSpc>
+                <a:spcPct val="90000"/>
+              </a:lnSpc>
+              <a:spcBef>
+                <a:spcPts val="500"/>
+              </a:spcBef>
+              <a:buFont typeface="Arial"/>
+              <a:buChar char="•"/>
+              <a:defRPr sz="1800" b="0" i="0" kern="1200">
+                <a:solidFill>
+                  <a:schemeClr val="tx1"/>
+                </a:solidFill>
+                <a:latin typeface="Segoe UI Light" charset="0"/>
+                <a:ea typeface="Segoe UI Light" charset="0"/>
+                <a:cs typeface="Segoe UI Light" charset="0"/>
+              </a:defRPr>
+            </a:lvl2pPr>
+            <a:lvl3pPr marL="1143000" indent="-228600" algn="l" defTabSz="914400" rtl="0" eaLnBrk="1" latinLnBrk="0" hangingPunct="1">
+              <a:lnSpc>
+                <a:spcPct val="90000"/>
+              </a:lnSpc>
+              <a:spcBef>
+                <a:spcPts val="500"/>
+              </a:spcBef>
+              <a:buFont typeface="Arial"/>
+              <a:buChar char="•"/>
+              <a:defRPr sz="1600" b="0" i="0" kern="1200">
+                <a:solidFill>
+                  <a:schemeClr val="tx1"/>
+                </a:solidFill>
+                <a:latin typeface="Segoe UI Light" charset="0"/>
+                <a:ea typeface="Segoe UI Light" charset="0"/>
+                <a:cs typeface="Segoe UI Light" charset="0"/>
+              </a:defRPr>
+            </a:lvl3pPr>
+            <a:lvl4pPr marL="1600200" indent="-228600" algn="l" defTabSz="914400" rtl="0" eaLnBrk="1" latinLnBrk="0" hangingPunct="1">
+              <a:lnSpc>
+                <a:spcPct val="90000"/>
+              </a:lnSpc>
+              <a:spcBef>
+                <a:spcPts val="500"/>
+              </a:spcBef>
+              <a:buFont typeface="Arial"/>
+              <a:buChar char="•"/>
+              <a:defRPr sz="1400" b="0" i="0" kern="1200">
+                <a:solidFill>
+                  <a:schemeClr val="tx1"/>
+                </a:solidFill>
+                <a:latin typeface="Segoe UI Light" charset="0"/>
+                <a:ea typeface="Segoe UI Light" charset="0"/>
+                <a:cs typeface="Segoe UI Light" charset="0"/>
+              </a:defRPr>
+            </a:lvl4pPr>
+            <a:lvl5pPr marL="2057400" indent="-228600" algn="l" defTabSz="914400" rtl="0" eaLnBrk="1" latinLnBrk="0" hangingPunct="1">
+              <a:lnSpc>
+                <a:spcPct val="90000"/>
+              </a:lnSpc>
+              <a:spcBef>
+                <a:spcPts val="500"/>
+              </a:spcBef>
+              <a:buFont typeface="Arial"/>
+              <a:buChar char="•"/>
+              <a:defRPr sz="1400" b="0" i="0" kern="1200">
+                <a:solidFill>
+                  <a:schemeClr val="tx1"/>
+                </a:solidFill>
+                <a:latin typeface="Segoe UI Light" charset="0"/>
+                <a:ea typeface="Segoe UI Light" charset="0"/>
+                <a:cs typeface="Segoe UI Light" charset="0"/>
+              </a:defRPr>
+            </a:lvl5pPr>
+            <a:lvl6pPr marL="2514600" indent="-228600" algn="l" defTabSz="914400" rtl="0" eaLnBrk="1" latinLnBrk="0" hangingPunct="1">
+              <a:lnSpc>
+                <a:spcPct val="90000"/>
+              </a:lnSpc>
+              <a:spcBef>
+                <a:spcPts val="500"/>
+              </a:spcBef>
+              <a:buFont typeface="Arial"/>
+              <a:buChar char="•"/>
+              <a:defRPr sz="1800" kern="1200">
+                <a:solidFill>
+                  <a:schemeClr val="tx1"/>
+                </a:solidFill>
+                <a:latin typeface="+mn-lt"/>
+                <a:ea typeface="+mn-ea"/>
+                <a:cs typeface="+mn-cs"/>
+              </a:defRPr>
+            </a:lvl6pPr>
+            <a:lvl7pPr marL="2971800" indent="-228600" algn="l" defTabSz="914400" rtl="0" eaLnBrk="1" latinLnBrk="0" hangingPunct="1">
+              <a:lnSpc>
+                <a:spcPct val="90000"/>
+              </a:lnSpc>
+              <a:spcBef>
+                <a:spcPts val="500"/>
+              </a:spcBef>
+              <a:buFont typeface="Arial"/>
+              <a:buChar char="•"/>
+              <a:defRPr sz="1800" kern="1200">
+                <a:solidFill>
+                  <a:schemeClr val="tx1"/>
+                </a:solidFill>
+                <a:latin typeface="+mn-lt"/>
+                <a:ea typeface="+mn-ea"/>
+                <a:cs typeface="+mn-cs"/>
+              </a:defRPr>
+            </a:lvl7pPr>
+            <a:lvl8pPr marL="3429000" indent="-228600" algn="l" defTabSz="914400" rtl="0" eaLnBrk="1" latinLnBrk="0" hangingPunct="1">
+              <a:lnSpc>
+                <a:spcPct val="90000"/>
+              </a:lnSpc>
+              <a:spcBef>
+                <a:spcPts val="500"/>
+              </a:spcBef>
+              <a:buFont typeface="Arial"/>
+              <a:buChar char="•"/>
+              <a:defRPr sz="1800" kern="1200">
+                <a:solidFill>
+                  <a:schemeClr val="tx1"/>
+                </a:solidFill>
+                <a:latin typeface="+mn-lt"/>
+                <a:ea typeface="+mn-ea"/>
+                <a:cs typeface="+mn-cs"/>
+              </a:defRPr>
+            </a:lvl8pPr>
+            <a:lvl9pPr marL="3886200" indent="-228600" algn="l" defTabSz="914400" rtl="0" eaLnBrk="1" latinLnBrk="0" hangingPunct="1">
+              <a:lnSpc>
+                <a:spcPct val="90000"/>
+              </a:lnSpc>
+              <a:spcBef>
+                <a:spcPts val="500"/>
+              </a:spcBef>
+              <a:buFont typeface="Arial"/>
+              <a:buChar char="•"/>
+              <a:defRPr sz="1800" kern="1200">
+                <a:solidFill>
+                  <a:schemeClr val="tx1"/>
+                </a:solidFill>
+                <a:latin typeface="+mn-lt"/>
+                <a:ea typeface="+mn-ea"/>
+                <a:cs typeface="+mn-cs"/>
+              </a:defRPr>
+            </a:lvl9pPr>
+          </a:lstStyle>
+          <a:p>
+            <a:r>
+              <a:rPr lang="en-US" dirty="0"/>
+              <a:t>Let’s play ! Run createImageContainerInstance.ps1</a:t>
+            </a:r>
+            <a:r>
+              <a:rPr lang="pl-PL" dirty="0"/>
+              <a:t>  script </a:t>
+            </a:r>
+            <a:endParaRPr lang="en-US" dirty="0"/>
+          </a:p>
+          <a:p>
+            <a:endParaRPr lang="pl-PL" dirty="0"/>
+          </a:p>
+          <a:p>
+            <a:r>
+              <a:rPr lang="pl-PL" dirty="0"/>
+              <a:t>-   Login into ACR</a:t>
+            </a:r>
+          </a:p>
+          <a:p>
+            <a:pPr marL="457200" indent="-457200">
+              <a:buFontTx/>
+              <a:buChar char="-"/>
+            </a:pPr>
+            <a:r>
+              <a:rPr lang="pl-PL" dirty="0"/>
+              <a:t>Get login and password</a:t>
+            </a:r>
+          </a:p>
+          <a:p>
+            <a:pPr marL="457200" indent="-457200">
+              <a:buFontTx/>
+              <a:buChar char="-"/>
+            </a:pPr>
+            <a:r>
+              <a:rPr lang="pl-PL" dirty="0"/>
+              <a:t>Create container instance using image from ACR</a:t>
+            </a:r>
+          </a:p>
+          <a:p>
+            <a:pPr marL="457200" indent="-457200">
+              <a:buFontTx/>
+              <a:buChar char="-"/>
+            </a:pPr>
+            <a:r>
+              <a:rPr lang="pl-PL" dirty="0"/>
+              <a:t>Run container </a:t>
+            </a:r>
+          </a:p>
+          <a:p>
+            <a:pPr marL="457200" indent="-457200">
+              <a:buFontTx/>
+              <a:buChar char="-"/>
+            </a:pPr>
+            <a:endParaRPr lang="pl-PL" dirty="0"/>
+          </a:p>
+        </p:txBody>
+      </p:sp>
+    </p:spTree>
+    <p:extLst>
+      <p:ext uri="{BB962C8B-B14F-4D97-AF65-F5344CB8AC3E}">
+        <p14:creationId xmlns:p14="http://schemas.microsoft.com/office/powerpoint/2010/main" val="1565517277"/>
       </p:ext>
     </p:extLst>
   </p:cSld>
@@ -5471,8 +6805,55 @@
         </p:blipFill>
         <p:spPr bwMode="auto">
           <a:xfrm>
-            <a:off x="2544418" y="2238247"/>
+            <a:off x="838200" y="2371650"/>
             <a:ext cx="6520069" cy="4346713"/>
+          </a:xfrm>
+          <a:prstGeom prst="rect">
+            <a:avLst/>
+          </a:prstGeom>
+          <a:noFill/>
+          <a:extLst>
+            <a:ext uri="{909E8E84-426E-40DD-AFC4-6F175D3DCCD1}">
+              <a14:hiddenFill xmlns:a14="http://schemas.microsoft.com/office/drawing/2010/main">
+                <a:solidFill>
+                  <a:srgbClr val="FFFFFF"/>
+                </a:solidFill>
+              </a14:hiddenFill>
+            </a:ext>
+          </a:extLst>
+        </p:spPr>
+      </p:pic>
+      <p:pic>
+        <p:nvPicPr>
+          <p:cNvPr id="2050" name="Picture 2" descr="https://www.docker.com/sites/default/files/social/docker_facebook_share.png">
+            <a:extLst>
+              <a:ext uri="{FF2B5EF4-FFF2-40B4-BE49-F238E27FC236}">
+                <a16:creationId xmlns:a16="http://schemas.microsoft.com/office/drawing/2014/main" id="{48F028F3-28AF-45A6-A4E4-D5EDCAC9955A}"/>
+              </a:ext>
+            </a:extLst>
+          </p:cNvPr>
+          <p:cNvPicPr>
+            <a:picLocks noChangeAspect="1" noChangeArrowheads="1"/>
+          </p:cNvPicPr>
+          <p:nvPr/>
+        </p:nvPicPr>
+        <p:blipFill>
+          <a:blip r:embed="rId3">
+            <a:extLst>
+              <a:ext uri="{28A0092B-C50C-407E-A947-70E740481C1C}">
+                <a14:useLocalDpi xmlns:a14="http://schemas.microsoft.com/office/drawing/2010/main" val="0"/>
+              </a:ext>
+            </a:extLst>
+          </a:blip>
+          <a:srcRect/>
+          <a:stretch>
+            <a:fillRect/>
+          </a:stretch>
+        </p:blipFill>
+        <p:spPr bwMode="auto">
+          <a:xfrm>
+            <a:off x="7603455" y="2966035"/>
+            <a:ext cx="3200400" cy="2733675"/>
           </a:xfrm>
           <a:prstGeom prst="rect">
             <a:avLst/>
@@ -5960,7 +7341,7 @@
         </p:nvSpPr>
         <p:spPr>
           <a:xfrm>
-            <a:off x="1043629" y="1303544"/>
+            <a:off x="1043629" y="1166843"/>
             <a:ext cx="4929788" cy="1080861"/>
           </a:xfrm>
         </p:spPr>
@@ -6025,7 +7406,7 @@
         </p:nvSpPr>
         <p:spPr>
           <a:xfrm>
-            <a:off x="2703463" y="1843974"/>
+            <a:off x="944238" y="1643175"/>
             <a:ext cx="7891649" cy="4524315"/>
           </a:xfrm>
           <a:prstGeom prst="rect">
@@ -7412,21 +8793,6 @@
 </file>
 
 <file path=customXml/item1.xml><?xml version="1.0" encoding="utf-8"?>
-<p:properties xmlns:p="http://schemas.microsoft.com/office/2006/metadata/properties" xmlns:xsi="http://www.w3.org/2001/XMLSchema-instance" xmlns:pc="http://schemas.microsoft.com/office/infopath/2007/PartnerControls">
-  <documentManagement/>
-</p:properties>
-</file>
-
-<file path=customXml/item2.xml><?xml version="1.0" encoding="utf-8"?>
-<?mso-contentType ?>
-<FormTemplates xmlns="http://schemas.microsoft.com/sharepoint/v3/contenttype/forms">
-  <Display>DocumentLibraryForm</Display>
-  <Edit>DocumentLibraryForm</Edit>
-  <New>DocumentLibraryForm</New>
-</FormTemplates>
-</file>
-
-<file path=customXml/item3.xml><?xml version="1.0" encoding="utf-8"?>
 <ct:contentTypeSchema xmlns:ct="http://schemas.microsoft.com/office/2006/metadata/contentType" xmlns:ma="http://schemas.microsoft.com/office/2006/metadata/properties/metaAttributes" ct:_="" ma:_="" ma:contentTypeName="Document" ma:contentTypeID="0x010100E3FE0192A8E73A4CBE9024D002920532" ma:contentTypeVersion="4" ma:contentTypeDescription="Create a new document." ma:contentTypeScope="" ma:versionID="0d8d7d6300e8a4bc3e35ba2e8abe715d">
   <xsd:schema xmlns:xsd="http://www.w3.org/2001/XMLSchema" xmlns:xs="http://www.w3.org/2001/XMLSchema" xmlns:p="http://schemas.microsoft.com/office/2006/metadata/properties" xmlns:ns2="71731efb-d95f-4b9c-81d3-edf9a8533796" xmlns:ns3="32d2e7c2-c546-45d1-9dfa-a2156753f9aa" targetNamespace="http://schemas.microsoft.com/office/2006/metadata/properties" ma:root="true" ma:fieldsID="81d01d78a55cc593d64bbd371c420f74" ns2:_="" ns3:_="">
     <xsd:import namespace="71731efb-d95f-4b9c-81d3-edf9a8533796"/>
@@ -7591,32 +8957,22 @@
 </ct:contentTypeSchema>
 </file>
 
-<file path=customXml/itemProps1.xml><?xml version="1.0" encoding="utf-8"?>
-<ds:datastoreItem xmlns:ds="http://schemas.openxmlformats.org/officeDocument/2006/customXml" ds:itemID="{2D640949-F722-4E85-A66F-2ADFE25CD1C4}">
-  <ds:schemaRefs>
-    <ds:schemaRef ds:uri="http://schemas.microsoft.com/office/2006/documentManagement/types"/>
-    <ds:schemaRef ds:uri="32d2e7c2-c546-45d1-9dfa-a2156753f9aa"/>
-    <ds:schemaRef ds:uri="http://purl.org/dc/elements/1.1/"/>
-    <ds:schemaRef ds:uri="http://schemas.microsoft.com/office/2006/metadata/properties"/>
-    <ds:schemaRef ds:uri="71731efb-d95f-4b9c-81d3-edf9a8533796"/>
-    <ds:schemaRef ds:uri="http://purl.org/dc/terms/"/>
-    <ds:schemaRef ds:uri="http://schemas.openxmlformats.org/package/2006/metadata/core-properties"/>
-    <ds:schemaRef ds:uri="http://schemas.microsoft.com/office/infopath/2007/PartnerControls"/>
-    <ds:schemaRef ds:uri="http://www.w3.org/XML/1998/namespace"/>
-    <ds:schemaRef ds:uri="http://purl.org/dc/dcmitype/"/>
-  </ds:schemaRefs>
-</ds:datastoreItem>
+<file path=customXml/item2.xml><?xml version="1.0" encoding="utf-8"?>
+<?mso-contentType ?>
+<FormTemplates xmlns="http://schemas.microsoft.com/sharepoint/v3/contenttype/forms">
+  <Display>DocumentLibraryForm</Display>
+  <Edit>DocumentLibraryForm</Edit>
+  <New>DocumentLibraryForm</New>
+</FormTemplates>
 </file>
 
-<file path=customXml/itemProps2.xml><?xml version="1.0" encoding="utf-8"?>
-<ds:datastoreItem xmlns:ds="http://schemas.openxmlformats.org/officeDocument/2006/customXml" ds:itemID="{CBD2056B-6A60-4370-9126-72E2651EF596}">
-  <ds:schemaRefs>
-    <ds:schemaRef ds:uri="http://schemas.microsoft.com/sharepoint/v3/contenttype/forms"/>
-  </ds:schemaRefs>
-</ds:datastoreItem>
+<file path=customXml/item3.xml><?xml version="1.0" encoding="utf-8"?>
+<p:properties xmlns:p="http://schemas.microsoft.com/office/2006/metadata/properties" xmlns:xsi="http://www.w3.org/2001/XMLSchema-instance" xmlns:pc="http://schemas.microsoft.com/office/infopath/2007/PartnerControls">
+  <documentManagement/>
+</p:properties>
 </file>
 
-<file path=customXml/itemProps3.xml><?xml version="1.0" encoding="utf-8"?>
+<file path=customXml/itemProps1.xml><?xml version="1.0" encoding="utf-8"?>
 <ds:datastoreItem xmlns:ds="http://schemas.openxmlformats.org/officeDocument/2006/customXml" ds:itemID="{04B8785A-4ABD-4BEC-BCA3-A6686A129790}">
   <ds:schemaRefs>
     <ds:schemaRef ds:uri="http://schemas.microsoft.com/office/2006/metadata/contentType"/>
@@ -7633,4 +8989,29 @@
     <ds:schemaRef ds:uri="http://schemas.microsoft.com/internal/obd"/>
   </ds:schemaRefs>
 </ds:datastoreItem>
+</file>
+
+<file path=customXml/itemProps2.xml><?xml version="1.0" encoding="utf-8"?>
+<ds:datastoreItem xmlns:ds="http://schemas.openxmlformats.org/officeDocument/2006/customXml" ds:itemID="{CBD2056B-6A60-4370-9126-72E2651EF596}">
+  <ds:schemaRefs>
+    <ds:schemaRef ds:uri="http://schemas.microsoft.com/sharepoint/v3/contenttype/forms"/>
+  </ds:schemaRefs>
+</ds:datastoreItem>
+</file>
+
+<file path=customXml/itemProps3.xml><?xml version="1.0" encoding="utf-8"?>
+<ds:datastoreItem xmlns:ds="http://schemas.openxmlformats.org/officeDocument/2006/customXml" ds:itemID="{2D640949-F722-4E85-A66F-2ADFE25CD1C4}">
+  <ds:schemaRefs>
+    <ds:schemaRef ds:uri="http://schemas.microsoft.com/office/2006/documentManagement/types"/>
+    <ds:schemaRef ds:uri="32d2e7c2-c546-45d1-9dfa-a2156753f9aa"/>
+    <ds:schemaRef ds:uri="http://purl.org/dc/elements/1.1/"/>
+    <ds:schemaRef ds:uri="http://schemas.microsoft.com/office/2006/metadata/properties"/>
+    <ds:schemaRef ds:uri="71731efb-d95f-4b9c-81d3-edf9a8533796"/>
+    <ds:schemaRef ds:uri="http://purl.org/dc/terms/"/>
+    <ds:schemaRef ds:uri="http://schemas.openxmlformats.org/package/2006/metadata/core-properties"/>
+    <ds:schemaRef ds:uri="http://schemas.microsoft.com/office/infopath/2007/PartnerControls"/>
+    <ds:schemaRef ds:uri="http://www.w3.org/XML/1998/namespace"/>
+    <ds:schemaRef ds:uri="http://purl.org/dc/dcmitype/"/>
+  </ds:schemaRefs>
+</ds:datastoreItem>
 </file>
--- a/azure-containerization.pptx
+++ b/azure-containerization.pptx
@@ -6,28 +6,32 @@
     <p:sldMasterId id="2147483662" r:id="rId5"/>
   </p:sldMasterIdLst>
   <p:notesMasterIdLst>
-    <p:notesMasterId r:id="rId25"/>
+    <p:notesMasterId r:id="rId29"/>
   </p:notesMasterIdLst>
   <p:sldIdLst>
     <p:sldId id="257" r:id="rId6"/>
     <p:sldId id="267" r:id="rId7"/>
     <p:sldId id="268" r:id="rId8"/>
-    <p:sldId id="272" r:id="rId9"/>
-    <p:sldId id="273" r:id="rId10"/>
-    <p:sldId id="274" r:id="rId11"/>
-    <p:sldId id="275" r:id="rId12"/>
-    <p:sldId id="279" r:id="rId13"/>
-    <p:sldId id="269" r:id="rId14"/>
-    <p:sldId id="270" r:id="rId15"/>
-    <p:sldId id="276" r:id="rId16"/>
-    <p:sldId id="278" r:id="rId17"/>
-    <p:sldId id="281" r:id="rId18"/>
-    <p:sldId id="282" r:id="rId19"/>
-    <p:sldId id="271" r:id="rId20"/>
-    <p:sldId id="283" r:id="rId21"/>
-    <p:sldId id="284" r:id="rId22"/>
-    <p:sldId id="285" r:id="rId23"/>
-    <p:sldId id="286" r:id="rId24"/>
+    <p:sldId id="287" r:id="rId9"/>
+    <p:sldId id="272" r:id="rId10"/>
+    <p:sldId id="273" r:id="rId11"/>
+    <p:sldId id="274" r:id="rId12"/>
+    <p:sldId id="275" r:id="rId13"/>
+    <p:sldId id="279" r:id="rId14"/>
+    <p:sldId id="269" r:id="rId15"/>
+    <p:sldId id="270" r:id="rId16"/>
+    <p:sldId id="276" r:id="rId17"/>
+    <p:sldId id="278" r:id="rId18"/>
+    <p:sldId id="281" r:id="rId19"/>
+    <p:sldId id="282" r:id="rId20"/>
+    <p:sldId id="271" r:id="rId21"/>
+    <p:sldId id="283" r:id="rId22"/>
+    <p:sldId id="284" r:id="rId23"/>
+    <p:sldId id="285" r:id="rId24"/>
+    <p:sldId id="288" r:id="rId25"/>
+    <p:sldId id="286" r:id="rId26"/>
+    <p:sldId id="290" r:id="rId27"/>
+    <p:sldId id="289" r:id="rId28"/>
   </p:sldIdLst>
   <p:sldSz cx="12192000" cy="6858000"/>
   <p:notesSz cx="6858000" cy="9144000"/>
@@ -4426,6 +4430,102 @@
       </p:sp>
       <p:sp>
         <p:nvSpPr>
+          <p:cNvPr id="3" name="Text Placeholder 2">
+            <a:extLst>
+              <a:ext uri="{FF2B5EF4-FFF2-40B4-BE49-F238E27FC236}">
+                <a16:creationId xmlns:a16="http://schemas.microsoft.com/office/drawing/2014/main" id="{EB70B010-88F2-4353-824D-1620CB02EBAE}"/>
+              </a:ext>
+            </a:extLst>
+          </p:cNvPr>
+          <p:cNvSpPr>
+            <a:spLocks noGrp="1"/>
+          </p:cNvSpPr>
+          <p:nvPr>
+            <p:ph type="body" sz="quarter" idx="11"/>
+          </p:nvPr>
+        </p:nvSpPr>
+        <p:spPr>
+          <a:xfrm>
+            <a:off x="1083386" y="1411358"/>
+            <a:ext cx="10524898" cy="4814290"/>
+          </a:xfrm>
+        </p:spPr>
+        <p:txBody>
+          <a:bodyPr/>
+          <a:lstStyle/>
+          <a:p>
+            <a:r>
+              <a:rPr lang="en-US" dirty="0"/>
+              <a:t>The Registry is a stateless, highly scalable server side application that stores and lets you distribute Docker images</a:t>
+            </a:r>
+            <a:r>
+              <a:rPr lang="pl-PL" dirty="0"/>
+              <a:t>.</a:t>
+            </a:r>
+          </a:p>
+          <a:p>
+            <a:endParaRPr lang="pl-PL" dirty="0"/>
+          </a:p>
+          <a:p>
+            <a:r>
+              <a:rPr lang="pl-PL" dirty="0"/>
+              <a:t>There are many avaliable :</a:t>
+            </a:r>
+          </a:p>
+          <a:p>
+            <a:pPr marL="457200" indent="-457200">
+              <a:buFontTx/>
+              <a:buChar char="-"/>
+            </a:pPr>
+            <a:r>
+              <a:rPr lang="pl-PL" dirty="0"/>
+              <a:t>Docker hub</a:t>
+            </a:r>
+          </a:p>
+          <a:p>
+            <a:pPr marL="457200" indent="-457200">
+              <a:buFontTx/>
+              <a:buChar char="-"/>
+            </a:pPr>
+            <a:r>
+              <a:rPr lang="pl-PL" dirty="0"/>
+              <a:t>Google Cloud Register </a:t>
+            </a:r>
+          </a:p>
+          <a:p>
+            <a:pPr marL="457200" indent="-457200">
+              <a:buFontTx/>
+              <a:buChar char="-"/>
+            </a:pPr>
+            <a:r>
+              <a:rPr lang="pl-PL" dirty="0"/>
+              <a:t>AWS Container Registry</a:t>
+            </a:r>
+          </a:p>
+          <a:p>
+            <a:pPr marL="457200" indent="-457200">
+              <a:buFontTx/>
+              <a:buChar char="-"/>
+            </a:pPr>
+            <a:r>
+              <a:rPr lang="pl-PL" b="1" dirty="0"/>
+              <a:t>Azure Container Register </a:t>
+            </a:r>
+          </a:p>
+          <a:p>
+            <a:pPr marL="457200" indent="-457200">
+              <a:buFontTx/>
+              <a:buChar char="-"/>
+            </a:pPr>
+            <a:r>
+              <a:rPr lang="pl-PL" dirty="0"/>
+              <a:t>And so on..</a:t>
+            </a:r>
+          </a:p>
+        </p:txBody>
+      </p:sp>
+      <p:sp>
+        <p:nvSpPr>
           <p:cNvPr id="4" name="Slide Number Placeholder 3">
             <a:extLst>
               <a:ext uri="{FF2B5EF4-FFF2-40B4-BE49-F238E27FC236}">
@@ -4449,6 +4549,102 @@
               <a:rPr lang="en-US" smtClean="0"/>
               <a:pPr/>
               <a:t>10</a:t>
+            </a:fld>
+            <a:endParaRPr lang="en-US" dirty="0"/>
+          </a:p>
+        </p:txBody>
+      </p:sp>
+    </p:spTree>
+    <p:extLst>
+      <p:ext uri="{BB962C8B-B14F-4D97-AF65-F5344CB8AC3E}">
+        <p14:creationId xmlns:p14="http://schemas.microsoft.com/office/powerpoint/2010/main" val="1335642856"/>
+      </p:ext>
+    </p:extLst>
+  </p:cSld>
+  <p:clrMapOvr>
+    <a:masterClrMapping/>
+  </p:clrMapOvr>
+  <p:transition>
+    <p:fade/>
+  </p:transition>
+</p:sld>
+</file>
+
+<file path=ppt/slides/slide11.xml><?xml version="1.0" encoding="utf-8"?>
+<p:sld xmlns:a="http://schemas.openxmlformats.org/drawingml/2006/main" xmlns:r="http://schemas.openxmlformats.org/officeDocument/2006/relationships" xmlns:p="http://schemas.openxmlformats.org/presentationml/2006/main">
+  <p:cSld>
+    <p:spTree>
+      <p:nvGrpSpPr>
+        <p:cNvPr id="1" name=""/>
+        <p:cNvGrpSpPr/>
+        <p:nvPr/>
+      </p:nvGrpSpPr>
+      <p:grpSpPr>
+        <a:xfrm>
+          <a:off x="0" y="0"/>
+          <a:ext cx="0" cy="0"/>
+          <a:chOff x="0" y="0"/>
+          <a:chExt cx="0" cy="0"/>
+        </a:xfrm>
+      </p:grpSpPr>
+      <p:sp>
+        <p:nvSpPr>
+          <p:cNvPr id="2" name="Text Placeholder 1">
+            <a:extLst>
+              <a:ext uri="{FF2B5EF4-FFF2-40B4-BE49-F238E27FC236}">
+                <a16:creationId xmlns:a16="http://schemas.microsoft.com/office/drawing/2014/main" id="{E36198AD-F532-40F2-8D83-651571C27D5A}"/>
+              </a:ext>
+            </a:extLst>
+          </p:cNvPr>
+          <p:cNvSpPr>
+            <a:spLocks noGrp="1"/>
+          </p:cNvSpPr>
+          <p:nvPr>
+            <p:ph type="body" sz="quarter" idx="10"/>
+          </p:nvPr>
+        </p:nvSpPr>
+        <p:spPr>
+          <a:xfrm>
+            <a:off x="952758" y="632352"/>
+            <a:ext cx="10524898" cy="1080861"/>
+          </a:xfrm>
+        </p:spPr>
+        <p:txBody>
+          <a:bodyPr/>
+          <a:lstStyle/>
+          <a:p>
+            <a:r>
+              <a:rPr lang="pl-PL" dirty="0"/>
+              <a:t>Azure Container Register</a:t>
+            </a:r>
+          </a:p>
+        </p:txBody>
+      </p:sp>
+      <p:sp>
+        <p:nvSpPr>
+          <p:cNvPr id="4" name="Slide Number Placeholder 3">
+            <a:extLst>
+              <a:ext uri="{FF2B5EF4-FFF2-40B4-BE49-F238E27FC236}">
+                <a16:creationId xmlns:a16="http://schemas.microsoft.com/office/drawing/2014/main" id="{3EE17776-166D-44C4-8E82-4C877FEC5410}"/>
+              </a:ext>
+            </a:extLst>
+          </p:cNvPr>
+          <p:cNvSpPr>
+            <a:spLocks noGrp="1"/>
+          </p:cNvSpPr>
+          <p:nvPr>
+            <p:ph type="sldNum" sz="quarter" idx="12"/>
+          </p:nvPr>
+        </p:nvSpPr>
+        <p:spPr/>
+        <p:txBody>
+          <a:bodyPr/>
+          <a:lstStyle/>
+          <a:p>
+            <a:fld id="{3847DB54-D037-B84F-B6F1-2E8DA40D09AD}" type="slidenum">
+              <a:rPr lang="en-US" smtClean="0"/>
+              <a:pPr/>
+              <a:t>11</a:t>
             </a:fld>
             <a:endParaRPr lang="en-US" dirty="0"/>
           </a:p>
@@ -4500,181 +4696,6 @@
 </p:sld>
 </file>
 
-<file path=ppt/slides/slide11.xml><?xml version="1.0" encoding="utf-8"?>
-<p:sld xmlns:a="http://schemas.openxmlformats.org/drawingml/2006/main" xmlns:r="http://schemas.openxmlformats.org/officeDocument/2006/relationships" xmlns:p="http://schemas.openxmlformats.org/presentationml/2006/main">
-  <p:cSld>
-    <p:spTree>
-      <p:nvGrpSpPr>
-        <p:cNvPr id="1" name=""/>
-        <p:cNvGrpSpPr/>
-        <p:nvPr/>
-      </p:nvGrpSpPr>
-      <p:grpSpPr>
-        <a:xfrm>
-          <a:off x="0" y="0"/>
-          <a:ext cx="0" cy="0"/>
-          <a:chOff x="0" y="0"/>
-          <a:chExt cx="0" cy="0"/>
-        </a:xfrm>
-      </p:grpSpPr>
-      <p:sp>
-        <p:nvSpPr>
-          <p:cNvPr id="2" name="Text Placeholder 1">
-            <a:extLst>
-              <a:ext uri="{FF2B5EF4-FFF2-40B4-BE49-F238E27FC236}">
-                <a16:creationId xmlns:a16="http://schemas.microsoft.com/office/drawing/2014/main" id="{E36198AD-F532-40F2-8D83-651571C27D5A}"/>
-              </a:ext>
-            </a:extLst>
-          </p:cNvPr>
-          <p:cNvSpPr>
-            <a:spLocks noGrp="1"/>
-          </p:cNvSpPr>
-          <p:nvPr>
-            <p:ph type="body" sz="quarter" idx="10"/>
-          </p:nvPr>
-        </p:nvSpPr>
-        <p:spPr>
-          <a:xfrm>
-            <a:off x="952758" y="632352"/>
-            <a:ext cx="10524898" cy="1080861"/>
-          </a:xfrm>
-        </p:spPr>
-        <p:txBody>
-          <a:bodyPr/>
-          <a:lstStyle/>
-          <a:p>
-            <a:r>
-              <a:rPr lang="pl-PL" dirty="0"/>
-              <a:t>Azure Container Register</a:t>
-            </a:r>
-          </a:p>
-        </p:txBody>
-      </p:sp>
-      <p:sp>
-        <p:nvSpPr>
-          <p:cNvPr id="4" name="Slide Number Placeholder 3">
-            <a:extLst>
-              <a:ext uri="{FF2B5EF4-FFF2-40B4-BE49-F238E27FC236}">
-                <a16:creationId xmlns:a16="http://schemas.microsoft.com/office/drawing/2014/main" id="{3EE17776-166D-44C4-8E82-4C877FEC5410}"/>
-              </a:ext>
-            </a:extLst>
-          </p:cNvPr>
-          <p:cNvSpPr>
-            <a:spLocks noGrp="1"/>
-          </p:cNvSpPr>
-          <p:nvPr>
-            <p:ph type="sldNum" sz="quarter" idx="12"/>
-          </p:nvPr>
-        </p:nvSpPr>
-        <p:spPr/>
-        <p:txBody>
-          <a:bodyPr/>
-          <a:lstStyle/>
-          <a:p>
-            <a:fld id="{3847DB54-D037-B84F-B6F1-2E8DA40D09AD}" type="slidenum">
-              <a:rPr lang="en-US" smtClean="0"/>
-              <a:pPr/>
-              <a:t>11</a:t>
-            </a:fld>
-            <a:endParaRPr lang="en-US" dirty="0"/>
-          </a:p>
-        </p:txBody>
-      </p:sp>
-      <p:sp>
-        <p:nvSpPr>
-          <p:cNvPr id="6" name="Text Placeholder 2">
-            <a:extLst>
-              <a:ext uri="{FF2B5EF4-FFF2-40B4-BE49-F238E27FC236}">
-                <a16:creationId xmlns:a16="http://schemas.microsoft.com/office/drawing/2014/main" id="{9633299A-E38D-40C1-A984-747C75C888D2}"/>
-              </a:ext>
-            </a:extLst>
-          </p:cNvPr>
-          <p:cNvSpPr>
-            <a:spLocks noGrp="1"/>
-          </p:cNvSpPr>
-          <p:nvPr>
-            <p:ph type="body" sz="quarter" idx="11"/>
-          </p:nvPr>
-        </p:nvSpPr>
-        <p:spPr>
-          <a:xfrm>
-            <a:off x="1083386" y="1590262"/>
-            <a:ext cx="10524898" cy="3658632"/>
-          </a:xfrm>
-        </p:spPr>
-        <p:txBody>
-          <a:bodyPr/>
-          <a:lstStyle/>
-          <a:p>
-            <a:r>
-              <a:rPr lang="en-US" dirty="0"/>
-              <a:t>Let’s play ! Run ./createRegister.ps1 script</a:t>
-            </a:r>
-          </a:p>
-          <a:p>
-            <a:endParaRPr lang="pl-PL" dirty="0"/>
-          </a:p>
-          <a:p>
-            <a:r>
-              <a:rPr lang="pl-PL" dirty="0"/>
-              <a:t>-   Create ACR</a:t>
-            </a:r>
-          </a:p>
-          <a:p>
-            <a:pPr marL="457200" indent="-457200">
-              <a:buFontTx/>
-              <a:buChar char="-"/>
-            </a:pPr>
-            <a:r>
-              <a:rPr lang="pl-PL" dirty="0"/>
-              <a:t>Build image </a:t>
-            </a:r>
-          </a:p>
-          <a:p>
-            <a:pPr marL="457200" indent="-457200">
-              <a:buFontTx/>
-              <a:buChar char="-"/>
-            </a:pPr>
-            <a:r>
-              <a:rPr lang="pl-PL" dirty="0"/>
-              <a:t>Push image into ACR</a:t>
-            </a:r>
-          </a:p>
-          <a:p>
-            <a:pPr marL="457200" indent="-457200">
-              <a:buFontTx/>
-              <a:buChar char="-"/>
-            </a:pPr>
-            <a:r>
-              <a:rPr lang="pl-PL" dirty="0"/>
-              <a:t>Run image locally from ACR</a:t>
-            </a:r>
-          </a:p>
-          <a:p>
-            <a:pPr marL="457200" indent="-457200">
-              <a:buFontTx/>
-              <a:buChar char="-"/>
-            </a:pPr>
-            <a:endParaRPr lang="pl-PL" dirty="0"/>
-          </a:p>
-        </p:txBody>
-      </p:sp>
-    </p:spTree>
-    <p:extLst>
-      <p:ext uri="{BB962C8B-B14F-4D97-AF65-F5344CB8AC3E}">
-        <p14:creationId xmlns:p14="http://schemas.microsoft.com/office/powerpoint/2010/main" val="638553676"/>
-      </p:ext>
-    </p:extLst>
-  </p:cSld>
-  <p:clrMapOvr>
-    <a:masterClrMapping/>
-  </p:clrMapOvr>
-  <p:transition>
-    <p:fade/>
-  </p:transition>
-</p:sld>
-</file>
-
 <file path=ppt/slides/slide12.xml><?xml version="1.0" encoding="utf-8"?>
 <p:sld xmlns:a="http://schemas.openxmlformats.org/drawingml/2006/main" xmlns:r="http://schemas.openxmlformats.org/officeDocument/2006/relationships" xmlns:p="http://schemas.openxmlformats.org/presentationml/2006/main">
   <p:cSld>
@@ -4720,7 +4741,7 @@
           <a:p>
             <a:r>
               <a:rPr lang="pl-PL" dirty="0"/>
-              <a:t>Azure Container Instances</a:t>
+              <a:t>Azure Container Register</a:t>
             </a:r>
           </a:p>
         </p:txBody>
@@ -4781,41 +4802,28 @@
           <a:bodyPr/>
           <a:lstStyle/>
           <a:p>
+            <a:r>
+              <a:rPr lang="en-US" dirty="0"/>
+              <a:t>Let’s play ! Run ./createRegister.ps1 script</a:t>
+            </a:r>
+          </a:p>
+          <a:p>
+            <a:endParaRPr lang="pl-PL" dirty="0"/>
+          </a:p>
+          <a:p>
+            <a:r>
+              <a:rPr lang="pl-PL" dirty="0"/>
+              <a:t>-   Create ACR</a:t>
+            </a:r>
+          </a:p>
+          <a:p>
             <a:pPr marL="457200" indent="-457200">
               <a:buFontTx/>
               <a:buChar char="-"/>
             </a:pPr>
             <a:r>
               <a:rPr lang="pl-PL" dirty="0"/>
-              <a:t>F</a:t>
-            </a:r>
-            <a:r>
-              <a:rPr lang="en-US" dirty="0" err="1"/>
-              <a:t>ast</a:t>
-            </a:r>
-            <a:r>
-              <a:rPr lang="en-US" dirty="0"/>
-              <a:t> and </a:t>
-            </a:r>
-            <a:r>
-              <a:rPr lang="pl-PL" dirty="0"/>
-              <a:t>super </a:t>
-            </a:r>
-            <a:r>
-              <a:rPr lang="en-US" dirty="0" err="1"/>
-              <a:t>simpl</a:t>
-            </a:r>
-            <a:r>
-              <a:rPr lang="pl-PL" dirty="0"/>
-              <a:t>e</a:t>
-            </a:r>
-            <a:r>
-              <a:rPr lang="en-US" dirty="0"/>
-              <a:t> way to run a container in Azure</a:t>
-            </a:r>
-            <a:r>
-              <a:rPr lang="pl-PL" dirty="0"/>
-              <a:t>.</a:t>
+              <a:t>Build image </a:t>
             </a:r>
           </a:p>
           <a:p>
@@ -4825,23 +4833,7 @@
             </a:pPr>
             <a:r>
               <a:rPr lang="pl-PL" dirty="0"/>
-              <a:t>Provides p</a:t>
-            </a:r>
-            <a:r>
-              <a:rPr lang="en-US" dirty="0" err="1"/>
-              <a:t>ublic</a:t>
-            </a:r>
-            <a:r>
-              <a:rPr lang="en-US" dirty="0"/>
-              <a:t> IP and DNS </a:t>
-            </a:r>
-            <a:r>
-              <a:rPr lang="en-US" dirty="0" err="1"/>
-              <a:t>nam</a:t>
-            </a:r>
-            <a:r>
-              <a:rPr lang="pl-PL" dirty="0"/>
-              <a:t>e</a:t>
+              <a:t>Push image into ACR</a:t>
             </a:r>
           </a:p>
           <a:p>
@@ -4851,7 +4843,7 @@
             </a:pPr>
             <a:r>
               <a:rPr lang="pl-PL" dirty="0"/>
-              <a:t>Good solution for small application, POC’s, simple scenarios</a:t>
+              <a:t>Run image locally from ACR</a:t>
             </a:r>
           </a:p>
           <a:p>
@@ -4859,16 +4851,6 @@
               <a:buFontTx/>
               <a:buChar char="-"/>
             </a:pPr>
-            <a:r>
-              <a:rPr lang="pl-PL" dirty="0"/>
-              <a:t>If more containers / more sophisticated solution – use K8s or Azure Service Fabric </a:t>
-            </a:r>
-            <a:endParaRPr lang="en-US" dirty="0"/>
-          </a:p>
-          <a:p>
-            <a:br>
-              <a:rPr lang="en-US" dirty="0"/>
-            </a:br>
             <a:endParaRPr lang="pl-PL" dirty="0"/>
           </a:p>
         </p:txBody>
@@ -4876,7 +4858,7 @@
     </p:spTree>
     <p:extLst>
       <p:ext uri="{BB962C8B-B14F-4D97-AF65-F5344CB8AC3E}">
-        <p14:creationId xmlns:p14="http://schemas.microsoft.com/office/powerpoint/2010/main" val="476371823"/>
+        <p14:creationId xmlns:p14="http://schemas.microsoft.com/office/powerpoint/2010/main" val="638553676"/>
       </p:ext>
     </p:extLst>
   </p:cSld>
@@ -4964,6 +4946,220 @@
               <a:rPr lang="en-US" smtClean="0"/>
               <a:pPr/>
               <a:t>13</a:t>
+            </a:fld>
+            <a:endParaRPr lang="en-US" dirty="0"/>
+          </a:p>
+        </p:txBody>
+      </p:sp>
+      <p:sp>
+        <p:nvSpPr>
+          <p:cNvPr id="6" name="Text Placeholder 2">
+            <a:extLst>
+              <a:ext uri="{FF2B5EF4-FFF2-40B4-BE49-F238E27FC236}">
+                <a16:creationId xmlns:a16="http://schemas.microsoft.com/office/drawing/2014/main" id="{9633299A-E38D-40C1-A984-747C75C888D2}"/>
+              </a:ext>
+            </a:extLst>
+          </p:cNvPr>
+          <p:cNvSpPr>
+            <a:spLocks noGrp="1"/>
+          </p:cNvSpPr>
+          <p:nvPr>
+            <p:ph type="body" sz="quarter" idx="11"/>
+          </p:nvPr>
+        </p:nvSpPr>
+        <p:spPr>
+          <a:xfrm>
+            <a:off x="1083386" y="1590262"/>
+            <a:ext cx="10524898" cy="3658632"/>
+          </a:xfrm>
+        </p:spPr>
+        <p:txBody>
+          <a:bodyPr/>
+          <a:lstStyle/>
+          <a:p>
+            <a:pPr marL="457200" indent="-457200">
+              <a:buFontTx/>
+              <a:buChar char="-"/>
+            </a:pPr>
+            <a:r>
+              <a:rPr lang="pl-PL" dirty="0"/>
+              <a:t>F</a:t>
+            </a:r>
+            <a:r>
+              <a:rPr lang="en-US" dirty="0" err="1"/>
+              <a:t>ast</a:t>
+            </a:r>
+            <a:r>
+              <a:rPr lang="en-US" dirty="0"/>
+              <a:t> and </a:t>
+            </a:r>
+            <a:r>
+              <a:rPr lang="pl-PL" dirty="0"/>
+              <a:t>super </a:t>
+            </a:r>
+            <a:r>
+              <a:rPr lang="en-US" dirty="0" err="1"/>
+              <a:t>simpl</a:t>
+            </a:r>
+            <a:r>
+              <a:rPr lang="pl-PL" dirty="0"/>
+              <a:t>e</a:t>
+            </a:r>
+            <a:r>
+              <a:rPr lang="en-US" dirty="0"/>
+              <a:t> way to run a container in Azure</a:t>
+            </a:r>
+            <a:r>
+              <a:rPr lang="pl-PL" dirty="0"/>
+              <a:t>.</a:t>
+            </a:r>
+          </a:p>
+          <a:p>
+            <a:pPr marL="457200" indent="-457200">
+              <a:buFontTx/>
+              <a:buChar char="-"/>
+            </a:pPr>
+            <a:r>
+              <a:rPr lang="pl-PL" dirty="0"/>
+              <a:t>Provides p</a:t>
+            </a:r>
+            <a:r>
+              <a:rPr lang="en-US" dirty="0" err="1"/>
+              <a:t>ublic</a:t>
+            </a:r>
+            <a:r>
+              <a:rPr lang="en-US" dirty="0"/>
+              <a:t> IP and DNS </a:t>
+            </a:r>
+            <a:r>
+              <a:rPr lang="en-US" dirty="0" err="1"/>
+              <a:t>nam</a:t>
+            </a:r>
+            <a:r>
+              <a:rPr lang="pl-PL" dirty="0"/>
+              <a:t>e</a:t>
+            </a:r>
+          </a:p>
+          <a:p>
+            <a:pPr marL="457200" indent="-457200">
+              <a:buFontTx/>
+              <a:buChar char="-"/>
+            </a:pPr>
+            <a:r>
+              <a:rPr lang="pl-PL" dirty="0"/>
+              <a:t>Good solution for small application, POC’s, simple scenarios</a:t>
+            </a:r>
+          </a:p>
+          <a:p>
+            <a:pPr marL="457200" indent="-457200">
+              <a:buFontTx/>
+              <a:buChar char="-"/>
+            </a:pPr>
+            <a:r>
+              <a:rPr lang="pl-PL" dirty="0"/>
+              <a:t>If more containers / more sophisticated solution – use K8s or Azure Service Fabric </a:t>
+            </a:r>
+            <a:endParaRPr lang="en-US" dirty="0"/>
+          </a:p>
+          <a:p>
+            <a:br>
+              <a:rPr lang="en-US" dirty="0"/>
+            </a:br>
+            <a:endParaRPr lang="pl-PL" dirty="0"/>
+          </a:p>
+        </p:txBody>
+      </p:sp>
+    </p:spTree>
+    <p:extLst>
+      <p:ext uri="{BB962C8B-B14F-4D97-AF65-F5344CB8AC3E}">
+        <p14:creationId xmlns:p14="http://schemas.microsoft.com/office/powerpoint/2010/main" val="476371823"/>
+      </p:ext>
+    </p:extLst>
+  </p:cSld>
+  <p:clrMapOvr>
+    <a:masterClrMapping/>
+  </p:clrMapOvr>
+  <p:transition>
+    <p:fade/>
+  </p:transition>
+</p:sld>
+</file>
+
+<file path=ppt/slides/slide14.xml><?xml version="1.0" encoding="utf-8"?>
+<p:sld xmlns:a="http://schemas.openxmlformats.org/drawingml/2006/main" xmlns:r="http://schemas.openxmlformats.org/officeDocument/2006/relationships" xmlns:p="http://schemas.openxmlformats.org/presentationml/2006/main">
+  <p:cSld>
+    <p:spTree>
+      <p:nvGrpSpPr>
+        <p:cNvPr id="1" name=""/>
+        <p:cNvGrpSpPr/>
+        <p:nvPr/>
+      </p:nvGrpSpPr>
+      <p:grpSpPr>
+        <a:xfrm>
+          <a:off x="0" y="0"/>
+          <a:ext cx="0" cy="0"/>
+          <a:chOff x="0" y="0"/>
+          <a:chExt cx="0" cy="0"/>
+        </a:xfrm>
+      </p:grpSpPr>
+      <p:sp>
+        <p:nvSpPr>
+          <p:cNvPr id="2" name="Text Placeholder 1">
+            <a:extLst>
+              <a:ext uri="{FF2B5EF4-FFF2-40B4-BE49-F238E27FC236}">
+                <a16:creationId xmlns:a16="http://schemas.microsoft.com/office/drawing/2014/main" id="{E36198AD-F532-40F2-8D83-651571C27D5A}"/>
+              </a:ext>
+            </a:extLst>
+          </p:cNvPr>
+          <p:cNvSpPr>
+            <a:spLocks noGrp="1"/>
+          </p:cNvSpPr>
+          <p:nvPr>
+            <p:ph type="body" sz="quarter" idx="10"/>
+          </p:nvPr>
+        </p:nvSpPr>
+        <p:spPr>
+          <a:xfrm>
+            <a:off x="952758" y="632352"/>
+            <a:ext cx="10524898" cy="1080861"/>
+          </a:xfrm>
+        </p:spPr>
+        <p:txBody>
+          <a:bodyPr/>
+          <a:lstStyle/>
+          <a:p>
+            <a:r>
+              <a:rPr lang="pl-PL" dirty="0"/>
+              <a:t>Azure Container Instances</a:t>
+            </a:r>
+          </a:p>
+        </p:txBody>
+      </p:sp>
+      <p:sp>
+        <p:nvSpPr>
+          <p:cNvPr id="4" name="Slide Number Placeholder 3">
+            <a:extLst>
+              <a:ext uri="{FF2B5EF4-FFF2-40B4-BE49-F238E27FC236}">
+                <a16:creationId xmlns:a16="http://schemas.microsoft.com/office/drawing/2014/main" id="{3EE17776-166D-44C4-8E82-4C877FEC5410}"/>
+              </a:ext>
+            </a:extLst>
+          </p:cNvPr>
+          <p:cNvSpPr>
+            <a:spLocks noGrp="1"/>
+          </p:cNvSpPr>
+          <p:nvPr>
+            <p:ph type="sldNum" sz="quarter" idx="12"/>
+          </p:nvPr>
+        </p:nvSpPr>
+        <p:spPr/>
+        <p:txBody>
+          <a:bodyPr/>
+          <a:lstStyle/>
+          <a:p>
+            <a:fld id="{3847DB54-D037-B84F-B6F1-2E8DA40D09AD}" type="slidenum">
+              <a:rPr lang="en-US" smtClean="0"/>
+              <a:pPr/>
+              <a:t>14</a:t>
             </a:fld>
             <a:endParaRPr lang="en-US" dirty="0"/>
           </a:p>
@@ -5048,7 +5244,7 @@
 </p:sld>
 </file>
 
-<file path=ppt/slides/slide14.xml><?xml version="1.0" encoding="utf-8"?>
+<file path=ppt/slides/slide15.xml><?xml version="1.0" encoding="utf-8"?>
 <p:sld xmlns:a="http://schemas.openxmlformats.org/drawingml/2006/main" xmlns:r="http://schemas.openxmlformats.org/officeDocument/2006/relationships" xmlns:p="http://schemas.openxmlformats.org/presentationml/2006/main">
   <p:cSld>
     <p:spTree>
@@ -5122,7 +5318,7 @@
             <a:fld id="{3847DB54-D037-B84F-B6F1-2E8DA40D09AD}" type="slidenum">
               <a:rPr lang="en-US" smtClean="0"/>
               <a:pPr/>
-              <a:t>14</a:t>
+              <a:t>15</a:t>
             </a:fld>
             <a:endParaRPr lang="en-US" dirty="0"/>
           </a:p>
@@ -5394,7 +5590,7 @@
 </p:sld>
 </file>
 
-<file path=ppt/slides/slide15.xml><?xml version="1.0" encoding="utf-8"?>
+<file path=ppt/slides/slide16.xml><?xml version="1.0" encoding="utf-8"?>
 <p:sld xmlns:a="http://schemas.openxmlformats.org/drawingml/2006/main" xmlns:r="http://schemas.openxmlformats.org/officeDocument/2006/relationships" xmlns:p="http://schemas.openxmlformats.org/presentationml/2006/main">
   <p:cSld>
     <p:spTree>
@@ -5589,7 +5785,7 @@
             <a:fld id="{3847DB54-D037-B84F-B6F1-2E8DA40D09AD}" type="slidenum">
               <a:rPr lang="en-US" smtClean="0"/>
               <a:pPr/>
-              <a:t>15</a:t>
+              <a:t>16</a:t>
             </a:fld>
             <a:endParaRPr lang="en-US" dirty="0"/>
           </a:p>
@@ -5658,7 +5854,7 @@
 </p:sld>
 </file>
 
-<file path=ppt/slides/slide16.xml><?xml version="1.0" encoding="utf-8"?>
+<file path=ppt/slides/slide17.xml><?xml version="1.0" encoding="utf-8"?>
 <p:sld xmlns:a="http://schemas.openxmlformats.org/drawingml/2006/main" xmlns:r="http://schemas.openxmlformats.org/officeDocument/2006/relationships" xmlns:p="http://schemas.openxmlformats.org/presentationml/2006/main">
   <p:cSld>
     <p:spTree>
@@ -5836,7 +6032,7 @@
             <a:fld id="{3847DB54-D037-B84F-B6F1-2E8DA40D09AD}" type="slidenum">
               <a:rPr lang="en-US" smtClean="0"/>
               <a:pPr/>
-              <a:t>16</a:t>
+              <a:t>17</a:t>
             </a:fld>
             <a:endParaRPr lang="en-US" dirty="0"/>
           </a:p>
@@ -5858,7 +6054,7 @@
 </p:sld>
 </file>
 
-<file path=ppt/slides/slide17.xml><?xml version="1.0" encoding="utf-8"?>
+<file path=ppt/slides/slide18.xml><?xml version="1.0" encoding="utf-8"?>
 <p:sld xmlns:a="http://schemas.openxmlformats.org/drawingml/2006/main" xmlns:r="http://schemas.openxmlformats.org/officeDocument/2006/relationships" xmlns:p="http://schemas.openxmlformats.org/presentationml/2006/main">
   <p:cSld>
     <p:spTree>
@@ -6021,7 +6217,7 @@
             <a:fld id="{3847DB54-D037-B84F-B6F1-2E8DA40D09AD}" type="slidenum">
               <a:rPr lang="en-US" smtClean="0"/>
               <a:pPr/>
-              <a:t>17</a:t>
+              <a:t>18</a:t>
             </a:fld>
             <a:endParaRPr lang="en-US" dirty="0"/>
           </a:p>
@@ -6031,194 +6227,6 @@
     <p:extLst>
       <p:ext uri="{BB962C8B-B14F-4D97-AF65-F5344CB8AC3E}">
         <p14:creationId xmlns:p14="http://schemas.microsoft.com/office/powerpoint/2010/main" val="3431735326"/>
-      </p:ext>
-    </p:extLst>
-  </p:cSld>
-  <p:clrMapOvr>
-    <a:masterClrMapping/>
-  </p:clrMapOvr>
-  <p:transition>
-    <p:fade/>
-  </p:transition>
-</p:sld>
-</file>
-
-<file path=ppt/slides/slide18.xml><?xml version="1.0" encoding="utf-8"?>
-<p:sld xmlns:a="http://schemas.openxmlformats.org/drawingml/2006/main" xmlns:r="http://schemas.openxmlformats.org/officeDocument/2006/relationships" xmlns:p="http://schemas.openxmlformats.org/presentationml/2006/main">
-  <p:cSld>
-    <p:spTree>
-      <p:nvGrpSpPr>
-        <p:cNvPr id="1" name=""/>
-        <p:cNvGrpSpPr/>
-        <p:nvPr/>
-      </p:nvGrpSpPr>
-      <p:grpSpPr>
-        <a:xfrm>
-          <a:off x="0" y="0"/>
-          <a:ext cx="0" cy="0"/>
-          <a:chOff x="0" y="0"/>
-          <a:chExt cx="0" cy="0"/>
-        </a:xfrm>
-      </p:grpSpPr>
-      <p:sp>
-        <p:nvSpPr>
-          <p:cNvPr id="2" name="Text Placeholder 1">
-            <a:extLst>
-              <a:ext uri="{FF2B5EF4-FFF2-40B4-BE49-F238E27FC236}">
-                <a16:creationId xmlns:a16="http://schemas.microsoft.com/office/drawing/2014/main" id="{E36198AD-F532-40F2-8D83-651571C27D5A}"/>
-              </a:ext>
-            </a:extLst>
-          </p:cNvPr>
-          <p:cNvSpPr>
-            <a:spLocks noGrp="1"/>
-          </p:cNvSpPr>
-          <p:nvPr>
-            <p:ph type="body" sz="quarter" idx="10"/>
-          </p:nvPr>
-        </p:nvSpPr>
-        <p:spPr>
-          <a:xfrm>
-            <a:off x="952758" y="632352"/>
-            <a:ext cx="10524898" cy="1080861"/>
-          </a:xfrm>
-        </p:spPr>
-        <p:txBody>
-          <a:bodyPr/>
-          <a:lstStyle/>
-          <a:p>
-            <a:r>
-              <a:rPr lang="pl-PL" dirty="0"/>
-              <a:t>Azure K8s Services </a:t>
-            </a:r>
-          </a:p>
-        </p:txBody>
-      </p:sp>
-      <p:sp>
-        <p:nvSpPr>
-          <p:cNvPr id="3" name="Text Placeholder 2">
-            <a:extLst>
-              <a:ext uri="{FF2B5EF4-FFF2-40B4-BE49-F238E27FC236}">
-                <a16:creationId xmlns:a16="http://schemas.microsoft.com/office/drawing/2014/main" id="{EB70B010-88F2-4353-824D-1620CB02EBAE}"/>
-              </a:ext>
-            </a:extLst>
-          </p:cNvPr>
-          <p:cNvSpPr>
-            <a:spLocks noGrp="1"/>
-          </p:cNvSpPr>
-          <p:nvPr>
-            <p:ph type="body" sz="quarter" idx="11"/>
-          </p:nvPr>
-        </p:nvSpPr>
-        <p:spPr>
-          <a:xfrm>
-            <a:off x="952758" y="1464906"/>
-            <a:ext cx="10524898" cy="4599992"/>
-          </a:xfrm>
-        </p:spPr>
-        <p:txBody>
-          <a:bodyPr/>
-          <a:lstStyle/>
-          <a:p>
-            <a:r>
-              <a:rPr lang="pl-PL" dirty="0"/>
-              <a:t>But few fundamental concepts : </a:t>
-            </a:r>
-          </a:p>
-          <a:p>
-            <a:pPr marL="457200" indent="-457200">
-              <a:buFontTx/>
-              <a:buChar char="-"/>
-            </a:pPr>
-            <a:r>
-              <a:rPr lang="pl-PL" dirty="0"/>
-              <a:t>Node - abstraction over real commputing units </a:t>
-            </a:r>
-          </a:p>
-          <a:p>
-            <a:pPr marL="457200" indent="-457200">
-              <a:buFontTx/>
-              <a:buChar char="-"/>
-            </a:pPr>
-            <a:r>
-              <a:rPr lang="pl-PL" dirty="0"/>
-              <a:t>Kubectl - kubernetes command-line client </a:t>
-            </a:r>
-          </a:p>
-          <a:p>
-            <a:pPr marL="457200" indent="-457200">
-              <a:buFontTx/>
-              <a:buChar char="-"/>
-            </a:pPr>
-            <a:r>
-              <a:rPr lang="pl-PL" dirty="0"/>
-              <a:t>Pod - encapsulates an application container (or containers)</a:t>
-            </a:r>
-          </a:p>
-          <a:p>
-            <a:pPr marL="457200" indent="-457200">
-              <a:buFontTx/>
-              <a:buChar char="-"/>
-            </a:pPr>
-            <a:r>
-              <a:rPr lang="pl-PL" dirty="0"/>
-              <a:t>Service – logical set of pods – can be used to expose pods to outside network</a:t>
-            </a:r>
-          </a:p>
-          <a:p>
-            <a:pPr marL="457200" indent="-457200">
-              <a:buFontTx/>
-              <a:buChar char="-"/>
-            </a:pPr>
-            <a:r>
-              <a:rPr lang="pl-PL" dirty="0"/>
-              <a:t>Deployment – is responsible for pods lifecycle</a:t>
-            </a:r>
-          </a:p>
-          <a:p>
-            <a:endParaRPr lang="pl-PL" dirty="0"/>
-          </a:p>
-          <a:p>
-            <a:r>
-              <a:rPr lang="pl-PL" dirty="0"/>
-              <a:t> </a:t>
-            </a:r>
-          </a:p>
-        </p:txBody>
-      </p:sp>
-      <p:sp>
-        <p:nvSpPr>
-          <p:cNvPr id="4" name="Slide Number Placeholder 3">
-            <a:extLst>
-              <a:ext uri="{FF2B5EF4-FFF2-40B4-BE49-F238E27FC236}">
-                <a16:creationId xmlns:a16="http://schemas.microsoft.com/office/drawing/2014/main" id="{3EE17776-166D-44C4-8E82-4C877FEC5410}"/>
-              </a:ext>
-            </a:extLst>
-          </p:cNvPr>
-          <p:cNvSpPr>
-            <a:spLocks noGrp="1"/>
-          </p:cNvSpPr>
-          <p:nvPr>
-            <p:ph type="sldNum" sz="quarter" idx="12"/>
-          </p:nvPr>
-        </p:nvSpPr>
-        <p:spPr/>
-        <p:txBody>
-          <a:bodyPr/>
-          <a:lstStyle/>
-          <a:p>
-            <a:fld id="{3847DB54-D037-B84F-B6F1-2E8DA40D09AD}" type="slidenum">
-              <a:rPr lang="en-US" smtClean="0"/>
-              <a:pPr/>
-              <a:t>18</a:t>
-            </a:fld>
-            <a:endParaRPr lang="en-US" dirty="0"/>
-          </a:p>
-        </p:txBody>
-      </p:sp>
-    </p:spTree>
-    <p:extLst>
-      <p:ext uri="{BB962C8B-B14F-4D97-AF65-F5344CB8AC3E}">
-        <p14:creationId xmlns:p14="http://schemas.microsoft.com/office/powerpoint/2010/main" val="2984522925"/>
       </p:ext>
     </p:extLst>
   </p:cSld>
@@ -6283,6 +6291,98 @@
       </p:sp>
       <p:sp>
         <p:nvSpPr>
+          <p:cNvPr id="3" name="Text Placeholder 2">
+            <a:extLst>
+              <a:ext uri="{FF2B5EF4-FFF2-40B4-BE49-F238E27FC236}">
+                <a16:creationId xmlns:a16="http://schemas.microsoft.com/office/drawing/2014/main" id="{EB70B010-88F2-4353-824D-1620CB02EBAE}"/>
+              </a:ext>
+            </a:extLst>
+          </p:cNvPr>
+          <p:cNvSpPr>
+            <a:spLocks noGrp="1"/>
+          </p:cNvSpPr>
+          <p:nvPr>
+            <p:ph type="body" sz="quarter" idx="11"/>
+          </p:nvPr>
+        </p:nvSpPr>
+        <p:spPr>
+          <a:xfrm>
+            <a:off x="952758" y="1464906"/>
+            <a:ext cx="10524898" cy="4599992"/>
+          </a:xfrm>
+        </p:spPr>
+        <p:txBody>
+          <a:bodyPr/>
+          <a:lstStyle/>
+          <a:p>
+            <a:r>
+              <a:rPr lang="pl-PL" dirty="0"/>
+              <a:t>But few fundamental concepts : </a:t>
+            </a:r>
+          </a:p>
+          <a:p>
+            <a:pPr marL="457200" indent="-457200">
+              <a:buFontTx/>
+              <a:buChar char="-"/>
+            </a:pPr>
+            <a:r>
+              <a:rPr lang="pl-PL" dirty="0"/>
+              <a:t>Node - abstraction over real commputing units </a:t>
+            </a:r>
+          </a:p>
+          <a:p>
+            <a:pPr marL="457200" indent="-457200">
+              <a:buFontTx/>
+              <a:buChar char="-"/>
+            </a:pPr>
+            <a:r>
+              <a:rPr lang="pl-PL" dirty="0"/>
+              <a:t>Kubectl - kubernetes command-line client </a:t>
+            </a:r>
+          </a:p>
+          <a:p>
+            <a:pPr marL="457200" indent="-457200">
+              <a:buFontTx/>
+              <a:buChar char="-"/>
+            </a:pPr>
+            <a:r>
+              <a:rPr lang="pl-PL" dirty="0"/>
+              <a:t>Pod - encapsulates an application container (or containers)</a:t>
+            </a:r>
+          </a:p>
+          <a:p>
+            <a:pPr marL="457200" indent="-457200">
+              <a:buFontTx/>
+              <a:buChar char="-"/>
+            </a:pPr>
+            <a:r>
+              <a:rPr lang="pl-PL" dirty="0"/>
+              <a:t>Service – logical set of pods – can be used to expose pods to outside network</a:t>
+            </a:r>
+          </a:p>
+          <a:p>
+            <a:pPr marL="457200" indent="-457200">
+              <a:buFontTx/>
+              <a:buChar char="-"/>
+            </a:pPr>
+            <a:r>
+              <a:rPr lang="pl-PL" dirty="0"/>
+              <a:t>Deployment – is responsible for pods lifecycle</a:t>
+            </a:r>
+          </a:p>
+          <a:p>
+            <a:endParaRPr lang="pl-PL" dirty="0"/>
+          </a:p>
+          <a:p>
+            <a:r>
+              <a:rPr lang="pl-PL" dirty="0"/>
+              <a:t> </a:t>
+            </a:r>
+          </a:p>
+        </p:txBody>
+      </p:sp>
+      <p:sp>
+        <p:nvSpPr>
           <p:cNvPr id="4" name="Slide Number Placeholder 3">
             <a:extLst>
               <a:ext uri="{FF2B5EF4-FFF2-40B4-BE49-F238E27FC236}">
@@ -6311,26 +6411,101 @@
           </a:p>
         </p:txBody>
       </p:sp>
+    </p:spTree>
+    <p:extLst>
+      <p:ext uri="{BB962C8B-B14F-4D97-AF65-F5344CB8AC3E}">
+        <p14:creationId xmlns:p14="http://schemas.microsoft.com/office/powerpoint/2010/main" val="2984522925"/>
+      </p:ext>
+    </p:extLst>
+  </p:cSld>
+  <p:clrMapOvr>
+    <a:masterClrMapping/>
+  </p:clrMapOvr>
+  <p:transition>
+    <p:fade/>
+  </p:transition>
+</p:sld>
+</file>
+
+<file path=ppt/slides/slide2.xml><?xml version="1.0" encoding="utf-8"?>
+<p:sld xmlns:a="http://schemas.openxmlformats.org/drawingml/2006/main" xmlns:r="http://schemas.openxmlformats.org/officeDocument/2006/relationships" xmlns:p="http://schemas.openxmlformats.org/presentationml/2006/main">
+  <p:cSld>
+    <p:spTree>
+      <p:nvGrpSpPr>
+        <p:cNvPr id="1" name=""/>
+        <p:cNvGrpSpPr/>
+        <p:nvPr/>
+      </p:nvGrpSpPr>
+      <p:grpSpPr>
+        <a:xfrm>
+          <a:off x="0" y="0"/>
+          <a:ext cx="0" cy="0"/>
+          <a:chOff x="0" y="0"/>
+          <a:chExt cx="0" cy="0"/>
+        </a:xfrm>
+      </p:grpSpPr>
+      <p:sp>
+        <p:nvSpPr>
+          <p:cNvPr id="3" name="Text Placeholder 2">
+            <a:extLst>
+              <a:ext uri="{FF2B5EF4-FFF2-40B4-BE49-F238E27FC236}">
+                <a16:creationId xmlns:a16="http://schemas.microsoft.com/office/drawing/2014/main" id="{BDCD8140-5EF5-4A31-826A-A67F02528231}"/>
+              </a:ext>
+            </a:extLst>
+          </p:cNvPr>
+          <p:cNvSpPr>
+            <a:spLocks noGrp="1"/>
+          </p:cNvSpPr>
+          <p:nvPr>
+            <p:ph type="body" sz="quarter" idx="11"/>
+          </p:nvPr>
+        </p:nvSpPr>
+        <p:spPr>
+          <a:xfrm>
+            <a:off x="1142109" y="1505154"/>
+            <a:ext cx="10524898" cy="4635587"/>
+          </a:xfrm>
+        </p:spPr>
+        <p:txBody>
+          <a:bodyPr/>
+          <a:lstStyle/>
+          <a:p>
+            <a:pPr marL="514350" indent="-514350">
+              <a:buFont typeface="+mj-lt"/>
+              <a:buAutoNum type="arabicPeriod"/>
+            </a:pPr>
+            <a:endParaRPr lang="pl-PL" dirty="0"/>
+          </a:p>
+          <a:p>
+            <a:pPr marL="514350" indent="-514350">
+              <a:buFont typeface="+mj-lt"/>
+              <a:buAutoNum type="arabicPeriod"/>
+            </a:pPr>
+            <a:endParaRPr lang="pl-PL" dirty="0"/>
+          </a:p>
+          <a:p>
+            <a:endParaRPr lang="pl-PL" dirty="0"/>
+          </a:p>
+        </p:txBody>
+      </p:sp>
       <p:sp>
         <p:nvSpPr>
           <p:cNvPr id="5" name="Text Placeholder 2">
             <a:extLst>
               <a:ext uri="{FF2B5EF4-FFF2-40B4-BE49-F238E27FC236}">
-                <a16:creationId xmlns:a16="http://schemas.microsoft.com/office/drawing/2014/main" id="{42426F91-34DF-4F3B-880A-CD2CCA9958FB}"/>
+                <a16:creationId xmlns:a16="http://schemas.microsoft.com/office/drawing/2014/main" id="{6FC60B28-F2F7-431F-ADB7-9BE7055F8DEE}"/>
               </a:ext>
             </a:extLst>
           </p:cNvPr>
           <p:cNvSpPr txBox="1">
-            <a:spLocks noGrp="1"/>
-          </p:cNvSpPr>
-          <p:nvPr>
-            <p:ph type="body" sz="quarter" idx="11"/>
-          </p:nvPr>
+            <a:spLocks/>
+          </p:cNvSpPr>
+          <p:nvPr/>
         </p:nvSpPr>
         <p:spPr>
           <a:xfrm>
-            <a:off x="952500" y="1465263"/>
-            <a:ext cx="10525125" cy="4598987"/>
+            <a:off x="1055395" y="1007705"/>
+            <a:ext cx="10524898" cy="4469363"/>
           </a:xfrm>
           <a:prstGeom prst="rect">
             <a:avLst/>
@@ -6506,14 +6681,9 @@
           </a:lstStyle>
           <a:p>
             <a:r>
-              <a:rPr lang="en-US" dirty="0"/>
-              <a:t>Let’s play ! Run createImageContainerInstance.ps1</a:t>
-            </a:r>
-            <a:r>
-              <a:rPr lang="pl-PL" dirty="0"/>
-              <a:t>  script </a:t>
-            </a:r>
-            <a:endParaRPr lang="en-US" dirty="0"/>
+              <a:rPr lang="pl-PL" dirty="0"/>
+              <a:t>Presentation and scripts ara available on GitHub </a:t>
+            </a:r>
           </a:p>
           <a:p>
             <a:endParaRPr lang="pl-PL" dirty="0"/>
@@ -6521,8 +6691,125 @@
           <a:p>
             <a:r>
               <a:rPr lang="pl-PL" dirty="0"/>
-              <a:t>-   Login into ACR</a:t>
-            </a:r>
+              <a:t>https://github.com/jakubgw/azure-containerization</a:t>
+            </a:r>
+          </a:p>
+          <a:p>
+            <a:endParaRPr lang="pl-PL" dirty="0"/>
+          </a:p>
+          <a:p>
+            <a:r>
+              <a:rPr lang="pl-PL" dirty="0"/>
+              <a:t>Examples are in the Azure CLI scripts, in the containers world this is proper way to do things. </a:t>
+            </a:r>
+          </a:p>
+          <a:p>
+            <a:r>
+              <a:rPr lang="pl-PL" dirty="0"/>
+              <a:t>With external tools like docker or kubectl lot of things is not possible with portal UI. </a:t>
+            </a:r>
+          </a:p>
+        </p:txBody>
+      </p:sp>
+    </p:spTree>
+    <p:extLst>
+      <p:ext uri="{BB962C8B-B14F-4D97-AF65-F5344CB8AC3E}">
+        <p14:creationId xmlns:p14="http://schemas.microsoft.com/office/powerpoint/2010/main" val="2381219924"/>
+      </p:ext>
+    </p:extLst>
+  </p:cSld>
+  <p:clrMapOvr>
+    <a:masterClrMapping/>
+  </p:clrMapOvr>
+  <p:transition>
+    <p:fade/>
+  </p:transition>
+</p:sld>
+</file>
+
+<file path=ppt/slides/slide20.xml><?xml version="1.0" encoding="utf-8"?>
+<p:sld xmlns:a="http://schemas.openxmlformats.org/drawingml/2006/main" xmlns:r="http://schemas.openxmlformats.org/officeDocument/2006/relationships" xmlns:p="http://schemas.openxmlformats.org/presentationml/2006/main">
+  <p:cSld>
+    <p:spTree>
+      <p:nvGrpSpPr>
+        <p:cNvPr id="1" name=""/>
+        <p:cNvGrpSpPr/>
+        <p:nvPr/>
+      </p:nvGrpSpPr>
+      <p:grpSpPr>
+        <a:xfrm>
+          <a:off x="0" y="0"/>
+          <a:ext cx="0" cy="0"/>
+          <a:chOff x="0" y="0"/>
+          <a:chExt cx="0" cy="0"/>
+        </a:xfrm>
+      </p:grpSpPr>
+      <p:sp>
+        <p:nvSpPr>
+          <p:cNvPr id="2" name="Text Placeholder 1">
+            <a:extLst>
+              <a:ext uri="{FF2B5EF4-FFF2-40B4-BE49-F238E27FC236}">
+                <a16:creationId xmlns:a16="http://schemas.microsoft.com/office/drawing/2014/main" id="{E36198AD-F532-40F2-8D83-651571C27D5A}"/>
+              </a:ext>
+            </a:extLst>
+          </p:cNvPr>
+          <p:cNvSpPr>
+            <a:spLocks noGrp="1"/>
+          </p:cNvSpPr>
+          <p:nvPr>
+            <p:ph type="body" sz="quarter" idx="10"/>
+          </p:nvPr>
+        </p:nvSpPr>
+        <p:spPr>
+          <a:xfrm>
+            <a:off x="952758" y="632352"/>
+            <a:ext cx="10524898" cy="1080861"/>
+          </a:xfrm>
+        </p:spPr>
+        <p:txBody>
+          <a:bodyPr/>
+          <a:lstStyle/>
+          <a:p>
+            <a:r>
+              <a:rPr lang="pl-PL" dirty="0"/>
+              <a:t>Azure K8s Services </a:t>
+            </a:r>
+          </a:p>
+        </p:txBody>
+      </p:sp>
+      <p:sp>
+        <p:nvSpPr>
+          <p:cNvPr id="3" name="Text Placeholder 2">
+            <a:extLst>
+              <a:ext uri="{FF2B5EF4-FFF2-40B4-BE49-F238E27FC236}">
+                <a16:creationId xmlns:a16="http://schemas.microsoft.com/office/drawing/2014/main" id="{EB70B010-88F2-4353-824D-1620CB02EBAE}"/>
+              </a:ext>
+            </a:extLst>
+          </p:cNvPr>
+          <p:cNvSpPr>
+            <a:spLocks noGrp="1"/>
+          </p:cNvSpPr>
+          <p:nvPr>
+            <p:ph type="body" sz="quarter" idx="11"/>
+          </p:nvPr>
+        </p:nvSpPr>
+        <p:spPr>
+          <a:xfrm>
+            <a:off x="952758" y="1464906"/>
+            <a:ext cx="10524898" cy="4599992"/>
+          </a:xfrm>
+        </p:spPr>
+        <p:txBody>
+          <a:bodyPr/>
+          <a:lstStyle/>
+          <a:p>
+            <a:r>
+              <a:rPr lang="pl-PL" dirty="0"/>
+              <a:t>Pricing </a:t>
+            </a:r>
+          </a:p>
+          <a:p>
+            <a:endParaRPr lang="pl-PL" dirty="0"/>
           </a:p>
           <a:p>
             <a:pPr marL="457200" indent="-457200">
@@ -6531,7 +6818,7 @@
             </a:pPr>
             <a:r>
               <a:rPr lang="pl-PL" dirty="0"/>
-              <a:t>Get login and password</a:t>
+              <a:t>There is no fee for cluster managments </a:t>
             </a:r>
           </a:p>
           <a:p>
@@ -6541,8 +6828,17 @@
             </a:pPr>
             <a:r>
               <a:rPr lang="pl-PL" dirty="0"/>
-              <a:t>Create container instance using image from ACR</a:t>
-            </a:r>
+              <a:t>Fee for nodes – only pay for what you use. V</a:t>
+            </a:r>
+            <a:r>
+              <a:rPr lang="en-US" dirty="0" err="1"/>
+              <a:t>irtual</a:t>
+            </a:r>
+            <a:r>
+              <a:rPr lang="en-US" dirty="0"/>
+              <a:t> machines instances, storage and networking resources consumed by your Kubernetes cluster. </a:t>
+            </a:r>
+            <a:endParaRPr lang="pl-PL" dirty="0"/>
           </a:p>
           <a:p>
             <a:pPr marL="457200" indent="-457200">
@@ -6551,7 +6847,7 @@
             </a:pPr>
             <a:r>
               <a:rPr lang="pl-PL" dirty="0"/>
-              <a:t>Run container </a:t>
+              <a:t>IP address options. By default free dynamic virtual IP, can be extended </a:t>
             </a:r>
           </a:p>
           <a:p>
@@ -6560,6 +6856,435 @@
               <a:buChar char="-"/>
             </a:pPr>
             <a:endParaRPr lang="pl-PL" dirty="0"/>
+          </a:p>
+          <a:p>
+            <a:pPr marL="457200" indent="-457200">
+              <a:buFontTx/>
+              <a:buChar char="-"/>
+            </a:pPr>
+            <a:endParaRPr lang="pl-PL" dirty="0"/>
+          </a:p>
+          <a:p>
+            <a:pPr marL="457200" indent="-457200">
+              <a:buFontTx/>
+              <a:buChar char="-"/>
+            </a:pPr>
+            <a:endParaRPr lang="pl-PL" dirty="0"/>
+          </a:p>
+          <a:p>
+            <a:endParaRPr lang="pl-PL" dirty="0"/>
+          </a:p>
+          <a:p>
+            <a:r>
+              <a:rPr lang="pl-PL" dirty="0"/>
+              <a:t> </a:t>
+            </a:r>
+          </a:p>
+        </p:txBody>
+      </p:sp>
+      <p:sp>
+        <p:nvSpPr>
+          <p:cNvPr id="4" name="Slide Number Placeholder 3">
+            <a:extLst>
+              <a:ext uri="{FF2B5EF4-FFF2-40B4-BE49-F238E27FC236}">
+                <a16:creationId xmlns:a16="http://schemas.microsoft.com/office/drawing/2014/main" id="{3EE17776-166D-44C4-8E82-4C877FEC5410}"/>
+              </a:ext>
+            </a:extLst>
+          </p:cNvPr>
+          <p:cNvSpPr>
+            <a:spLocks noGrp="1"/>
+          </p:cNvSpPr>
+          <p:nvPr>
+            <p:ph type="sldNum" sz="quarter" idx="12"/>
+          </p:nvPr>
+        </p:nvSpPr>
+        <p:spPr/>
+        <p:txBody>
+          <a:bodyPr/>
+          <a:lstStyle/>
+          <a:p>
+            <a:fld id="{3847DB54-D037-B84F-B6F1-2E8DA40D09AD}" type="slidenum">
+              <a:rPr lang="en-US" smtClean="0"/>
+              <a:pPr/>
+              <a:t>20</a:t>
+            </a:fld>
+            <a:endParaRPr lang="en-US" dirty="0"/>
+          </a:p>
+        </p:txBody>
+      </p:sp>
+    </p:spTree>
+    <p:extLst>
+      <p:ext uri="{BB962C8B-B14F-4D97-AF65-F5344CB8AC3E}">
+        <p14:creationId xmlns:p14="http://schemas.microsoft.com/office/powerpoint/2010/main" val="1025694584"/>
+      </p:ext>
+    </p:extLst>
+  </p:cSld>
+  <p:clrMapOvr>
+    <a:masterClrMapping/>
+  </p:clrMapOvr>
+  <p:transition>
+    <p:fade/>
+  </p:transition>
+</p:sld>
+</file>
+
+<file path=ppt/slides/slide21.xml><?xml version="1.0" encoding="utf-8"?>
+<p:sld xmlns:a="http://schemas.openxmlformats.org/drawingml/2006/main" xmlns:r="http://schemas.openxmlformats.org/officeDocument/2006/relationships" xmlns:p="http://schemas.openxmlformats.org/presentationml/2006/main">
+  <p:cSld>
+    <p:spTree>
+      <p:nvGrpSpPr>
+        <p:cNvPr id="1" name=""/>
+        <p:cNvGrpSpPr/>
+        <p:nvPr/>
+      </p:nvGrpSpPr>
+      <p:grpSpPr>
+        <a:xfrm>
+          <a:off x="0" y="0"/>
+          <a:ext cx="0" cy="0"/>
+          <a:chOff x="0" y="0"/>
+          <a:chExt cx="0" cy="0"/>
+        </a:xfrm>
+      </p:grpSpPr>
+      <p:sp>
+        <p:nvSpPr>
+          <p:cNvPr id="2" name="Text Placeholder 1">
+            <a:extLst>
+              <a:ext uri="{FF2B5EF4-FFF2-40B4-BE49-F238E27FC236}">
+                <a16:creationId xmlns:a16="http://schemas.microsoft.com/office/drawing/2014/main" id="{E36198AD-F532-40F2-8D83-651571C27D5A}"/>
+              </a:ext>
+            </a:extLst>
+          </p:cNvPr>
+          <p:cNvSpPr>
+            <a:spLocks noGrp="1"/>
+          </p:cNvSpPr>
+          <p:nvPr>
+            <p:ph type="body" sz="quarter" idx="10"/>
+          </p:nvPr>
+        </p:nvSpPr>
+        <p:spPr>
+          <a:xfrm>
+            <a:off x="952758" y="632352"/>
+            <a:ext cx="10524898" cy="1080861"/>
+          </a:xfrm>
+        </p:spPr>
+        <p:txBody>
+          <a:bodyPr/>
+          <a:lstStyle/>
+          <a:p>
+            <a:r>
+              <a:rPr lang="pl-PL" dirty="0"/>
+              <a:t>Azure K8s Services </a:t>
+            </a:r>
+          </a:p>
+        </p:txBody>
+      </p:sp>
+      <p:sp>
+        <p:nvSpPr>
+          <p:cNvPr id="4" name="Slide Number Placeholder 3">
+            <a:extLst>
+              <a:ext uri="{FF2B5EF4-FFF2-40B4-BE49-F238E27FC236}">
+                <a16:creationId xmlns:a16="http://schemas.microsoft.com/office/drawing/2014/main" id="{3EE17776-166D-44C4-8E82-4C877FEC5410}"/>
+              </a:ext>
+            </a:extLst>
+          </p:cNvPr>
+          <p:cNvSpPr>
+            <a:spLocks noGrp="1"/>
+          </p:cNvSpPr>
+          <p:nvPr>
+            <p:ph type="sldNum" sz="quarter" idx="12"/>
+          </p:nvPr>
+        </p:nvSpPr>
+        <p:spPr/>
+        <p:txBody>
+          <a:bodyPr/>
+          <a:lstStyle/>
+          <a:p>
+            <a:fld id="{3847DB54-D037-B84F-B6F1-2E8DA40D09AD}" type="slidenum">
+              <a:rPr lang="en-US" smtClean="0"/>
+              <a:pPr/>
+              <a:t>21</a:t>
+            </a:fld>
+            <a:endParaRPr lang="en-US" dirty="0"/>
+          </a:p>
+        </p:txBody>
+      </p:sp>
+      <p:sp>
+        <p:nvSpPr>
+          <p:cNvPr id="5" name="Text Placeholder 2">
+            <a:extLst>
+              <a:ext uri="{FF2B5EF4-FFF2-40B4-BE49-F238E27FC236}">
+                <a16:creationId xmlns:a16="http://schemas.microsoft.com/office/drawing/2014/main" id="{42426F91-34DF-4F3B-880A-CD2CCA9958FB}"/>
+              </a:ext>
+            </a:extLst>
+          </p:cNvPr>
+          <p:cNvSpPr txBox="1">
+            <a:spLocks noGrp="1"/>
+          </p:cNvSpPr>
+          <p:nvPr>
+            <p:ph type="body" sz="quarter" idx="11"/>
+          </p:nvPr>
+        </p:nvSpPr>
+        <p:spPr>
+          <a:xfrm>
+            <a:off x="952500" y="1465263"/>
+            <a:ext cx="10525125" cy="4598987"/>
+          </a:xfrm>
+          <a:prstGeom prst="rect">
+            <a:avLst/>
+          </a:prstGeom>
+        </p:spPr>
+        <p:txBody>
+          <a:bodyPr vert="horz" lIns="91440" tIns="45720" rIns="91440" bIns="45720" rtlCol="0">
+            <a:noAutofit/>
+          </a:bodyPr>
+          <a:lstStyle>
+            <a:lvl1pPr marL="0" indent="0" algn="l" defTabSz="914400" rtl="0" eaLnBrk="1" latinLnBrk="0" hangingPunct="1">
+              <a:lnSpc>
+                <a:spcPct val="90000"/>
+              </a:lnSpc>
+              <a:spcBef>
+                <a:spcPts val="1000"/>
+              </a:spcBef>
+              <a:buFont typeface="Arial"/>
+              <a:buNone/>
+              <a:defRPr sz="2800" b="0" i="0" kern="1200">
+                <a:solidFill>
+                  <a:schemeClr val="tx1"/>
+                </a:solidFill>
+                <a:latin typeface="Segoe UI Light" charset="0"/>
+                <a:ea typeface="Segoe UI Light" charset="0"/>
+                <a:cs typeface="Segoe UI Light" charset="0"/>
+              </a:defRPr>
+            </a:lvl1pPr>
+            <a:lvl2pPr marL="685800" indent="-228600" algn="l" defTabSz="914400" rtl="0" eaLnBrk="1" latinLnBrk="0" hangingPunct="1">
+              <a:lnSpc>
+                <a:spcPct val="90000"/>
+              </a:lnSpc>
+              <a:spcBef>
+                <a:spcPts val="500"/>
+              </a:spcBef>
+              <a:buFont typeface="Arial"/>
+              <a:buChar char="•"/>
+              <a:defRPr sz="1800" b="0" i="0" kern="1200">
+                <a:solidFill>
+                  <a:schemeClr val="tx1"/>
+                </a:solidFill>
+                <a:latin typeface="Segoe UI Light" charset="0"/>
+                <a:ea typeface="Segoe UI Light" charset="0"/>
+                <a:cs typeface="Segoe UI Light" charset="0"/>
+              </a:defRPr>
+            </a:lvl2pPr>
+            <a:lvl3pPr marL="1143000" indent="-228600" algn="l" defTabSz="914400" rtl="0" eaLnBrk="1" latinLnBrk="0" hangingPunct="1">
+              <a:lnSpc>
+                <a:spcPct val="90000"/>
+              </a:lnSpc>
+              <a:spcBef>
+                <a:spcPts val="500"/>
+              </a:spcBef>
+              <a:buFont typeface="Arial"/>
+              <a:buChar char="•"/>
+              <a:defRPr sz="1600" b="0" i="0" kern="1200">
+                <a:solidFill>
+                  <a:schemeClr val="tx1"/>
+                </a:solidFill>
+                <a:latin typeface="Segoe UI Light" charset="0"/>
+                <a:ea typeface="Segoe UI Light" charset="0"/>
+                <a:cs typeface="Segoe UI Light" charset="0"/>
+              </a:defRPr>
+            </a:lvl3pPr>
+            <a:lvl4pPr marL="1600200" indent="-228600" algn="l" defTabSz="914400" rtl="0" eaLnBrk="1" latinLnBrk="0" hangingPunct="1">
+              <a:lnSpc>
+                <a:spcPct val="90000"/>
+              </a:lnSpc>
+              <a:spcBef>
+                <a:spcPts val="500"/>
+              </a:spcBef>
+              <a:buFont typeface="Arial"/>
+              <a:buChar char="•"/>
+              <a:defRPr sz="1400" b="0" i="0" kern="1200">
+                <a:solidFill>
+                  <a:schemeClr val="tx1"/>
+                </a:solidFill>
+                <a:latin typeface="Segoe UI Light" charset="0"/>
+                <a:ea typeface="Segoe UI Light" charset="0"/>
+                <a:cs typeface="Segoe UI Light" charset="0"/>
+              </a:defRPr>
+            </a:lvl4pPr>
+            <a:lvl5pPr marL="2057400" indent="-228600" algn="l" defTabSz="914400" rtl="0" eaLnBrk="1" latinLnBrk="0" hangingPunct="1">
+              <a:lnSpc>
+                <a:spcPct val="90000"/>
+              </a:lnSpc>
+              <a:spcBef>
+                <a:spcPts val="500"/>
+              </a:spcBef>
+              <a:buFont typeface="Arial"/>
+              <a:buChar char="•"/>
+              <a:defRPr sz="1400" b="0" i="0" kern="1200">
+                <a:solidFill>
+                  <a:schemeClr val="tx1"/>
+                </a:solidFill>
+                <a:latin typeface="Segoe UI Light" charset="0"/>
+                <a:ea typeface="Segoe UI Light" charset="0"/>
+                <a:cs typeface="Segoe UI Light" charset="0"/>
+              </a:defRPr>
+            </a:lvl5pPr>
+            <a:lvl6pPr marL="2514600" indent="-228600" algn="l" defTabSz="914400" rtl="0" eaLnBrk="1" latinLnBrk="0" hangingPunct="1">
+              <a:lnSpc>
+                <a:spcPct val="90000"/>
+              </a:lnSpc>
+              <a:spcBef>
+                <a:spcPts val="500"/>
+              </a:spcBef>
+              <a:buFont typeface="Arial"/>
+              <a:buChar char="•"/>
+              <a:defRPr sz="1800" kern="1200">
+                <a:solidFill>
+                  <a:schemeClr val="tx1"/>
+                </a:solidFill>
+                <a:latin typeface="+mn-lt"/>
+                <a:ea typeface="+mn-ea"/>
+                <a:cs typeface="+mn-cs"/>
+              </a:defRPr>
+            </a:lvl6pPr>
+            <a:lvl7pPr marL="2971800" indent="-228600" algn="l" defTabSz="914400" rtl="0" eaLnBrk="1" latinLnBrk="0" hangingPunct="1">
+              <a:lnSpc>
+                <a:spcPct val="90000"/>
+              </a:lnSpc>
+              <a:spcBef>
+                <a:spcPts val="500"/>
+              </a:spcBef>
+              <a:buFont typeface="Arial"/>
+              <a:buChar char="•"/>
+              <a:defRPr sz="1800" kern="1200">
+                <a:solidFill>
+                  <a:schemeClr val="tx1"/>
+                </a:solidFill>
+                <a:latin typeface="+mn-lt"/>
+                <a:ea typeface="+mn-ea"/>
+                <a:cs typeface="+mn-cs"/>
+              </a:defRPr>
+            </a:lvl7pPr>
+            <a:lvl8pPr marL="3429000" indent="-228600" algn="l" defTabSz="914400" rtl="0" eaLnBrk="1" latinLnBrk="0" hangingPunct="1">
+              <a:lnSpc>
+                <a:spcPct val="90000"/>
+              </a:lnSpc>
+              <a:spcBef>
+                <a:spcPts val="500"/>
+              </a:spcBef>
+              <a:buFont typeface="Arial"/>
+              <a:buChar char="•"/>
+              <a:defRPr sz="1800" kern="1200">
+                <a:solidFill>
+                  <a:schemeClr val="tx1"/>
+                </a:solidFill>
+                <a:latin typeface="+mn-lt"/>
+                <a:ea typeface="+mn-ea"/>
+                <a:cs typeface="+mn-cs"/>
+              </a:defRPr>
+            </a:lvl8pPr>
+            <a:lvl9pPr marL="3886200" indent="-228600" algn="l" defTabSz="914400" rtl="0" eaLnBrk="1" latinLnBrk="0" hangingPunct="1">
+              <a:lnSpc>
+                <a:spcPct val="90000"/>
+              </a:lnSpc>
+              <a:spcBef>
+                <a:spcPts val="500"/>
+              </a:spcBef>
+              <a:buFont typeface="Arial"/>
+              <a:buChar char="•"/>
+              <a:defRPr sz="1800" kern="1200">
+                <a:solidFill>
+                  <a:schemeClr val="tx1"/>
+                </a:solidFill>
+                <a:latin typeface="+mn-lt"/>
+                <a:ea typeface="+mn-ea"/>
+                <a:cs typeface="+mn-cs"/>
+              </a:defRPr>
+            </a:lvl9pPr>
+          </a:lstStyle>
+          <a:p>
+            <a:r>
+              <a:rPr lang="en-US" dirty="0"/>
+              <a:t>Let’s play ! </a:t>
+            </a:r>
+            <a:endParaRPr lang="pl-PL" dirty="0"/>
+          </a:p>
+          <a:p>
+            <a:r>
+              <a:rPr lang="en-US" dirty="0"/>
+              <a:t>Run createK8sCluster.ps1</a:t>
+            </a:r>
+            <a:r>
+              <a:rPr lang="pl-PL" dirty="0"/>
+              <a:t>  script </a:t>
+            </a:r>
+          </a:p>
+          <a:p>
+            <a:pPr marL="457200" indent="-457200">
+              <a:buFontTx/>
+              <a:buChar char="-"/>
+            </a:pPr>
+            <a:r>
+              <a:rPr lang="pl-PL" dirty="0"/>
+              <a:t>Creates K8s cluster</a:t>
+            </a:r>
+          </a:p>
+          <a:p>
+            <a:pPr marL="457200" indent="-457200">
+              <a:buFontTx/>
+              <a:buChar char="-"/>
+            </a:pPr>
+            <a:r>
+              <a:rPr lang="pl-PL" dirty="0"/>
+              <a:t>Checks nodes</a:t>
+            </a:r>
+          </a:p>
+          <a:p>
+            <a:r>
+              <a:rPr lang="en-US" dirty="0"/>
+              <a:t>Run </a:t>
+            </a:r>
+            <a:r>
+              <a:rPr lang="pl-PL" dirty="0"/>
+              <a:t>publicApplicationIntoK8s</a:t>
+            </a:r>
+            <a:r>
+              <a:rPr lang="en-US" dirty="0"/>
+              <a:t>.ps1</a:t>
+            </a:r>
+            <a:r>
+              <a:rPr lang="pl-PL" dirty="0"/>
+              <a:t>  script </a:t>
+            </a:r>
+          </a:p>
+          <a:p>
+            <a:pPr marL="457200" indent="-457200">
+              <a:buFontTx/>
+              <a:buChar char="-"/>
+            </a:pPr>
+            <a:r>
+              <a:rPr lang="pl-PL" dirty="0"/>
+              <a:t>Authenticate k8s cluster into ACR </a:t>
+            </a:r>
+          </a:p>
+          <a:p>
+            <a:pPr marL="457200" indent="-457200">
+              <a:buFontTx/>
+              <a:buChar char="-"/>
+            </a:pPr>
+            <a:r>
+              <a:rPr lang="pl-PL" dirty="0"/>
+              <a:t>Loginto kubectl </a:t>
+            </a:r>
+          </a:p>
+          <a:p>
+            <a:pPr marL="457200" indent="-457200">
+              <a:buFontTx/>
+              <a:buChar char="-"/>
+            </a:pPr>
+            <a:r>
+              <a:rPr lang="pl-PL" dirty="0"/>
+              <a:t>Deploy pod and service </a:t>
+            </a:r>
           </a:p>
         </p:txBody>
       </p:sp>
@@ -6579,7 +7304,7 @@
 </p:sld>
 </file>
 
-<file path=ppt/slides/slide2.xml><?xml version="1.0" encoding="utf-8"?>
+<file path=ppt/slides/slide22.xml><?xml version="1.0" encoding="utf-8"?>
 <p:sld xmlns:a="http://schemas.openxmlformats.org/drawingml/2006/main" xmlns:r="http://schemas.openxmlformats.org/officeDocument/2006/relationships" xmlns:p="http://schemas.openxmlformats.org/presentationml/2006/main">
   <p:cSld>
     <p:spTree>
@@ -6598,10 +7323,356 @@
       </p:grpSpPr>
       <p:sp>
         <p:nvSpPr>
+          <p:cNvPr id="2" name="Text Placeholder 1">
+            <a:extLst>
+              <a:ext uri="{FF2B5EF4-FFF2-40B4-BE49-F238E27FC236}">
+                <a16:creationId xmlns:a16="http://schemas.microsoft.com/office/drawing/2014/main" id="{E36198AD-F532-40F2-8D83-651571C27D5A}"/>
+              </a:ext>
+            </a:extLst>
+          </p:cNvPr>
+          <p:cNvSpPr>
+            <a:spLocks noGrp="1"/>
+          </p:cNvSpPr>
+          <p:nvPr>
+            <p:ph type="body" sz="quarter" idx="10"/>
+          </p:nvPr>
+        </p:nvSpPr>
+        <p:spPr>
+          <a:xfrm>
+            <a:off x="952758" y="632352"/>
+            <a:ext cx="10524898" cy="1080861"/>
+          </a:xfrm>
+        </p:spPr>
+        <p:txBody>
+          <a:bodyPr/>
+          <a:lstStyle/>
+          <a:p>
+            <a:r>
+              <a:rPr lang="pl-PL" dirty="0"/>
+              <a:t>Azure Service Fabric</a:t>
+            </a:r>
+          </a:p>
+        </p:txBody>
+      </p:sp>
+      <p:sp>
+        <p:nvSpPr>
+          <p:cNvPr id="4" name="Slide Number Placeholder 3">
+            <a:extLst>
+              <a:ext uri="{FF2B5EF4-FFF2-40B4-BE49-F238E27FC236}">
+                <a16:creationId xmlns:a16="http://schemas.microsoft.com/office/drawing/2014/main" id="{3EE17776-166D-44C4-8E82-4C877FEC5410}"/>
+              </a:ext>
+            </a:extLst>
+          </p:cNvPr>
+          <p:cNvSpPr>
+            <a:spLocks noGrp="1"/>
+          </p:cNvSpPr>
+          <p:nvPr>
+            <p:ph type="sldNum" sz="quarter" idx="12"/>
+          </p:nvPr>
+        </p:nvSpPr>
+        <p:spPr/>
+        <p:txBody>
+          <a:bodyPr/>
+          <a:lstStyle/>
+          <a:p>
+            <a:fld id="{3847DB54-D037-B84F-B6F1-2E8DA40D09AD}" type="slidenum">
+              <a:rPr lang="en-US" smtClean="0"/>
+              <a:pPr/>
+              <a:t>22</a:t>
+            </a:fld>
+            <a:endParaRPr lang="en-US" dirty="0"/>
+          </a:p>
+        </p:txBody>
+      </p:sp>
+      <p:sp>
+        <p:nvSpPr>
+          <p:cNvPr id="5" name="Text Placeholder 2">
+            <a:extLst>
+              <a:ext uri="{FF2B5EF4-FFF2-40B4-BE49-F238E27FC236}">
+                <a16:creationId xmlns:a16="http://schemas.microsoft.com/office/drawing/2014/main" id="{42426F91-34DF-4F3B-880A-CD2CCA9958FB}"/>
+              </a:ext>
+            </a:extLst>
+          </p:cNvPr>
+          <p:cNvSpPr txBox="1">
+            <a:spLocks noGrp="1"/>
+          </p:cNvSpPr>
+          <p:nvPr>
+            <p:ph type="body" sz="quarter" idx="11"/>
+          </p:nvPr>
+        </p:nvSpPr>
+        <p:spPr>
+          <a:xfrm>
+            <a:off x="952500" y="1465263"/>
+            <a:ext cx="10525125" cy="4598987"/>
+          </a:xfrm>
+          <a:prstGeom prst="rect">
+            <a:avLst/>
+          </a:prstGeom>
+        </p:spPr>
+        <p:txBody>
+          <a:bodyPr vert="horz" lIns="91440" tIns="45720" rIns="91440" bIns="45720" rtlCol="0">
+            <a:noAutofit/>
+          </a:bodyPr>
+          <a:lstStyle>
+            <a:lvl1pPr marL="0" indent="0" algn="l" defTabSz="914400" rtl="0" eaLnBrk="1" latinLnBrk="0" hangingPunct="1">
+              <a:lnSpc>
+                <a:spcPct val="90000"/>
+              </a:lnSpc>
+              <a:spcBef>
+                <a:spcPts val="1000"/>
+              </a:spcBef>
+              <a:buFont typeface="Arial"/>
+              <a:buNone/>
+              <a:defRPr sz="2800" b="0" i="0" kern="1200">
+                <a:solidFill>
+                  <a:schemeClr val="tx1"/>
+                </a:solidFill>
+                <a:latin typeface="Segoe UI Light" charset="0"/>
+                <a:ea typeface="Segoe UI Light" charset="0"/>
+                <a:cs typeface="Segoe UI Light" charset="0"/>
+              </a:defRPr>
+            </a:lvl1pPr>
+            <a:lvl2pPr marL="685800" indent="-228600" algn="l" defTabSz="914400" rtl="0" eaLnBrk="1" latinLnBrk="0" hangingPunct="1">
+              <a:lnSpc>
+                <a:spcPct val="90000"/>
+              </a:lnSpc>
+              <a:spcBef>
+                <a:spcPts val="500"/>
+              </a:spcBef>
+              <a:buFont typeface="Arial"/>
+              <a:buChar char="•"/>
+              <a:defRPr sz="1800" b="0" i="0" kern="1200">
+                <a:solidFill>
+                  <a:schemeClr val="tx1"/>
+                </a:solidFill>
+                <a:latin typeface="Segoe UI Light" charset="0"/>
+                <a:ea typeface="Segoe UI Light" charset="0"/>
+                <a:cs typeface="Segoe UI Light" charset="0"/>
+              </a:defRPr>
+            </a:lvl2pPr>
+            <a:lvl3pPr marL="1143000" indent="-228600" algn="l" defTabSz="914400" rtl="0" eaLnBrk="1" latinLnBrk="0" hangingPunct="1">
+              <a:lnSpc>
+                <a:spcPct val="90000"/>
+              </a:lnSpc>
+              <a:spcBef>
+                <a:spcPts val="500"/>
+              </a:spcBef>
+              <a:buFont typeface="Arial"/>
+              <a:buChar char="•"/>
+              <a:defRPr sz="1600" b="0" i="0" kern="1200">
+                <a:solidFill>
+                  <a:schemeClr val="tx1"/>
+                </a:solidFill>
+                <a:latin typeface="Segoe UI Light" charset="0"/>
+                <a:ea typeface="Segoe UI Light" charset="0"/>
+                <a:cs typeface="Segoe UI Light" charset="0"/>
+              </a:defRPr>
+            </a:lvl3pPr>
+            <a:lvl4pPr marL="1600200" indent="-228600" algn="l" defTabSz="914400" rtl="0" eaLnBrk="1" latinLnBrk="0" hangingPunct="1">
+              <a:lnSpc>
+                <a:spcPct val="90000"/>
+              </a:lnSpc>
+              <a:spcBef>
+                <a:spcPts val="500"/>
+              </a:spcBef>
+              <a:buFont typeface="Arial"/>
+              <a:buChar char="•"/>
+              <a:defRPr sz="1400" b="0" i="0" kern="1200">
+                <a:solidFill>
+                  <a:schemeClr val="tx1"/>
+                </a:solidFill>
+                <a:latin typeface="Segoe UI Light" charset="0"/>
+                <a:ea typeface="Segoe UI Light" charset="0"/>
+                <a:cs typeface="Segoe UI Light" charset="0"/>
+              </a:defRPr>
+            </a:lvl4pPr>
+            <a:lvl5pPr marL="2057400" indent="-228600" algn="l" defTabSz="914400" rtl="0" eaLnBrk="1" latinLnBrk="0" hangingPunct="1">
+              <a:lnSpc>
+                <a:spcPct val="90000"/>
+              </a:lnSpc>
+              <a:spcBef>
+                <a:spcPts val="500"/>
+              </a:spcBef>
+              <a:buFont typeface="Arial"/>
+              <a:buChar char="•"/>
+              <a:defRPr sz="1400" b="0" i="0" kern="1200">
+                <a:solidFill>
+                  <a:schemeClr val="tx1"/>
+                </a:solidFill>
+                <a:latin typeface="Segoe UI Light" charset="0"/>
+                <a:ea typeface="Segoe UI Light" charset="0"/>
+                <a:cs typeface="Segoe UI Light" charset="0"/>
+              </a:defRPr>
+            </a:lvl5pPr>
+            <a:lvl6pPr marL="2514600" indent="-228600" algn="l" defTabSz="914400" rtl="0" eaLnBrk="1" latinLnBrk="0" hangingPunct="1">
+              <a:lnSpc>
+                <a:spcPct val="90000"/>
+              </a:lnSpc>
+              <a:spcBef>
+                <a:spcPts val="500"/>
+              </a:spcBef>
+              <a:buFont typeface="Arial"/>
+              <a:buChar char="•"/>
+              <a:defRPr sz="1800" kern="1200">
+                <a:solidFill>
+                  <a:schemeClr val="tx1"/>
+                </a:solidFill>
+                <a:latin typeface="+mn-lt"/>
+                <a:ea typeface="+mn-ea"/>
+                <a:cs typeface="+mn-cs"/>
+              </a:defRPr>
+            </a:lvl6pPr>
+            <a:lvl7pPr marL="2971800" indent="-228600" algn="l" defTabSz="914400" rtl="0" eaLnBrk="1" latinLnBrk="0" hangingPunct="1">
+              <a:lnSpc>
+                <a:spcPct val="90000"/>
+              </a:lnSpc>
+              <a:spcBef>
+                <a:spcPts val="500"/>
+              </a:spcBef>
+              <a:buFont typeface="Arial"/>
+              <a:buChar char="•"/>
+              <a:defRPr sz="1800" kern="1200">
+                <a:solidFill>
+                  <a:schemeClr val="tx1"/>
+                </a:solidFill>
+                <a:latin typeface="+mn-lt"/>
+                <a:ea typeface="+mn-ea"/>
+                <a:cs typeface="+mn-cs"/>
+              </a:defRPr>
+            </a:lvl7pPr>
+            <a:lvl8pPr marL="3429000" indent="-228600" algn="l" defTabSz="914400" rtl="0" eaLnBrk="1" latinLnBrk="0" hangingPunct="1">
+              <a:lnSpc>
+                <a:spcPct val="90000"/>
+              </a:lnSpc>
+              <a:spcBef>
+                <a:spcPts val="500"/>
+              </a:spcBef>
+              <a:buFont typeface="Arial"/>
+              <a:buChar char="•"/>
+              <a:defRPr sz="1800" kern="1200">
+                <a:solidFill>
+                  <a:schemeClr val="tx1"/>
+                </a:solidFill>
+                <a:latin typeface="+mn-lt"/>
+                <a:ea typeface="+mn-ea"/>
+                <a:cs typeface="+mn-cs"/>
+              </a:defRPr>
+            </a:lvl8pPr>
+            <a:lvl9pPr marL="3886200" indent="-228600" algn="l" defTabSz="914400" rtl="0" eaLnBrk="1" latinLnBrk="0" hangingPunct="1">
+              <a:lnSpc>
+                <a:spcPct val="90000"/>
+              </a:lnSpc>
+              <a:spcBef>
+                <a:spcPts val="500"/>
+              </a:spcBef>
+              <a:buFont typeface="Arial"/>
+              <a:buChar char="•"/>
+              <a:defRPr sz="1800" kern="1200">
+                <a:solidFill>
+                  <a:schemeClr val="tx1"/>
+                </a:solidFill>
+                <a:latin typeface="+mn-lt"/>
+                <a:ea typeface="+mn-ea"/>
+                <a:cs typeface="+mn-cs"/>
+              </a:defRPr>
+            </a:lvl9pPr>
+          </a:lstStyle>
+          <a:p>
+            <a:pPr marL="457200" indent="-457200">
+              <a:buFontTx/>
+              <a:buChar char="-"/>
+            </a:pPr>
+            <a:endParaRPr lang="pl-PL" dirty="0"/>
+          </a:p>
+          <a:p>
+            <a:pPr marL="457200" indent="-457200">
+              <a:buFontTx/>
+              <a:buChar char="-"/>
+            </a:pPr>
+            <a:r>
+              <a:rPr lang="pl-PL" dirty="0"/>
+              <a:t>Another and older way to orchestrate containers in the Azure Cloud </a:t>
+            </a:r>
+          </a:p>
+          <a:p>
+            <a:pPr marL="457200" indent="-457200">
+              <a:buFontTx/>
+              <a:buChar char="-"/>
+            </a:pPr>
+            <a:r>
+              <a:rPr lang="pl-PL" dirty="0"/>
+              <a:t>It looks, not in the scope of az-203  </a:t>
+            </a:r>
+          </a:p>
+        </p:txBody>
+      </p:sp>
+    </p:spTree>
+    <p:extLst>
+      <p:ext uri="{BB962C8B-B14F-4D97-AF65-F5344CB8AC3E}">
+        <p14:creationId xmlns:p14="http://schemas.microsoft.com/office/powerpoint/2010/main" val="3256545549"/>
+      </p:ext>
+    </p:extLst>
+  </p:cSld>
+  <p:clrMapOvr>
+    <a:masterClrMapping/>
+  </p:clrMapOvr>
+  <p:transition>
+    <p:fade/>
+  </p:transition>
+</p:sld>
+</file>
+
+<file path=ppt/slides/slide23.xml><?xml version="1.0" encoding="utf-8"?>
+<p:sld xmlns:a="http://schemas.openxmlformats.org/drawingml/2006/main" xmlns:r="http://schemas.openxmlformats.org/officeDocument/2006/relationships" xmlns:p="http://schemas.openxmlformats.org/presentationml/2006/main">
+  <p:cSld>
+    <p:spTree>
+      <p:nvGrpSpPr>
+        <p:cNvPr id="1" name=""/>
+        <p:cNvGrpSpPr/>
+        <p:nvPr/>
+      </p:nvGrpSpPr>
+      <p:grpSpPr>
+        <a:xfrm>
+          <a:off x="0" y="0"/>
+          <a:ext cx="0" cy="0"/>
+          <a:chOff x="0" y="0"/>
+          <a:chExt cx="0" cy="0"/>
+        </a:xfrm>
+      </p:grpSpPr>
+      <p:sp>
+        <p:nvSpPr>
+          <p:cNvPr id="2" name="Text Placeholder 1">
+            <a:extLst>
+              <a:ext uri="{FF2B5EF4-FFF2-40B4-BE49-F238E27FC236}">
+                <a16:creationId xmlns:a16="http://schemas.microsoft.com/office/drawing/2014/main" id="{C9E95726-D500-4264-B9B3-81C8E02AFD21}"/>
+              </a:ext>
+            </a:extLst>
+          </p:cNvPr>
+          <p:cNvSpPr>
+            <a:spLocks noGrp="1"/>
+          </p:cNvSpPr>
+          <p:nvPr>
+            <p:ph type="body" sz="quarter" idx="10"/>
+          </p:nvPr>
+        </p:nvSpPr>
+        <p:spPr/>
+        <p:txBody>
+          <a:bodyPr/>
+          <a:lstStyle/>
+          <a:p>
+            <a:r>
+              <a:rPr lang="pl-PL" dirty="0"/>
+              <a:t>Thanks !</a:t>
+            </a:r>
+          </a:p>
+        </p:txBody>
+      </p:sp>
+      <p:sp>
+        <p:nvSpPr>
           <p:cNvPr id="3" name="Text Placeholder 2">
             <a:extLst>
               <a:ext uri="{FF2B5EF4-FFF2-40B4-BE49-F238E27FC236}">
-                <a16:creationId xmlns:a16="http://schemas.microsoft.com/office/drawing/2014/main" id="{BDCD8140-5EF5-4A31-826A-A67F02528231}"/>
+                <a16:creationId xmlns:a16="http://schemas.microsoft.com/office/drawing/2014/main" id="{6D48B3D3-0DDC-4AAC-9DFB-8878A872D0EA}"/>
               </a:ext>
             </a:extLst>
           </p:cNvPr>
@@ -6612,38 +7683,49 @@
             <p:ph type="body" sz="quarter" idx="11"/>
           </p:nvPr>
         </p:nvSpPr>
-        <p:spPr>
-          <a:xfrm>
-            <a:off x="1142109" y="1505154"/>
-            <a:ext cx="10524898" cy="4635587"/>
-          </a:xfrm>
-        </p:spPr>
+        <p:spPr/>
         <p:txBody>
           <a:bodyPr/>
           <a:lstStyle/>
           <a:p>
-            <a:pPr marL="514350" indent="-514350">
-              <a:buFont typeface="+mj-lt"/>
-              <a:buAutoNum type="arabicPeriod"/>
-            </a:pPr>
-            <a:endParaRPr lang="pl-PL" dirty="0"/>
-          </a:p>
-          <a:p>
-            <a:pPr marL="514350" indent="-514350">
-              <a:buFont typeface="+mj-lt"/>
-              <a:buAutoNum type="arabicPeriod"/>
-            </a:pPr>
-            <a:endParaRPr lang="pl-PL" dirty="0"/>
-          </a:p>
-          <a:p>
-            <a:endParaRPr lang="pl-PL" dirty="0"/>
+            <a:endParaRPr lang="pl-PL"/>
+          </a:p>
+        </p:txBody>
+      </p:sp>
+      <p:sp>
+        <p:nvSpPr>
+          <p:cNvPr id="4" name="Slide Number Placeholder 3">
+            <a:extLst>
+              <a:ext uri="{FF2B5EF4-FFF2-40B4-BE49-F238E27FC236}">
+                <a16:creationId xmlns:a16="http://schemas.microsoft.com/office/drawing/2014/main" id="{E8D4739E-7747-4572-96AC-EF87758E897C}"/>
+              </a:ext>
+            </a:extLst>
+          </p:cNvPr>
+          <p:cNvSpPr>
+            <a:spLocks noGrp="1"/>
+          </p:cNvSpPr>
+          <p:nvPr>
+            <p:ph type="sldNum" sz="quarter" idx="12"/>
+          </p:nvPr>
+        </p:nvSpPr>
+        <p:spPr/>
+        <p:txBody>
+          <a:bodyPr/>
+          <a:lstStyle/>
+          <a:p>
+            <a:fld id="{3847DB54-D037-B84F-B6F1-2E8DA40D09AD}" type="slidenum">
+              <a:rPr lang="en-US" smtClean="0"/>
+              <a:pPr/>
+              <a:t>23</a:t>
+            </a:fld>
+            <a:endParaRPr lang="en-US" dirty="0"/>
           </a:p>
         </p:txBody>
       </p:sp>
     </p:spTree>
     <p:extLst>
       <p:ext uri="{BB962C8B-B14F-4D97-AF65-F5344CB8AC3E}">
-        <p14:creationId xmlns:p14="http://schemas.microsoft.com/office/powerpoint/2010/main" val="2381219924"/>
+        <p14:creationId xmlns:p14="http://schemas.microsoft.com/office/powerpoint/2010/main" val="3693213541"/>
       </p:ext>
     </p:extLst>
   </p:cSld>
@@ -6701,8 +7783,9 @@
           <a:p>
             <a:r>
               <a:rPr lang="pl-PL" dirty="0"/>
-              <a:t>Containers &amp; Docker </a:t>
-            </a:r>
+              <a:t>Create containerized solutions</a:t>
+            </a:r>
+            <a:endParaRPr lang="en-US" dirty="0"/>
           </a:p>
         </p:txBody>
       </p:sp>
@@ -6732,11 +7815,59 @@
           <a:bodyPr/>
           <a:lstStyle/>
           <a:p>
+            <a:pPr fontAlgn="base"/>
             <a:r>
               <a:rPr lang="en-US" dirty="0"/>
-              <a:t>Containers provide a standard way to package your application's code, configurations, and dependencies into a single object.</a:t>
+              <a:t>Create containerized solutions</a:t>
             </a:r>
             <a:endParaRPr lang="pl-PL" dirty="0"/>
+          </a:p>
+          <a:p>
+            <a:pPr fontAlgn="base"/>
+            <a:endParaRPr lang="pl-PL" dirty="0"/>
+          </a:p>
+          <a:p>
+            <a:pPr marL="457200" indent="-457200" fontAlgn="base">
+              <a:buFontTx/>
+              <a:buChar char="-"/>
+            </a:pPr>
+            <a:r>
+              <a:rPr lang="en-US" dirty="0"/>
+              <a:t>Create an Azure Managed Kubernetes Service (AKS) cluster</a:t>
+            </a:r>
+            <a:endParaRPr lang="pl-PL" dirty="0"/>
+          </a:p>
+          <a:p>
+            <a:pPr marL="457200" indent="-457200" fontAlgn="base">
+              <a:buFontTx/>
+              <a:buChar char="-"/>
+            </a:pPr>
+            <a:r>
+              <a:rPr lang="en-US" dirty="0"/>
+              <a:t>Create container images for solutions</a:t>
+            </a:r>
+            <a:endParaRPr lang="pl-PL" dirty="0"/>
+          </a:p>
+          <a:p>
+            <a:pPr marL="457200" indent="-457200" fontAlgn="base">
+              <a:buFontTx/>
+              <a:buChar char="-"/>
+            </a:pPr>
+            <a:r>
+              <a:rPr lang="en-US" dirty="0"/>
+              <a:t>Publish an image to the Azure Container Registry</a:t>
+            </a:r>
+            <a:endParaRPr lang="pl-PL" dirty="0"/>
+          </a:p>
+          <a:p>
+            <a:pPr marL="457200" indent="-457200" fontAlgn="base">
+              <a:buFontTx/>
+              <a:buChar char="-"/>
+            </a:pPr>
+            <a:r>
+              <a:rPr lang="en-US" dirty="0"/>
+              <a:t>Run containers by using Azure Container Instance or AKS</a:t>
+            </a:r>
           </a:p>
           <a:p>
             <a:endParaRPr lang="pl-PL" dirty="0"/>
@@ -6771,6 +7902,142 @@
               <a:rPr lang="en-US" smtClean="0"/>
               <a:pPr/>
               <a:t>3</a:t>
+            </a:fld>
+            <a:endParaRPr lang="en-US" dirty="0"/>
+          </a:p>
+        </p:txBody>
+      </p:sp>
+    </p:spTree>
+    <p:extLst>
+      <p:ext uri="{BB962C8B-B14F-4D97-AF65-F5344CB8AC3E}">
+        <p14:creationId xmlns:p14="http://schemas.microsoft.com/office/powerpoint/2010/main" val="366302401"/>
+      </p:ext>
+    </p:extLst>
+  </p:cSld>
+  <p:clrMapOvr>
+    <a:masterClrMapping/>
+  </p:clrMapOvr>
+  <p:transition>
+    <p:fade/>
+  </p:transition>
+</p:sld>
+</file>
+
+<file path=ppt/slides/slide4.xml><?xml version="1.0" encoding="utf-8"?>
+<p:sld xmlns:a="http://schemas.openxmlformats.org/drawingml/2006/main" xmlns:r="http://schemas.openxmlformats.org/officeDocument/2006/relationships" xmlns:p="http://schemas.openxmlformats.org/presentationml/2006/main">
+  <p:cSld>
+    <p:spTree>
+      <p:nvGrpSpPr>
+        <p:cNvPr id="1" name=""/>
+        <p:cNvGrpSpPr/>
+        <p:nvPr/>
+      </p:nvGrpSpPr>
+      <p:grpSpPr>
+        <a:xfrm>
+          <a:off x="0" y="0"/>
+          <a:ext cx="0" cy="0"/>
+          <a:chOff x="0" y="0"/>
+          <a:chExt cx="0" cy="0"/>
+        </a:xfrm>
+      </p:grpSpPr>
+      <p:sp>
+        <p:nvSpPr>
+          <p:cNvPr id="2" name="Text Placeholder 1">
+            <a:extLst>
+              <a:ext uri="{FF2B5EF4-FFF2-40B4-BE49-F238E27FC236}">
+                <a16:creationId xmlns:a16="http://schemas.microsoft.com/office/drawing/2014/main" id="{E36198AD-F532-40F2-8D83-651571C27D5A}"/>
+              </a:ext>
+            </a:extLst>
+          </p:cNvPr>
+          <p:cNvSpPr>
+            <a:spLocks noGrp="1"/>
+          </p:cNvSpPr>
+          <p:nvPr>
+            <p:ph type="body" sz="quarter" idx="10"/>
+          </p:nvPr>
+        </p:nvSpPr>
+        <p:spPr>
+          <a:xfrm>
+            <a:off x="952758" y="632352"/>
+            <a:ext cx="10524898" cy="1080861"/>
+          </a:xfrm>
+        </p:spPr>
+        <p:txBody>
+          <a:bodyPr/>
+          <a:lstStyle/>
+          <a:p>
+            <a:r>
+              <a:rPr lang="pl-PL" dirty="0"/>
+              <a:t>Containers &amp; Docker </a:t>
+            </a:r>
+          </a:p>
+        </p:txBody>
+      </p:sp>
+      <p:sp>
+        <p:nvSpPr>
+          <p:cNvPr id="3" name="Text Placeholder 2">
+            <a:extLst>
+              <a:ext uri="{FF2B5EF4-FFF2-40B4-BE49-F238E27FC236}">
+                <a16:creationId xmlns:a16="http://schemas.microsoft.com/office/drawing/2014/main" id="{EB70B010-88F2-4353-824D-1620CB02EBAE}"/>
+              </a:ext>
+            </a:extLst>
+          </p:cNvPr>
+          <p:cNvSpPr>
+            <a:spLocks noGrp="1"/>
+          </p:cNvSpPr>
+          <p:nvPr>
+            <p:ph type="body" sz="quarter" idx="11"/>
+          </p:nvPr>
+        </p:nvSpPr>
+        <p:spPr>
+          <a:xfrm>
+            <a:off x="1083386" y="1576873"/>
+            <a:ext cx="10524898" cy="4469363"/>
+          </a:xfrm>
+        </p:spPr>
+        <p:txBody>
+          <a:bodyPr/>
+          <a:lstStyle/>
+          <a:p>
+            <a:r>
+              <a:rPr lang="en-US" dirty="0"/>
+              <a:t>Containers provide a standard way to package your application's code, configurations, and dependencies into a single object.</a:t>
+            </a:r>
+            <a:endParaRPr lang="pl-PL" dirty="0"/>
+          </a:p>
+          <a:p>
+            <a:endParaRPr lang="pl-PL" dirty="0"/>
+          </a:p>
+          <a:p>
+            <a:endParaRPr lang="pl-PL" dirty="0"/>
+          </a:p>
+        </p:txBody>
+      </p:sp>
+      <p:sp>
+        <p:nvSpPr>
+          <p:cNvPr id="4" name="Slide Number Placeholder 3">
+            <a:extLst>
+              <a:ext uri="{FF2B5EF4-FFF2-40B4-BE49-F238E27FC236}">
+                <a16:creationId xmlns:a16="http://schemas.microsoft.com/office/drawing/2014/main" id="{3EE17776-166D-44C4-8E82-4C877FEC5410}"/>
+              </a:ext>
+            </a:extLst>
+          </p:cNvPr>
+          <p:cNvSpPr>
+            <a:spLocks noGrp="1"/>
+          </p:cNvSpPr>
+          <p:nvPr>
+            <p:ph type="sldNum" sz="quarter" idx="12"/>
+          </p:nvPr>
+        </p:nvSpPr>
+        <p:spPr/>
+        <p:txBody>
+          <a:bodyPr/>
+          <a:lstStyle/>
+          <a:p>
+            <a:fld id="{3847DB54-D037-B84F-B6F1-2E8DA40D09AD}" type="slidenum">
+              <a:rPr lang="en-US" smtClean="0"/>
+              <a:pPr/>
+              <a:t>4</a:t>
             </a:fld>
             <a:endParaRPr lang="en-US" dirty="0"/>
           </a:p>
@@ -6873,7 +8140,7 @@
     </p:spTree>
     <p:extLst>
       <p:ext uri="{BB962C8B-B14F-4D97-AF65-F5344CB8AC3E}">
-        <p14:creationId xmlns:p14="http://schemas.microsoft.com/office/powerpoint/2010/main" val="366302401"/>
+        <p14:creationId xmlns:p14="http://schemas.microsoft.com/office/powerpoint/2010/main" val="3116369940"/>
       </p:ext>
     </p:extLst>
   </p:cSld>
@@ -6886,7 +8153,7 @@
 </p:sld>
 </file>
 
-<file path=ppt/slides/slide4.xml><?xml version="1.0" encoding="utf-8"?>
+<file path=ppt/slides/slide5.xml><?xml version="1.0" encoding="utf-8"?>
 <p:sld xmlns:a="http://schemas.openxmlformats.org/drawingml/2006/main" xmlns:r="http://schemas.openxmlformats.org/officeDocument/2006/relationships" xmlns:p="http://schemas.openxmlformats.org/presentationml/2006/main">
   <p:cSld>
     <p:spTree>
@@ -7008,7 +8275,7 @@
             <a:fld id="{3847DB54-D037-B84F-B6F1-2E8DA40D09AD}" type="slidenum">
               <a:rPr lang="en-US" smtClean="0"/>
               <a:pPr/>
-              <a:t>4</a:t>
+              <a:t>5</a:t>
             </a:fld>
             <a:endParaRPr lang="en-US" dirty="0"/>
           </a:p>
@@ -7077,199 +8344,6 @@
 </p:sld>
 </file>
 
-<file path=ppt/slides/slide5.xml><?xml version="1.0" encoding="utf-8"?>
-<p:sld xmlns:a="http://schemas.openxmlformats.org/drawingml/2006/main" xmlns:r="http://schemas.openxmlformats.org/officeDocument/2006/relationships" xmlns:p="http://schemas.openxmlformats.org/presentationml/2006/main">
-  <p:cSld>
-    <p:spTree>
-      <p:nvGrpSpPr>
-        <p:cNvPr id="1" name=""/>
-        <p:cNvGrpSpPr/>
-        <p:nvPr/>
-      </p:nvGrpSpPr>
-      <p:grpSpPr>
-        <a:xfrm>
-          <a:off x="0" y="0"/>
-          <a:ext cx="0" cy="0"/>
-          <a:chOff x="0" y="0"/>
-          <a:chExt cx="0" cy="0"/>
-        </a:xfrm>
-      </p:grpSpPr>
-      <p:sp>
-        <p:nvSpPr>
-          <p:cNvPr id="2" name="Text Placeholder 1">
-            <a:extLst>
-              <a:ext uri="{FF2B5EF4-FFF2-40B4-BE49-F238E27FC236}">
-                <a16:creationId xmlns:a16="http://schemas.microsoft.com/office/drawing/2014/main" id="{3C84031A-1402-4035-A050-6090EAC635A1}"/>
-              </a:ext>
-            </a:extLst>
-          </p:cNvPr>
-          <p:cNvSpPr>
-            <a:spLocks noGrp="1"/>
-          </p:cNvSpPr>
-          <p:nvPr>
-            <p:ph type="body" sz="quarter" idx="10"/>
-          </p:nvPr>
-        </p:nvSpPr>
-        <p:spPr>
-          <a:xfrm>
-            <a:off x="904482" y="438018"/>
-            <a:ext cx="10524898" cy="1080861"/>
-          </a:xfrm>
-        </p:spPr>
-        <p:txBody>
-          <a:bodyPr/>
-          <a:lstStyle/>
-          <a:p>
-            <a:r>
-              <a:rPr lang="pl-PL" dirty="0"/>
-              <a:t>Containers &amp; Docker </a:t>
-            </a:r>
-          </a:p>
-          <a:p>
-            <a:endParaRPr lang="pl-PL" dirty="0"/>
-          </a:p>
-        </p:txBody>
-      </p:sp>
-      <p:sp>
-        <p:nvSpPr>
-          <p:cNvPr id="3" name="Text Placeholder 2">
-            <a:extLst>
-              <a:ext uri="{FF2B5EF4-FFF2-40B4-BE49-F238E27FC236}">
-                <a16:creationId xmlns:a16="http://schemas.microsoft.com/office/drawing/2014/main" id="{D8688067-2870-495A-80F7-BECD4BAC74B6}"/>
-              </a:ext>
-            </a:extLst>
-          </p:cNvPr>
-          <p:cNvSpPr>
-            <a:spLocks noGrp="1"/>
-          </p:cNvSpPr>
-          <p:nvPr>
-            <p:ph type="body" sz="quarter" idx="11"/>
-          </p:nvPr>
-        </p:nvSpPr>
-        <p:spPr>
-          <a:xfrm>
-            <a:off x="1083386" y="1272210"/>
-            <a:ext cx="10524898" cy="4601816"/>
-          </a:xfrm>
-        </p:spPr>
-        <p:txBody>
-          <a:bodyPr/>
-          <a:lstStyle/>
-          <a:p>
-            <a:r>
-              <a:rPr lang="pl-PL" dirty="0"/>
-              <a:t>Docker’s main concepts</a:t>
-            </a:r>
-          </a:p>
-          <a:p>
-            <a:endParaRPr lang="pl-PL" dirty="0"/>
-          </a:p>
-          <a:p>
-            <a:pPr marL="457200" indent="-457200">
-              <a:buFont typeface="Arial" panose="020B0604020202020204" pitchFamily="34" charset="0"/>
-              <a:buChar char="•"/>
-            </a:pPr>
-            <a:r>
-              <a:rPr lang="pl-PL" dirty="0"/>
-              <a:t>Image - </a:t>
-            </a:r>
-            <a:r>
-              <a:rPr lang="en-US" dirty="0"/>
-              <a:t>read-only template with instructions for creating a Docker container</a:t>
-            </a:r>
-            <a:endParaRPr lang="pl-PL" dirty="0"/>
-          </a:p>
-          <a:p>
-            <a:pPr marL="457200" indent="-457200">
-              <a:buFont typeface="Arial" panose="020B0604020202020204" pitchFamily="34" charset="0"/>
-              <a:buChar char="•"/>
-            </a:pPr>
-            <a:r>
-              <a:rPr lang="pl-PL" dirty="0"/>
-              <a:t>Container  -</a:t>
-            </a:r>
-            <a:r>
-              <a:rPr lang="en-US" dirty="0"/>
-              <a:t> runnable instance of an image. </a:t>
-            </a:r>
-            <a:r>
-              <a:rPr lang="pl-PL" dirty="0"/>
-              <a:t>We</a:t>
-            </a:r>
-            <a:r>
-              <a:rPr lang="en-US" dirty="0"/>
-              <a:t> can create, start, stop, move, or delete </a:t>
-            </a:r>
-            <a:r>
-              <a:rPr lang="pl-PL" dirty="0"/>
-              <a:t>it.</a:t>
-            </a:r>
-          </a:p>
-          <a:p>
-            <a:pPr marL="457200" indent="-457200">
-              <a:buFont typeface="Arial" panose="020B0604020202020204" pitchFamily="34" charset="0"/>
-              <a:buChar char="•"/>
-            </a:pPr>
-            <a:r>
-              <a:rPr lang="pl-PL" dirty="0"/>
-              <a:t>Volume – mechanism to persist data. We can bind local file or directory to location in the container </a:t>
-            </a:r>
-          </a:p>
-          <a:p>
-            <a:pPr marL="457200" indent="-457200">
-              <a:buFont typeface="Arial" panose="020B0604020202020204" pitchFamily="34" charset="0"/>
-              <a:buChar char="•"/>
-            </a:pPr>
-            <a:endParaRPr lang="pl-PL" dirty="0"/>
-          </a:p>
-        </p:txBody>
-      </p:sp>
-      <p:sp>
-        <p:nvSpPr>
-          <p:cNvPr id="4" name="Slide Number Placeholder 3">
-            <a:extLst>
-              <a:ext uri="{FF2B5EF4-FFF2-40B4-BE49-F238E27FC236}">
-                <a16:creationId xmlns:a16="http://schemas.microsoft.com/office/drawing/2014/main" id="{D6AAD227-25F2-48F5-8657-F07297852AA4}"/>
-              </a:ext>
-            </a:extLst>
-          </p:cNvPr>
-          <p:cNvSpPr>
-            <a:spLocks noGrp="1"/>
-          </p:cNvSpPr>
-          <p:nvPr>
-            <p:ph type="sldNum" sz="quarter" idx="12"/>
-          </p:nvPr>
-        </p:nvSpPr>
-        <p:spPr/>
-        <p:txBody>
-          <a:bodyPr/>
-          <a:lstStyle/>
-          <a:p>
-            <a:fld id="{3847DB54-D037-B84F-B6F1-2E8DA40D09AD}" type="slidenum">
-              <a:rPr lang="en-US" smtClean="0"/>
-              <a:pPr/>
-              <a:t>5</a:t>
-            </a:fld>
-            <a:endParaRPr lang="en-US" dirty="0"/>
-          </a:p>
-        </p:txBody>
-      </p:sp>
-    </p:spTree>
-    <p:extLst>
-      <p:ext uri="{BB962C8B-B14F-4D97-AF65-F5344CB8AC3E}">
-        <p14:creationId xmlns:p14="http://schemas.microsoft.com/office/powerpoint/2010/main" val="1654406252"/>
-      </p:ext>
-    </p:extLst>
-  </p:cSld>
-  <p:clrMapOvr>
-    <a:masterClrMapping/>
-  </p:clrMapOvr>
-  <p:transition>
-    <p:fade/>
-  </p:transition>
-</p:sld>
-</file>
-
 <file path=ppt/slides/slide6.xml><?xml version="1.0" encoding="utf-8"?>
 <p:sld xmlns:a="http://schemas.openxmlformats.org/drawingml/2006/main" xmlns:r="http://schemas.openxmlformats.org/officeDocument/2006/relationships" xmlns:p="http://schemas.openxmlformats.org/presentationml/2006/main">
   <p:cSld>
@@ -7292,7 +8366,7 @@
           <p:cNvPr id="2" name="Text Placeholder 1">
             <a:extLst>
               <a:ext uri="{FF2B5EF4-FFF2-40B4-BE49-F238E27FC236}">
-                <a16:creationId xmlns:a16="http://schemas.microsoft.com/office/drawing/2014/main" id="{CB9632CA-1594-49E6-AE06-89438AF393A5}"/>
+                <a16:creationId xmlns:a16="http://schemas.microsoft.com/office/drawing/2014/main" id="{3C84031A-1402-4035-A050-6090EAC635A1}"/>
               </a:ext>
             </a:extLst>
           </p:cNvPr>
@@ -7305,7 +8379,7 @@
         </p:nvSpPr>
         <p:spPr>
           <a:xfrm>
-            <a:off x="944238" y="528246"/>
+            <a:off x="904482" y="438018"/>
             <a:ext cx="10524898" cy="1080861"/>
           </a:xfrm>
         </p:spPr>
@@ -7328,7 +8402,7 @@
           <p:cNvPr id="3" name="Text Placeholder 2">
             <a:extLst>
               <a:ext uri="{FF2B5EF4-FFF2-40B4-BE49-F238E27FC236}">
-                <a16:creationId xmlns:a16="http://schemas.microsoft.com/office/drawing/2014/main" id="{7E0EDA5C-352C-44F1-B982-C3C9375C273F}"/>
+                <a16:creationId xmlns:a16="http://schemas.microsoft.com/office/drawing/2014/main" id="{D8688067-2870-495A-80F7-BECD4BAC74B6}"/>
               </a:ext>
             </a:extLst>
           </p:cNvPr>
@@ -7341,8 +8415,8 @@
         </p:nvSpPr>
         <p:spPr>
           <a:xfrm>
-            <a:off x="1043629" y="1166843"/>
-            <a:ext cx="4929788" cy="1080861"/>
+            <a:off x="1083386" y="1272210"/>
+            <a:ext cx="10524898" cy="4601816"/>
           </a:xfrm>
         </p:spPr>
         <p:txBody>
@@ -7351,13 +8425,68 @@
           <a:p>
             <a:r>
               <a:rPr lang="pl-PL" dirty="0"/>
-              <a:t>Docker main commands </a:t>
+              <a:t>Docker’s main concepts</a:t>
             </a:r>
           </a:p>
           <a:p>
             <a:endParaRPr lang="pl-PL" dirty="0"/>
           </a:p>
           <a:p>
+            <a:pPr marL="457200" indent="-457200">
+              <a:buFont typeface="Arial" panose="020B0604020202020204" pitchFamily="34" charset="0"/>
+              <a:buChar char="•"/>
+            </a:pPr>
+            <a:r>
+              <a:rPr lang="pl-PL" dirty="0"/>
+              <a:t>Image - </a:t>
+            </a:r>
+            <a:r>
+              <a:rPr lang="en-US" dirty="0"/>
+              <a:t>read-only template with instructions for creating a Docker container</a:t>
+            </a:r>
+            <a:endParaRPr lang="pl-PL" dirty="0"/>
+          </a:p>
+          <a:p>
+            <a:pPr marL="457200" indent="-457200">
+              <a:buFont typeface="Arial" panose="020B0604020202020204" pitchFamily="34" charset="0"/>
+              <a:buChar char="•"/>
+            </a:pPr>
+            <a:r>
+              <a:rPr lang="pl-PL" dirty="0"/>
+              <a:t>Container  -</a:t>
+            </a:r>
+            <a:r>
+              <a:rPr lang="en-US" dirty="0"/>
+              <a:t> runnable instance of an image. </a:t>
+            </a:r>
+            <a:r>
+              <a:rPr lang="pl-PL" dirty="0"/>
+              <a:t>We</a:t>
+            </a:r>
+            <a:r>
+              <a:rPr lang="en-US" dirty="0"/>
+              <a:t> can create, start, stop, move, or delete </a:t>
+            </a:r>
+            <a:r>
+              <a:rPr lang="pl-PL" dirty="0"/>
+              <a:t>it.</a:t>
+            </a:r>
+          </a:p>
+          <a:p>
+            <a:pPr marL="457200" indent="-457200">
+              <a:buFont typeface="Arial" panose="020B0604020202020204" pitchFamily="34" charset="0"/>
+              <a:buChar char="•"/>
+            </a:pPr>
+            <a:r>
+              <a:rPr lang="pl-PL" dirty="0"/>
+              <a:t>Volume – mechanism to persist data. We can bind local file or directory to location in the container </a:t>
+            </a:r>
+          </a:p>
+          <a:p>
+            <a:pPr marL="457200" indent="-457200">
+              <a:buFont typeface="Arial" panose="020B0604020202020204" pitchFamily="34" charset="0"/>
+              <a:buChar char="•"/>
+            </a:pPr>
             <a:endParaRPr lang="pl-PL" dirty="0"/>
           </a:p>
         </p:txBody>
@@ -7367,7 +8496,7 @@
           <p:cNvPr id="4" name="Slide Number Placeholder 3">
             <a:extLst>
               <a:ext uri="{FF2B5EF4-FFF2-40B4-BE49-F238E27FC236}">
-                <a16:creationId xmlns:a16="http://schemas.microsoft.com/office/drawing/2014/main" id="{17C24374-7FF7-4D3D-9299-69D1279FE8FA}"/>
+                <a16:creationId xmlns:a16="http://schemas.microsoft.com/office/drawing/2014/main" id="{D6AAD227-25F2-48F5-8657-F07297852AA4}"/>
               </a:ext>
             </a:extLst>
           </p:cNvPr>
@@ -7392,138 +8521,10 @@
           </a:p>
         </p:txBody>
       </p:sp>
-      <p:sp>
-        <p:nvSpPr>
-          <p:cNvPr id="5" name="Rectangle 4">
-            <a:extLst>
-              <a:ext uri="{FF2B5EF4-FFF2-40B4-BE49-F238E27FC236}">
-                <a16:creationId xmlns:a16="http://schemas.microsoft.com/office/drawing/2014/main" id="{37FAA45B-166C-403D-8AA6-8B3AF0226867}"/>
-              </a:ext>
-            </a:extLst>
-          </p:cNvPr>
-          <p:cNvSpPr/>
-          <p:nvPr/>
-        </p:nvSpPr>
-        <p:spPr>
-          <a:xfrm>
-            <a:off x="944238" y="1643175"/>
-            <a:ext cx="7891649" cy="4524315"/>
-          </a:xfrm>
-          <a:prstGeom prst="rect">
-            <a:avLst/>
-          </a:prstGeom>
-        </p:spPr>
-        <p:txBody>
-          <a:bodyPr wrap="square">
-            <a:spAutoFit/>
-          </a:bodyPr>
-          <a:lstStyle/>
-          <a:p>
-            <a:r>
-              <a:rPr lang="pl-PL" dirty="0"/>
-              <a:t>docker build -f .\Dockerfile -t jakubgw/test-image .</a:t>
-            </a:r>
-          </a:p>
-          <a:p>
-            <a:endParaRPr lang="pl-PL" dirty="0"/>
-          </a:p>
-          <a:p>
-            <a:r>
-              <a:rPr lang="sv-SE" dirty="0"/>
-              <a:t>docker run -p </a:t>
-            </a:r>
-            <a:r>
-              <a:rPr lang="pl-PL" dirty="0"/>
-              <a:t>internal</a:t>
-            </a:r>
-            <a:r>
-              <a:rPr lang="sv-SE" dirty="0"/>
-              <a:t>:</a:t>
-            </a:r>
-            <a:r>
-              <a:rPr lang="pl-PL" dirty="0"/>
-              <a:t>external -v"$(pwd):/var/www" </a:t>
-            </a:r>
-            <a:r>
-              <a:rPr lang="sv-SE" dirty="0"/>
-              <a:t> azuredockerrepotest</a:t>
-            </a:r>
-          </a:p>
-          <a:p>
-            <a:endParaRPr lang="pl-PL" dirty="0"/>
-          </a:p>
-          <a:p>
-            <a:r>
-              <a:rPr lang="pl-PL" dirty="0"/>
-              <a:t>docker pull  remote-repo-name</a:t>
-            </a:r>
-          </a:p>
-          <a:p>
-            <a:r>
-              <a:rPr lang="pl-PL" dirty="0"/>
-              <a:t>docker push  repo-name</a:t>
-            </a:r>
-          </a:p>
-          <a:p>
-            <a:endParaRPr lang="pl-PL" dirty="0"/>
-          </a:p>
-          <a:p>
-            <a:r>
-              <a:rPr lang="pl-PL" dirty="0"/>
-              <a:t>docker images </a:t>
-            </a:r>
-          </a:p>
-          <a:p>
-            <a:r>
-              <a:rPr lang="pl-PL" dirty="0"/>
-              <a:t>docker run image-name</a:t>
-            </a:r>
-          </a:p>
-          <a:p>
-            <a:r>
-              <a:rPr lang="pl-PL" dirty="0"/>
-              <a:t>docker rmi image-id</a:t>
-            </a:r>
-          </a:p>
-          <a:p>
-            <a:r>
-              <a:rPr lang="pl-PL" dirty="0"/>
-              <a:t> </a:t>
-            </a:r>
-          </a:p>
-          <a:p>
-            <a:r>
-              <a:rPr lang="pl-PL" dirty="0"/>
-              <a:t>docker ps</a:t>
-            </a:r>
-          </a:p>
-          <a:p>
-            <a:r>
-              <a:rPr lang="pl-PL" dirty="0"/>
-              <a:t>docker ps -a</a:t>
-            </a:r>
-          </a:p>
-          <a:p>
-            <a:r>
-              <a:rPr lang="pl-PL" dirty="0"/>
-              <a:t>docker rm container-id</a:t>
-            </a:r>
-          </a:p>
-          <a:p>
-            <a:endParaRPr lang="pl-PL" dirty="0"/>
-          </a:p>
-          <a:p>
-            <a:r>
-              <a:rPr lang="pl-PL" dirty="0"/>
-              <a:t>docker exec -it  container-id bash</a:t>
-            </a:r>
-          </a:p>
-        </p:txBody>
-      </p:sp>
     </p:spTree>
     <p:extLst>
       <p:ext uri="{BB962C8B-B14F-4D97-AF65-F5344CB8AC3E}">
-        <p14:creationId xmlns:p14="http://schemas.microsoft.com/office/powerpoint/2010/main" val="977187417"/>
+        <p14:creationId xmlns:p14="http://schemas.microsoft.com/office/powerpoint/2010/main" val="1654406252"/>
       </p:ext>
     </p:extLst>
   </p:cSld>
@@ -7558,7 +8559,7 @@
           <p:cNvPr id="2" name="Text Placeholder 1">
             <a:extLst>
               <a:ext uri="{FF2B5EF4-FFF2-40B4-BE49-F238E27FC236}">
-                <a16:creationId xmlns:a16="http://schemas.microsoft.com/office/drawing/2014/main" id="{D3A8B7D2-C780-47D3-984A-723207EB9D7B}"/>
+                <a16:creationId xmlns:a16="http://schemas.microsoft.com/office/drawing/2014/main" id="{CB9632CA-1594-49E6-AE06-89438AF393A5}"/>
               </a:ext>
             </a:extLst>
           </p:cNvPr>
@@ -7571,7 +8572,7 @@
         </p:nvSpPr>
         <p:spPr>
           <a:xfrm>
-            <a:off x="964117" y="528246"/>
+            <a:off x="944238" y="528246"/>
             <a:ext cx="10524898" cy="1080861"/>
           </a:xfrm>
         </p:spPr>
@@ -7594,7 +8595,7 @@
           <p:cNvPr id="3" name="Text Placeholder 2">
             <a:extLst>
               <a:ext uri="{FF2B5EF4-FFF2-40B4-BE49-F238E27FC236}">
-                <a16:creationId xmlns:a16="http://schemas.microsoft.com/office/drawing/2014/main" id="{CFBF4744-38BD-4437-A903-E9F8CA7E37EB}"/>
+                <a16:creationId xmlns:a16="http://schemas.microsoft.com/office/drawing/2014/main" id="{7E0EDA5C-352C-44F1-B982-C3C9375C273F}"/>
               </a:ext>
             </a:extLst>
           </p:cNvPr>
@@ -7607,8 +8608,8 @@
         </p:nvSpPr>
         <p:spPr>
           <a:xfrm>
-            <a:off x="964117" y="1709530"/>
-            <a:ext cx="10389683" cy="3539363"/>
+            <a:off x="1043629" y="1166843"/>
+            <a:ext cx="4929788" cy="1080861"/>
           </a:xfrm>
         </p:spPr>
         <p:txBody>
@@ -7617,51 +8618,14 @@
           <a:p>
             <a:r>
               <a:rPr lang="pl-PL" dirty="0"/>
-              <a:t>Let’s play ! Run ./createAndRunImage.ps1 script</a:t>
+              <a:t>Docker main commands </a:t>
             </a:r>
           </a:p>
           <a:p>
             <a:endParaRPr lang="pl-PL" dirty="0"/>
           </a:p>
           <a:p>
-            <a:pPr marL="457200" indent="-457200">
-              <a:buFontTx/>
-              <a:buChar char="-"/>
-            </a:pPr>
-            <a:r>
-              <a:rPr lang="pl-PL" dirty="0"/>
-              <a:t>Build image</a:t>
-            </a:r>
-          </a:p>
-          <a:p>
-            <a:pPr marL="457200" indent="-457200">
-              <a:buFontTx/>
-              <a:buChar char="-"/>
-            </a:pPr>
-            <a:r>
-              <a:rPr lang="pl-PL" dirty="0"/>
-              <a:t>Run container  </a:t>
-            </a:r>
-          </a:p>
-          <a:p>
-            <a:pPr marL="457200" indent="-457200">
-              <a:buFontTx/>
-              <a:buChar char="-"/>
-            </a:pPr>
-            <a:r>
-              <a:rPr lang="pl-PL" dirty="0"/>
-              <a:t>Login into container </a:t>
-            </a:r>
-          </a:p>
-          <a:p>
-            <a:pPr marL="457200" indent="-457200">
-              <a:buFontTx/>
-              <a:buChar char="-"/>
-            </a:pPr>
-            <a:r>
-              <a:rPr lang="pl-PL" dirty="0"/>
-              <a:t>Remove container &amp; image  </a:t>
-            </a:r>
+            <a:endParaRPr lang="pl-PL" dirty="0"/>
           </a:p>
         </p:txBody>
       </p:sp>
@@ -7670,7 +8634,7 @@
           <p:cNvPr id="4" name="Slide Number Placeholder 3">
             <a:extLst>
               <a:ext uri="{FF2B5EF4-FFF2-40B4-BE49-F238E27FC236}">
-                <a16:creationId xmlns:a16="http://schemas.microsoft.com/office/drawing/2014/main" id="{3FE2FB5F-292C-4140-B249-0ACFFB159235}"/>
+                <a16:creationId xmlns:a16="http://schemas.microsoft.com/office/drawing/2014/main" id="{17C24374-7FF7-4D3D-9299-69D1279FE8FA}"/>
               </a:ext>
             </a:extLst>
           </p:cNvPr>
@@ -7695,10 +8659,138 @@
           </a:p>
         </p:txBody>
       </p:sp>
+      <p:sp>
+        <p:nvSpPr>
+          <p:cNvPr id="5" name="Rectangle 4">
+            <a:extLst>
+              <a:ext uri="{FF2B5EF4-FFF2-40B4-BE49-F238E27FC236}">
+                <a16:creationId xmlns:a16="http://schemas.microsoft.com/office/drawing/2014/main" id="{37FAA45B-166C-403D-8AA6-8B3AF0226867}"/>
+              </a:ext>
+            </a:extLst>
+          </p:cNvPr>
+          <p:cNvSpPr/>
+          <p:nvPr/>
+        </p:nvSpPr>
+        <p:spPr>
+          <a:xfrm>
+            <a:off x="944238" y="1643175"/>
+            <a:ext cx="7891649" cy="4524315"/>
+          </a:xfrm>
+          <a:prstGeom prst="rect">
+            <a:avLst/>
+          </a:prstGeom>
+        </p:spPr>
+        <p:txBody>
+          <a:bodyPr wrap="square">
+            <a:spAutoFit/>
+          </a:bodyPr>
+          <a:lstStyle/>
+          <a:p>
+            <a:r>
+              <a:rPr lang="pl-PL" dirty="0"/>
+              <a:t>docker build -f .\Dockerfile -t jakubgw/test-image .</a:t>
+            </a:r>
+          </a:p>
+          <a:p>
+            <a:endParaRPr lang="pl-PL" dirty="0"/>
+          </a:p>
+          <a:p>
+            <a:r>
+              <a:rPr lang="sv-SE" dirty="0"/>
+              <a:t>docker run -p </a:t>
+            </a:r>
+            <a:r>
+              <a:rPr lang="pl-PL" dirty="0"/>
+              <a:t>internal</a:t>
+            </a:r>
+            <a:r>
+              <a:rPr lang="sv-SE" dirty="0"/>
+              <a:t>:</a:t>
+            </a:r>
+            <a:r>
+              <a:rPr lang="pl-PL" dirty="0"/>
+              <a:t>external -v"$(pwd):/var/www" </a:t>
+            </a:r>
+            <a:r>
+              <a:rPr lang="sv-SE" dirty="0"/>
+              <a:t> azuredockerrepotest</a:t>
+            </a:r>
+          </a:p>
+          <a:p>
+            <a:endParaRPr lang="pl-PL" dirty="0"/>
+          </a:p>
+          <a:p>
+            <a:r>
+              <a:rPr lang="pl-PL" dirty="0"/>
+              <a:t>docker pull  remote-repo-name</a:t>
+            </a:r>
+          </a:p>
+          <a:p>
+            <a:r>
+              <a:rPr lang="pl-PL" dirty="0"/>
+              <a:t>docker push  repo-name</a:t>
+            </a:r>
+          </a:p>
+          <a:p>
+            <a:endParaRPr lang="pl-PL" dirty="0"/>
+          </a:p>
+          <a:p>
+            <a:r>
+              <a:rPr lang="pl-PL" dirty="0"/>
+              <a:t>docker images </a:t>
+            </a:r>
+          </a:p>
+          <a:p>
+            <a:r>
+              <a:rPr lang="pl-PL" dirty="0"/>
+              <a:t>docker run image-name</a:t>
+            </a:r>
+          </a:p>
+          <a:p>
+            <a:r>
+              <a:rPr lang="pl-PL" dirty="0"/>
+              <a:t>docker rmi image-id</a:t>
+            </a:r>
+          </a:p>
+          <a:p>
+            <a:r>
+              <a:rPr lang="pl-PL" dirty="0"/>
+              <a:t> </a:t>
+            </a:r>
+          </a:p>
+          <a:p>
+            <a:r>
+              <a:rPr lang="pl-PL" dirty="0"/>
+              <a:t>docker ps</a:t>
+            </a:r>
+          </a:p>
+          <a:p>
+            <a:r>
+              <a:rPr lang="pl-PL" dirty="0"/>
+              <a:t>docker ps -a</a:t>
+            </a:r>
+          </a:p>
+          <a:p>
+            <a:r>
+              <a:rPr lang="pl-PL" dirty="0"/>
+              <a:t>docker rm container-id</a:t>
+            </a:r>
+          </a:p>
+          <a:p>
+            <a:endParaRPr lang="pl-PL" dirty="0"/>
+          </a:p>
+          <a:p>
+            <a:r>
+              <a:rPr lang="pl-PL" dirty="0"/>
+              <a:t>docker exec -it  container-id bash</a:t>
+            </a:r>
+          </a:p>
+        </p:txBody>
+      </p:sp>
     </p:spTree>
     <p:extLst>
       <p:ext uri="{BB962C8B-B14F-4D97-AF65-F5344CB8AC3E}">
-        <p14:creationId xmlns:p14="http://schemas.microsoft.com/office/powerpoint/2010/main" val="1764393759"/>
+        <p14:creationId xmlns:p14="http://schemas.microsoft.com/office/powerpoint/2010/main" val="977187417"/>
       </p:ext>
     </p:extLst>
   </p:cSld>
@@ -7733,7 +8825,7 @@
           <p:cNvPr id="2" name="Text Placeholder 1">
             <a:extLst>
               <a:ext uri="{FF2B5EF4-FFF2-40B4-BE49-F238E27FC236}">
-                <a16:creationId xmlns:a16="http://schemas.microsoft.com/office/drawing/2014/main" id="{9F4FBC4D-4CD2-4704-9617-44E8DA411023}"/>
+                <a16:creationId xmlns:a16="http://schemas.microsoft.com/office/drawing/2014/main" id="{D3A8B7D2-C780-47D3-984A-723207EB9D7B}"/>
               </a:ext>
             </a:extLst>
           </p:cNvPr>
@@ -7746,7 +8838,7 @@
         </p:nvSpPr>
         <p:spPr>
           <a:xfrm>
-            <a:off x="924360" y="528246"/>
+            <a:off x="964117" y="528246"/>
             <a:ext cx="10524898" cy="1080861"/>
           </a:xfrm>
         </p:spPr>
@@ -7769,7 +8861,7 @@
           <p:cNvPr id="3" name="Text Placeholder 2">
             <a:extLst>
               <a:ext uri="{FF2B5EF4-FFF2-40B4-BE49-F238E27FC236}">
-                <a16:creationId xmlns:a16="http://schemas.microsoft.com/office/drawing/2014/main" id="{94D7031E-78FA-47FE-924A-6D3D9FBD9B95}"/>
+                <a16:creationId xmlns:a16="http://schemas.microsoft.com/office/drawing/2014/main" id="{CFBF4744-38BD-4437-A903-E9F8CA7E37EB}"/>
               </a:ext>
             </a:extLst>
           </p:cNvPr>
@@ -7782,8 +8874,8 @@
         </p:nvSpPr>
         <p:spPr>
           <a:xfrm>
-            <a:off x="1083386" y="1480930"/>
-            <a:ext cx="10524898" cy="4393096"/>
+            <a:off x="964117" y="1709530"/>
+            <a:ext cx="10389683" cy="3539363"/>
           </a:xfrm>
         </p:spPr>
         <p:txBody>
@@ -7792,7 +8884,7 @@
           <a:p>
             <a:r>
               <a:rPr lang="pl-PL" dirty="0"/>
-              <a:t>Much broder topic </a:t>
+              <a:t>Let’s play ! Run ./createAndRunImage.ps1 script</a:t>
             </a:r>
           </a:p>
           <a:p>
@@ -7805,7 +8897,7 @@
             </a:pPr>
             <a:r>
               <a:rPr lang="pl-PL" dirty="0"/>
-              <a:t>Networks </a:t>
+              <a:t>Build image</a:t>
             </a:r>
           </a:p>
           <a:p>
@@ -7815,7 +8907,7 @@
             </a:pPr>
             <a:r>
               <a:rPr lang="pl-PL" dirty="0"/>
-              <a:t>Windows docker images </a:t>
+              <a:t>Run container  </a:t>
             </a:r>
           </a:p>
           <a:p>
@@ -7825,7 +8917,7 @@
             </a:pPr>
             <a:r>
               <a:rPr lang="pl-PL" dirty="0"/>
-              <a:t>Docker Compose </a:t>
+              <a:t>Login into container </a:t>
             </a:r>
           </a:p>
           <a:p>
@@ -7835,24 +8927,7 @@
             </a:pPr>
             <a:r>
               <a:rPr lang="pl-PL" dirty="0"/>
-              <a:t>Docker Swarm (better use K8s </a:t>
-            </a:r>
-            <a:r>
-              <a:rPr lang="pl-PL" dirty="0">
-                <a:sym typeface="Wingdings" panose="05000000000000000000" pitchFamily="2" charset="2"/>
-              </a:rPr>
-              <a:t> )</a:t>
-            </a:r>
-            <a:endParaRPr lang="pl-PL" dirty="0"/>
-          </a:p>
-          <a:p>
-            <a:pPr marL="457200" indent="-457200">
-              <a:buFontTx/>
-              <a:buChar char="-"/>
-            </a:pPr>
-            <a:r>
-              <a:rPr lang="pl-PL" dirty="0"/>
-              <a:t>And so on.. </a:t>
+              <a:t>Remove container &amp; image  </a:t>
             </a:r>
           </a:p>
         </p:txBody>
@@ -7862,7 +8937,7 @@
           <p:cNvPr id="4" name="Slide Number Placeholder 3">
             <a:extLst>
               <a:ext uri="{FF2B5EF4-FFF2-40B4-BE49-F238E27FC236}">
-                <a16:creationId xmlns:a16="http://schemas.microsoft.com/office/drawing/2014/main" id="{E114CADD-4C84-4DB4-B0CA-F742C49DC894}"/>
+                <a16:creationId xmlns:a16="http://schemas.microsoft.com/office/drawing/2014/main" id="{3FE2FB5F-292C-4140-B249-0ACFFB159235}"/>
               </a:ext>
             </a:extLst>
           </p:cNvPr>
@@ -7890,7 +8965,7 @@
     </p:spTree>
     <p:extLst>
       <p:ext uri="{BB962C8B-B14F-4D97-AF65-F5344CB8AC3E}">
-        <p14:creationId xmlns:p14="http://schemas.microsoft.com/office/powerpoint/2010/main" val="2428294545"/>
+        <p14:creationId xmlns:p14="http://schemas.microsoft.com/office/powerpoint/2010/main" val="1764393759"/>
       </p:ext>
     </p:extLst>
   </p:cSld>
@@ -7925,7 +9000,7 @@
           <p:cNvPr id="2" name="Text Placeholder 1">
             <a:extLst>
               <a:ext uri="{FF2B5EF4-FFF2-40B4-BE49-F238E27FC236}">
-                <a16:creationId xmlns:a16="http://schemas.microsoft.com/office/drawing/2014/main" id="{E36198AD-F532-40F2-8D83-651571C27D5A}"/>
+                <a16:creationId xmlns:a16="http://schemas.microsoft.com/office/drawing/2014/main" id="{9F4FBC4D-4CD2-4704-9617-44E8DA411023}"/>
               </a:ext>
             </a:extLst>
           </p:cNvPr>
@@ -7938,7 +9013,7 @@
         </p:nvSpPr>
         <p:spPr>
           <a:xfrm>
-            <a:off x="952758" y="632352"/>
+            <a:off x="924360" y="528246"/>
             <a:ext cx="10524898" cy="1080861"/>
           </a:xfrm>
         </p:spPr>
@@ -7948,8 +9023,11 @@
           <a:p>
             <a:r>
               <a:rPr lang="pl-PL" dirty="0"/>
-              <a:t>Azure Container Register</a:t>
-            </a:r>
+              <a:t>Containers &amp; Docker </a:t>
+            </a:r>
+          </a:p>
+          <a:p>
+            <a:endParaRPr lang="pl-PL" dirty="0"/>
           </a:p>
         </p:txBody>
       </p:sp>
@@ -7958,7 +9036,7 @@
           <p:cNvPr id="3" name="Text Placeholder 2">
             <a:extLst>
               <a:ext uri="{FF2B5EF4-FFF2-40B4-BE49-F238E27FC236}">
-                <a16:creationId xmlns:a16="http://schemas.microsoft.com/office/drawing/2014/main" id="{EB70B010-88F2-4353-824D-1620CB02EBAE}"/>
+                <a16:creationId xmlns:a16="http://schemas.microsoft.com/office/drawing/2014/main" id="{94D7031E-78FA-47FE-924A-6D3D9FBD9B95}"/>
               </a:ext>
             </a:extLst>
           </p:cNvPr>
@@ -7971,8 +9049,8 @@
         </p:nvSpPr>
         <p:spPr>
           <a:xfrm>
-            <a:off x="1083386" y="1411358"/>
-            <a:ext cx="10524898" cy="4814290"/>
+            <a:off x="1083386" y="1480930"/>
+            <a:ext cx="10524898" cy="4393096"/>
           </a:xfrm>
         </p:spPr>
         <p:txBody>
@@ -7980,22 +9058,12 @@
           <a:lstStyle/>
           <a:p>
             <a:r>
-              <a:rPr lang="en-US" dirty="0"/>
-              <a:t>The Registry is a stateless, highly scalable server side application that stores and lets you distribute Docker images</a:t>
-            </a:r>
-            <a:r>
-              <a:rPr lang="pl-PL" dirty="0"/>
-              <a:t>.</a:t>
+              <a:rPr lang="pl-PL" dirty="0"/>
+              <a:t>Much broder topic </a:t>
             </a:r>
           </a:p>
           <a:p>
             <a:endParaRPr lang="pl-PL" dirty="0"/>
-          </a:p>
-          <a:p>
-            <a:r>
-              <a:rPr lang="pl-PL" dirty="0"/>
-              <a:t>There are many avaliable :</a:t>
-            </a:r>
           </a:p>
           <a:p>
             <a:pPr marL="457200" indent="-457200">
@@ -8004,7 +9072,7 @@
             </a:pPr>
             <a:r>
               <a:rPr lang="pl-PL" dirty="0"/>
-              <a:t>Docker hub</a:t>
+              <a:t>Networks </a:t>
             </a:r>
           </a:p>
           <a:p>
@@ -8014,7 +9082,7 @@
             </a:pPr>
             <a:r>
               <a:rPr lang="pl-PL" dirty="0"/>
-              <a:t>Google Cloud Register </a:t>
+              <a:t>Windows docker images </a:t>
             </a:r>
           </a:p>
           <a:p>
@@ -8024,7 +9092,7 @@
             </a:pPr>
             <a:r>
               <a:rPr lang="pl-PL" dirty="0"/>
-              <a:t>AWS Container Registry</a:t>
+              <a:t>Docker Compose </a:t>
             </a:r>
           </a:p>
           <a:p>
@@ -8033,9 +9101,16 @@
               <a:buChar char="-"/>
             </a:pPr>
             <a:r>
-              <a:rPr lang="pl-PL" b="1" dirty="0"/>
-              <a:t>Azure Container Register </a:t>
-            </a:r>
+              <a:rPr lang="pl-PL" dirty="0"/>
+              <a:t>Docker Swarm (better use K8s </a:t>
+            </a:r>
+            <a:r>
+              <a:rPr lang="pl-PL" dirty="0">
+                <a:sym typeface="Wingdings" panose="05000000000000000000" pitchFamily="2" charset="2"/>
+              </a:rPr>
+              <a:t> )</a:t>
+            </a:r>
+            <a:endParaRPr lang="pl-PL" dirty="0"/>
           </a:p>
           <a:p>
             <a:pPr marL="457200" indent="-457200">
@@ -8044,7 +9119,7 @@
             </a:pPr>
             <a:r>
               <a:rPr lang="pl-PL" dirty="0"/>
-              <a:t>And so on..</a:t>
+              <a:t>And so on.. </a:t>
             </a:r>
           </a:p>
         </p:txBody>
@@ -8054,7 +9129,7 @@
           <p:cNvPr id="4" name="Slide Number Placeholder 3">
             <a:extLst>
               <a:ext uri="{FF2B5EF4-FFF2-40B4-BE49-F238E27FC236}">
-                <a16:creationId xmlns:a16="http://schemas.microsoft.com/office/drawing/2014/main" id="{3EE17776-166D-44C4-8E82-4C877FEC5410}"/>
+                <a16:creationId xmlns:a16="http://schemas.microsoft.com/office/drawing/2014/main" id="{E114CADD-4C84-4DB4-B0CA-F742C49DC894}"/>
               </a:ext>
             </a:extLst>
           </p:cNvPr>
@@ -8082,7 +9157,7 @@
     </p:spTree>
     <p:extLst>
       <p:ext uri="{BB962C8B-B14F-4D97-AF65-F5344CB8AC3E}">
-        <p14:creationId xmlns:p14="http://schemas.microsoft.com/office/powerpoint/2010/main" val="1335642856"/>
+        <p14:creationId xmlns:p14="http://schemas.microsoft.com/office/powerpoint/2010/main" val="2428294545"/>
       </p:ext>
     </p:extLst>
   </p:cSld>

--- a/azure-containerization.pptx
+++ b/azure-containerization.pptx
@@ -220,7 +220,7 @@
           <a:p>
             <a:fld id="{AF96A753-1D98-4AE6-8E67-140FF97975C3}" type="datetimeFigureOut">
               <a:rPr lang="en-US" smtClean="0"/>
-              <a:t>3/9/2019</a:t>
+              <a:t>3/13/2019</a:t>
             </a:fld>
             <a:endParaRPr lang="en-US" dirty="0"/>
           </a:p>
@@ -6706,7 +6706,7 @@
           <a:p>
             <a:r>
               <a:rPr lang="pl-PL" dirty="0"/>
-              <a:t>With external tools like docker or kubectl lot of things is not possible with portal UI. </a:t>
+              <a:t>With external tools like docker or kubectl lot of things are not possible with portal UI. </a:t>
             </a:r>
           </a:p>
         </p:txBody>
@@ -9868,6 +9868,21 @@
 </file>
 
 <file path=customXml/item1.xml><?xml version="1.0" encoding="utf-8"?>
+<p:properties xmlns:p="http://schemas.microsoft.com/office/2006/metadata/properties" xmlns:xsi="http://www.w3.org/2001/XMLSchema-instance" xmlns:pc="http://schemas.microsoft.com/office/infopath/2007/PartnerControls">
+  <documentManagement/>
+</p:properties>
+</file>
+
+<file path=customXml/item2.xml><?xml version="1.0" encoding="utf-8"?>
+<?mso-contentType ?>
+<FormTemplates xmlns="http://schemas.microsoft.com/sharepoint/v3/contenttype/forms">
+  <Display>DocumentLibraryForm</Display>
+  <Edit>DocumentLibraryForm</Edit>
+  <New>DocumentLibraryForm</New>
+</FormTemplates>
+</file>
+
+<file path=customXml/item3.xml><?xml version="1.0" encoding="utf-8"?>
 <ct:contentTypeSchema xmlns:ct="http://schemas.microsoft.com/office/2006/metadata/contentType" xmlns:ma="http://schemas.microsoft.com/office/2006/metadata/properties/metaAttributes" ct:_="" ma:_="" ma:contentTypeName="Document" ma:contentTypeID="0x010100E3FE0192A8E73A4CBE9024D002920532" ma:contentTypeVersion="4" ma:contentTypeDescription="Create a new document." ma:contentTypeScope="" ma:versionID="0d8d7d6300e8a4bc3e35ba2e8abe715d">
   <xsd:schema xmlns:xsd="http://www.w3.org/2001/XMLSchema" xmlns:xs="http://www.w3.org/2001/XMLSchema" xmlns:p="http://schemas.microsoft.com/office/2006/metadata/properties" xmlns:ns2="71731efb-d95f-4b9c-81d3-edf9a8533796" xmlns:ns3="32d2e7c2-c546-45d1-9dfa-a2156753f9aa" targetNamespace="http://schemas.microsoft.com/office/2006/metadata/properties" ma:root="true" ma:fieldsID="81d01d78a55cc593d64bbd371c420f74" ns2:_="" ns3:_="">
     <xsd:import namespace="71731efb-d95f-4b9c-81d3-edf9a8533796"/>
@@ -10032,22 +10047,32 @@
 </ct:contentTypeSchema>
 </file>
 
-<file path=customXml/item2.xml><?xml version="1.0" encoding="utf-8"?>
-<?mso-contentType ?>
-<FormTemplates xmlns="http://schemas.microsoft.com/sharepoint/v3/contenttype/forms">
-  <Display>DocumentLibraryForm</Display>
-  <Edit>DocumentLibraryForm</Edit>
-  <New>DocumentLibraryForm</New>
-</FormTemplates>
+<file path=customXml/itemProps1.xml><?xml version="1.0" encoding="utf-8"?>
+<ds:datastoreItem xmlns:ds="http://schemas.openxmlformats.org/officeDocument/2006/customXml" ds:itemID="{2D640949-F722-4E85-A66F-2ADFE25CD1C4}">
+  <ds:schemaRefs>
+    <ds:schemaRef ds:uri="http://schemas.microsoft.com/office/2006/documentManagement/types"/>
+    <ds:schemaRef ds:uri="32d2e7c2-c546-45d1-9dfa-a2156753f9aa"/>
+    <ds:schemaRef ds:uri="http://purl.org/dc/elements/1.1/"/>
+    <ds:schemaRef ds:uri="http://schemas.microsoft.com/office/2006/metadata/properties"/>
+    <ds:schemaRef ds:uri="71731efb-d95f-4b9c-81d3-edf9a8533796"/>
+    <ds:schemaRef ds:uri="http://purl.org/dc/terms/"/>
+    <ds:schemaRef ds:uri="http://schemas.openxmlformats.org/package/2006/metadata/core-properties"/>
+    <ds:schemaRef ds:uri="http://schemas.microsoft.com/office/infopath/2007/PartnerControls"/>
+    <ds:schemaRef ds:uri="http://www.w3.org/XML/1998/namespace"/>
+    <ds:schemaRef ds:uri="http://purl.org/dc/dcmitype/"/>
+  </ds:schemaRefs>
+</ds:datastoreItem>
 </file>
 
-<file path=customXml/item3.xml><?xml version="1.0" encoding="utf-8"?>
-<p:properties xmlns:p="http://schemas.microsoft.com/office/2006/metadata/properties" xmlns:xsi="http://www.w3.org/2001/XMLSchema-instance" xmlns:pc="http://schemas.microsoft.com/office/infopath/2007/PartnerControls">
-  <documentManagement/>
-</p:properties>
+<file path=customXml/itemProps2.xml><?xml version="1.0" encoding="utf-8"?>
+<ds:datastoreItem xmlns:ds="http://schemas.openxmlformats.org/officeDocument/2006/customXml" ds:itemID="{CBD2056B-6A60-4370-9126-72E2651EF596}">
+  <ds:schemaRefs>
+    <ds:schemaRef ds:uri="http://schemas.microsoft.com/sharepoint/v3/contenttype/forms"/>
+  </ds:schemaRefs>
+</ds:datastoreItem>
 </file>
 
-<file path=customXml/itemProps1.xml><?xml version="1.0" encoding="utf-8"?>
+<file path=customXml/itemProps3.xml><?xml version="1.0" encoding="utf-8"?>
 <ds:datastoreItem xmlns:ds="http://schemas.openxmlformats.org/officeDocument/2006/customXml" ds:itemID="{04B8785A-4ABD-4BEC-BCA3-A6686A129790}">
   <ds:schemaRefs>
     <ds:schemaRef ds:uri="http://schemas.microsoft.com/office/2006/metadata/contentType"/>
@@ -10064,29 +10089,4 @@
     <ds:schemaRef ds:uri="http://schemas.microsoft.com/internal/obd"/>
   </ds:schemaRefs>
 </ds:datastoreItem>
-</file>
-
-<file path=customXml/itemProps2.xml><?xml version="1.0" encoding="utf-8"?>
-<ds:datastoreItem xmlns:ds="http://schemas.openxmlformats.org/officeDocument/2006/customXml" ds:itemID="{CBD2056B-6A60-4370-9126-72E2651EF596}">
-  <ds:schemaRefs>
-    <ds:schemaRef ds:uri="http://schemas.microsoft.com/sharepoint/v3/contenttype/forms"/>
-  </ds:schemaRefs>
-</ds:datastoreItem>
-</file>
-
-<file path=customXml/itemProps3.xml><?xml version="1.0" encoding="utf-8"?>
-<ds:datastoreItem xmlns:ds="http://schemas.openxmlformats.org/officeDocument/2006/customXml" ds:itemID="{2D640949-F722-4E85-A66F-2ADFE25CD1C4}">
-  <ds:schemaRefs>
-    <ds:schemaRef ds:uri="http://schemas.microsoft.com/office/2006/documentManagement/types"/>
-    <ds:schemaRef ds:uri="32d2e7c2-c546-45d1-9dfa-a2156753f9aa"/>
-    <ds:schemaRef ds:uri="http://purl.org/dc/elements/1.1/"/>
-    <ds:schemaRef ds:uri="http://schemas.microsoft.com/office/2006/metadata/properties"/>
-    <ds:schemaRef ds:uri="71731efb-d95f-4b9c-81d3-edf9a8533796"/>
-    <ds:schemaRef ds:uri="http://purl.org/dc/terms/"/>
-    <ds:schemaRef ds:uri="http://schemas.openxmlformats.org/package/2006/metadata/core-properties"/>
-    <ds:schemaRef ds:uri="http://schemas.microsoft.com/office/infopath/2007/PartnerControls"/>
-    <ds:schemaRef ds:uri="http://www.w3.org/XML/1998/namespace"/>
-    <ds:schemaRef ds:uri="http://purl.org/dc/dcmitype/"/>
-  </ds:schemaRefs>
-</ds:datastoreItem>
 </file>
--- a/azure-containerization.pptx
+++ b/azure-containerization.pptx
@@ -220,7 +220,7 @@
           <a:p>
             <a:fld id="{AF96A753-1D98-4AE6-8E67-140FF97975C3}" type="datetimeFigureOut">
               <a:rPr lang="en-US" smtClean="0"/>
-              <a:t>3/13/2019</a:t>
+              <a:t>3/14/2019</a:t>
             </a:fld>
             <a:endParaRPr lang="en-US" dirty="0"/>
           </a:p>
@@ -7833,7 +7833,7 @@
             </a:pPr>
             <a:r>
               <a:rPr lang="en-US" dirty="0"/>
-              <a:t>Create an Azure Managed Kubernetes Service (AKS) cluster</a:t>
+              <a:t>Create container images for solutions</a:t>
             </a:r>
             <a:endParaRPr lang="pl-PL" dirty="0"/>
           </a:p>
@@ -7844,7 +7844,7 @@
             </a:pPr>
             <a:r>
               <a:rPr lang="en-US" dirty="0"/>
-              <a:t>Create container images for solutions</a:t>
+              <a:t>Publish an image to the Azure Container Registry</a:t>
             </a:r>
             <a:endParaRPr lang="pl-PL" dirty="0"/>
           </a:p>
@@ -7855,7 +7855,11 @@
             </a:pPr>
             <a:r>
               <a:rPr lang="en-US" dirty="0"/>
-              <a:t>Publish an image to the Azure Container Registry</a:t>
+              <a:t>Create an Azure Managed Kubernetes Service (AKS</a:t>
+            </a:r>
+            <a:r>
+              <a:rPr lang="en-US"/>
+              <a:t>) cluster</a:t>
             </a:r>
             <a:endParaRPr lang="pl-PL" dirty="0"/>
           </a:p>
@@ -9868,21 +9872,6 @@
 </file>
 
 <file path=customXml/item1.xml><?xml version="1.0" encoding="utf-8"?>
-<p:properties xmlns:p="http://schemas.microsoft.com/office/2006/metadata/properties" xmlns:xsi="http://www.w3.org/2001/XMLSchema-instance" xmlns:pc="http://schemas.microsoft.com/office/infopath/2007/PartnerControls">
-  <documentManagement/>
-</p:properties>
-</file>
-
-<file path=customXml/item2.xml><?xml version="1.0" encoding="utf-8"?>
-<?mso-contentType ?>
-<FormTemplates xmlns="http://schemas.microsoft.com/sharepoint/v3/contenttype/forms">
-  <Display>DocumentLibraryForm</Display>
-  <Edit>DocumentLibraryForm</Edit>
-  <New>DocumentLibraryForm</New>
-</FormTemplates>
-</file>
-
-<file path=customXml/item3.xml><?xml version="1.0" encoding="utf-8"?>
 <ct:contentTypeSchema xmlns:ct="http://schemas.microsoft.com/office/2006/metadata/contentType" xmlns:ma="http://schemas.microsoft.com/office/2006/metadata/properties/metaAttributes" ct:_="" ma:_="" ma:contentTypeName="Document" ma:contentTypeID="0x010100E3FE0192A8E73A4CBE9024D002920532" ma:contentTypeVersion="4" ma:contentTypeDescription="Create a new document." ma:contentTypeScope="" ma:versionID="0d8d7d6300e8a4bc3e35ba2e8abe715d">
   <xsd:schema xmlns:xsd="http://www.w3.org/2001/XMLSchema" xmlns:xs="http://www.w3.org/2001/XMLSchema" xmlns:p="http://schemas.microsoft.com/office/2006/metadata/properties" xmlns:ns2="71731efb-d95f-4b9c-81d3-edf9a8533796" xmlns:ns3="32d2e7c2-c546-45d1-9dfa-a2156753f9aa" targetNamespace="http://schemas.microsoft.com/office/2006/metadata/properties" ma:root="true" ma:fieldsID="81d01d78a55cc593d64bbd371c420f74" ns2:_="" ns3:_="">
     <xsd:import namespace="71731efb-d95f-4b9c-81d3-edf9a8533796"/>
@@ -10047,32 +10036,22 @@
 </ct:contentTypeSchema>
 </file>
 
-<file path=customXml/itemProps1.xml><?xml version="1.0" encoding="utf-8"?>
-<ds:datastoreItem xmlns:ds="http://schemas.openxmlformats.org/officeDocument/2006/customXml" ds:itemID="{2D640949-F722-4E85-A66F-2ADFE25CD1C4}">
-  <ds:schemaRefs>
-    <ds:schemaRef ds:uri="http://schemas.microsoft.com/office/2006/documentManagement/types"/>
-    <ds:schemaRef ds:uri="32d2e7c2-c546-45d1-9dfa-a2156753f9aa"/>
-    <ds:schemaRef ds:uri="http://purl.org/dc/elements/1.1/"/>
-    <ds:schemaRef ds:uri="http://schemas.microsoft.com/office/2006/metadata/properties"/>
-    <ds:schemaRef ds:uri="71731efb-d95f-4b9c-81d3-edf9a8533796"/>
-    <ds:schemaRef ds:uri="http://purl.org/dc/terms/"/>
-    <ds:schemaRef ds:uri="http://schemas.openxmlformats.org/package/2006/metadata/core-properties"/>
-    <ds:schemaRef ds:uri="http://schemas.microsoft.com/office/infopath/2007/PartnerControls"/>
-    <ds:schemaRef ds:uri="http://www.w3.org/XML/1998/namespace"/>
-    <ds:schemaRef ds:uri="http://purl.org/dc/dcmitype/"/>
-  </ds:schemaRefs>
-</ds:datastoreItem>
+<file path=customXml/item2.xml><?xml version="1.0" encoding="utf-8"?>
+<?mso-contentType ?>
+<FormTemplates xmlns="http://schemas.microsoft.com/sharepoint/v3/contenttype/forms">
+  <Display>DocumentLibraryForm</Display>
+  <Edit>DocumentLibraryForm</Edit>
+  <New>DocumentLibraryForm</New>
+</FormTemplates>
 </file>
 
-<file path=customXml/itemProps2.xml><?xml version="1.0" encoding="utf-8"?>
-<ds:datastoreItem xmlns:ds="http://schemas.openxmlformats.org/officeDocument/2006/customXml" ds:itemID="{CBD2056B-6A60-4370-9126-72E2651EF596}">
-  <ds:schemaRefs>
-    <ds:schemaRef ds:uri="http://schemas.microsoft.com/sharepoint/v3/contenttype/forms"/>
-  </ds:schemaRefs>
-</ds:datastoreItem>
+<file path=customXml/item3.xml><?xml version="1.0" encoding="utf-8"?>
+<p:properties xmlns:p="http://schemas.microsoft.com/office/2006/metadata/properties" xmlns:xsi="http://www.w3.org/2001/XMLSchema-instance" xmlns:pc="http://schemas.microsoft.com/office/infopath/2007/PartnerControls">
+  <documentManagement/>
+</p:properties>
 </file>
 
-<file path=customXml/itemProps3.xml><?xml version="1.0" encoding="utf-8"?>
+<file path=customXml/itemProps1.xml><?xml version="1.0" encoding="utf-8"?>
 <ds:datastoreItem xmlns:ds="http://schemas.openxmlformats.org/officeDocument/2006/customXml" ds:itemID="{04B8785A-4ABD-4BEC-BCA3-A6686A129790}">
   <ds:schemaRefs>
     <ds:schemaRef ds:uri="http://schemas.microsoft.com/office/2006/metadata/contentType"/>
@@ -10089,4 +10068,29 @@
     <ds:schemaRef ds:uri="http://schemas.microsoft.com/internal/obd"/>
   </ds:schemaRefs>
 </ds:datastoreItem>
+</file>
+
+<file path=customXml/itemProps2.xml><?xml version="1.0" encoding="utf-8"?>
+<ds:datastoreItem xmlns:ds="http://schemas.openxmlformats.org/officeDocument/2006/customXml" ds:itemID="{CBD2056B-6A60-4370-9126-72E2651EF596}">
+  <ds:schemaRefs>
+    <ds:schemaRef ds:uri="http://schemas.microsoft.com/sharepoint/v3/contenttype/forms"/>
+  </ds:schemaRefs>
+</ds:datastoreItem>
+</file>
+
+<file path=customXml/itemProps3.xml><?xml version="1.0" encoding="utf-8"?>
+<ds:datastoreItem xmlns:ds="http://schemas.openxmlformats.org/officeDocument/2006/customXml" ds:itemID="{2D640949-F722-4E85-A66F-2ADFE25CD1C4}">
+  <ds:schemaRefs>
+    <ds:schemaRef ds:uri="32d2e7c2-c546-45d1-9dfa-a2156753f9aa"/>
+    <ds:schemaRef ds:uri="http://purl.org/dc/elements/1.1/"/>
+    <ds:schemaRef ds:uri="http://schemas.microsoft.com/office/2006/metadata/properties"/>
+    <ds:schemaRef ds:uri="http://schemas.microsoft.com/office/2006/documentManagement/types"/>
+    <ds:schemaRef ds:uri="71731efb-d95f-4b9c-81d3-edf9a8533796"/>
+    <ds:schemaRef ds:uri="http://purl.org/dc/terms/"/>
+    <ds:schemaRef ds:uri="http://schemas.openxmlformats.org/package/2006/metadata/core-properties"/>
+    <ds:schemaRef ds:uri="http://purl.org/dc/dcmitype/"/>
+    <ds:schemaRef ds:uri="http://schemas.microsoft.com/office/infopath/2007/PartnerControls"/>
+    <ds:schemaRef ds:uri="http://www.w3.org/XML/1998/namespace"/>
+  </ds:schemaRefs>
+</ds:datastoreItem>
 </file>